--- a/assets/presentation.pptx
+++ b/assets/presentation.pptx
@@ -6,13 +6,14 @@
   </p:sldMasterIdLst>
   <p:sldIdLst>
     <p:sldId id="256" r:id="rId2"/>
-    <p:sldId id="257" r:id="rId3"/>
-    <p:sldId id="258" r:id="rId4"/>
-    <p:sldId id="267" r:id="rId5"/>
-    <p:sldId id="268" r:id="rId6"/>
-    <p:sldId id="269" r:id="rId7"/>
-    <p:sldId id="265" r:id="rId8"/>
-    <p:sldId id="266" r:id="rId9"/>
+    <p:sldId id="270" r:id="rId3"/>
+    <p:sldId id="257" r:id="rId4"/>
+    <p:sldId id="258" r:id="rId5"/>
+    <p:sldId id="267" r:id="rId6"/>
+    <p:sldId id="268" r:id="rId7"/>
+    <p:sldId id="269" r:id="rId8"/>
+    <p:sldId id="265" r:id="rId9"/>
+    <p:sldId id="266" r:id="rId10"/>
   </p:sldIdLst>
   <p:sldSz cx="9144000" cy="6858000" type="screen4x3"/>
   <p:notesSz cx="6858000" cy="9144000"/>
@@ -857,11 +858,11 @@
         </c:dLbls>
         <c:gapWidth val="150"/>
         <c:overlap val="100"/>
-        <c:axId val="55009280"/>
-        <c:axId val="74963136"/>
+        <c:axId val="33268224"/>
+        <c:axId val="70761216"/>
       </c:barChart>
       <c:catAx>
-        <c:axId val="55009280"/>
+        <c:axId val="33268224"/>
         <c:scaling>
           <c:orientation val="minMax"/>
         </c:scaling>
@@ -870,7 +871,7 @@
         <c:majorTickMark val="out"/>
         <c:minorTickMark val="none"/>
         <c:tickLblPos val="nextTo"/>
-        <c:crossAx val="74963136"/>
+        <c:crossAx val="70761216"/>
         <c:crosses val="autoZero"/>
         <c:auto val="1"/>
         <c:lblAlgn val="ctr"/>
@@ -878,7 +879,7 @@
         <c:noMultiLvlLbl val="0"/>
       </c:catAx>
       <c:valAx>
-        <c:axId val="74963136"/>
+        <c:axId val="70761216"/>
         <c:scaling>
           <c:orientation val="minMax"/>
           <c:max val="100"/>
@@ -896,7 +897,7 @@
         <c:majorTickMark val="out"/>
         <c:minorTickMark val="none"/>
         <c:tickLblPos val="nextTo"/>
-        <c:crossAx val="55009280"/>
+        <c:crossAx val="33268224"/>
         <c:crosses val="autoZero"/>
         <c:crossBetween val="between"/>
       </c:valAx>
@@ -1420,11 +1421,11 @@
         </c:dLbls>
         <c:gapWidth val="150"/>
         <c:overlap val="100"/>
-        <c:axId val="40540672"/>
-        <c:axId val="55166080"/>
+        <c:axId val="39667200"/>
+        <c:axId val="40796160"/>
       </c:barChart>
       <c:catAx>
-        <c:axId val="40540672"/>
+        <c:axId val="39667200"/>
         <c:scaling>
           <c:orientation val="minMax"/>
         </c:scaling>
@@ -1433,7 +1434,7 @@
         <c:majorTickMark val="out"/>
         <c:minorTickMark val="none"/>
         <c:tickLblPos val="nextTo"/>
-        <c:crossAx val="55166080"/>
+        <c:crossAx val="40796160"/>
         <c:crosses val="autoZero"/>
         <c:auto val="1"/>
         <c:lblAlgn val="ctr"/>
@@ -1441,7 +1442,7 @@
         <c:noMultiLvlLbl val="0"/>
       </c:catAx>
       <c:valAx>
-        <c:axId val="55166080"/>
+        <c:axId val="40796160"/>
         <c:scaling>
           <c:orientation val="minMax"/>
           <c:max val="100"/>
@@ -1459,7 +1460,7 @@
         <c:majorTickMark val="out"/>
         <c:minorTickMark val="none"/>
         <c:tickLblPos val="nextTo"/>
-        <c:crossAx val="40540672"/>
+        <c:crossAx val="39667200"/>
         <c:crosses val="autoZero"/>
         <c:crossBetween val="between"/>
       </c:valAx>
@@ -2103,11 +2104,11 @@
           <c:showBubbleSize val="0"/>
         </c:dLbls>
         <c:gapWidth val="150"/>
-        <c:axId val="40550400"/>
-        <c:axId val="55167232"/>
+        <c:axId val="42301440"/>
+        <c:axId val="40801344"/>
       </c:barChart>
       <c:catAx>
-        <c:axId val="40550400"/>
+        <c:axId val="42301440"/>
         <c:scaling>
           <c:orientation val="minMax"/>
         </c:scaling>
@@ -2116,7 +2117,7 @@
         <c:majorTickMark val="out"/>
         <c:minorTickMark val="none"/>
         <c:tickLblPos val="nextTo"/>
-        <c:crossAx val="55167232"/>
+        <c:crossAx val="40801344"/>
         <c:crosses val="autoZero"/>
         <c:auto val="1"/>
         <c:lblAlgn val="ctr"/>
@@ -2124,7 +2125,7 @@
         <c:noMultiLvlLbl val="0"/>
       </c:catAx>
       <c:valAx>
-        <c:axId val="55167232"/>
+        <c:axId val="40801344"/>
         <c:scaling>
           <c:orientation val="minMax"/>
         </c:scaling>
@@ -2141,7 +2142,7 @@
         <c:majorTickMark val="out"/>
         <c:minorTickMark val="none"/>
         <c:tickLblPos val="nextTo"/>
-        <c:crossAx val="40550400"/>
+        <c:crossAx val="42301440"/>
         <c:crosses val="autoZero"/>
         <c:crossBetween val="between"/>
       </c:valAx>
@@ -2665,11 +2666,11 @@
         </c:dLbls>
         <c:gapWidth val="150"/>
         <c:overlap val="100"/>
-        <c:axId val="40553984"/>
-        <c:axId val="55170688"/>
+        <c:axId val="39881216"/>
+        <c:axId val="40803072"/>
       </c:barChart>
       <c:catAx>
-        <c:axId val="40553984"/>
+        <c:axId val="39881216"/>
         <c:scaling>
           <c:orientation val="minMax"/>
         </c:scaling>
@@ -2678,7 +2679,7 @@
         <c:majorTickMark val="out"/>
         <c:minorTickMark val="none"/>
         <c:tickLblPos val="nextTo"/>
-        <c:crossAx val="55170688"/>
+        <c:crossAx val="40803072"/>
         <c:crosses val="autoZero"/>
         <c:auto val="1"/>
         <c:lblAlgn val="ctr"/>
@@ -2686,7 +2687,7 @@
         <c:noMultiLvlLbl val="0"/>
       </c:catAx>
       <c:valAx>
-        <c:axId val="55170688"/>
+        <c:axId val="40803072"/>
         <c:scaling>
           <c:orientation val="minMax"/>
           <c:max val="100"/>
@@ -2704,7 +2705,7 @@
         <c:majorTickMark val="out"/>
         <c:minorTickMark val="none"/>
         <c:tickLblPos val="nextTo"/>
-        <c:crossAx val="40553984"/>
+        <c:crossAx val="39881216"/>
         <c:crosses val="autoZero"/>
         <c:crossBetween val="between"/>
       </c:valAx>
@@ -3354,11 +3355,11 @@
         </c:dLbls>
         <c:gapWidth val="150"/>
         <c:overlap val="100"/>
-        <c:axId val="120411648"/>
-        <c:axId val="40390016"/>
+        <c:axId val="39820800"/>
+        <c:axId val="81072640"/>
       </c:barChart>
       <c:catAx>
-        <c:axId val="120411648"/>
+        <c:axId val="39820800"/>
         <c:scaling>
           <c:orientation val="minMax"/>
         </c:scaling>
@@ -3367,7 +3368,7 @@
         <c:majorTickMark val="out"/>
         <c:minorTickMark val="none"/>
         <c:tickLblPos val="nextTo"/>
-        <c:crossAx val="40390016"/>
+        <c:crossAx val="81072640"/>
         <c:crosses val="autoZero"/>
         <c:auto val="1"/>
         <c:lblAlgn val="ctr"/>
@@ -3375,7 +3376,7 @@
         <c:noMultiLvlLbl val="0"/>
       </c:catAx>
       <c:valAx>
-        <c:axId val="40390016"/>
+        <c:axId val="81072640"/>
         <c:scaling>
           <c:orientation val="minMax"/>
           <c:max val="100"/>
@@ -3393,7 +3394,7 @@
         <c:majorTickMark val="out"/>
         <c:minorTickMark val="none"/>
         <c:tickLblPos val="nextTo"/>
-        <c:crossAx val="120411648"/>
+        <c:crossAx val="39820800"/>
         <c:crosses val="autoZero"/>
         <c:crossBetween val="between"/>
       </c:valAx>
@@ -4051,11 +4052,11 @@
           <c:showBubbleSize val="0"/>
         </c:dLbls>
         <c:gapWidth val="150"/>
-        <c:axId val="45121024"/>
-        <c:axId val="40392896"/>
+        <c:axId val="43094016"/>
+        <c:axId val="81097216"/>
       </c:barChart>
       <c:catAx>
-        <c:axId val="45121024"/>
+        <c:axId val="43094016"/>
         <c:scaling>
           <c:orientation val="minMax"/>
         </c:scaling>
@@ -4064,7 +4065,7 @@
         <c:majorTickMark val="out"/>
         <c:minorTickMark val="none"/>
         <c:tickLblPos val="nextTo"/>
-        <c:crossAx val="40392896"/>
+        <c:crossAx val="81097216"/>
         <c:crosses val="autoZero"/>
         <c:auto val="1"/>
         <c:lblAlgn val="ctr"/>
@@ -4072,7 +4073,7 @@
         <c:noMultiLvlLbl val="0"/>
       </c:catAx>
       <c:valAx>
-        <c:axId val="40392896"/>
+        <c:axId val="81097216"/>
         <c:scaling>
           <c:orientation val="minMax"/>
         </c:scaling>
@@ -4089,7 +4090,7 @@
         <c:majorTickMark val="out"/>
         <c:minorTickMark val="none"/>
         <c:tickLblPos val="nextTo"/>
-        <c:crossAx val="45121024"/>
+        <c:crossAx val="43094016"/>
         <c:crosses val="autoZero"/>
         <c:crossBetween val="between"/>
       </c:valAx>
@@ -4301,11 +4302,11 @@
         </c:dLbls>
         <c:gapWidth val="150"/>
         <c:overlap val="100"/>
-        <c:axId val="35131904"/>
-        <c:axId val="117443392"/>
+        <c:axId val="31622144"/>
+        <c:axId val="81075520"/>
       </c:barChart>
       <c:catAx>
-        <c:axId val="35131904"/>
+        <c:axId val="31622144"/>
         <c:scaling>
           <c:orientation val="minMax"/>
         </c:scaling>
@@ -4314,7 +4315,7 @@
         <c:majorTickMark val="out"/>
         <c:minorTickMark val="none"/>
         <c:tickLblPos val="nextTo"/>
-        <c:crossAx val="117443392"/>
+        <c:crossAx val="81075520"/>
         <c:crosses val="autoZero"/>
         <c:auto val="1"/>
         <c:lblAlgn val="ctr"/>
@@ -4322,7 +4323,7 @@
         <c:noMultiLvlLbl val="0"/>
       </c:catAx>
       <c:valAx>
-        <c:axId val="117443392"/>
+        <c:axId val="81075520"/>
         <c:scaling>
           <c:orientation val="minMax"/>
           <c:max val="100"/>
@@ -4340,7 +4341,7 @@
         <c:majorTickMark val="out"/>
         <c:minorTickMark val="none"/>
         <c:tickLblPos val="nextTo"/>
-        <c:crossAx val="35131904"/>
+        <c:crossAx val="31622144"/>
         <c:crosses val="autoZero"/>
         <c:crossBetween val="between"/>
       </c:valAx>
@@ -4893,11 +4894,11 @@
         </c:dLbls>
         <c:gapWidth val="150"/>
         <c:overlap val="100"/>
-        <c:axId val="55010304"/>
-        <c:axId val="40394048"/>
+        <c:axId val="42144768"/>
+        <c:axId val="81100096"/>
       </c:barChart>
       <c:catAx>
-        <c:axId val="55010304"/>
+        <c:axId val="42144768"/>
         <c:scaling>
           <c:orientation val="minMax"/>
         </c:scaling>
@@ -4906,7 +4907,7 @@
         <c:majorTickMark val="out"/>
         <c:minorTickMark val="none"/>
         <c:tickLblPos val="nextTo"/>
-        <c:crossAx val="40394048"/>
+        <c:crossAx val="81100096"/>
         <c:crosses val="autoZero"/>
         <c:auto val="1"/>
         <c:lblAlgn val="ctr"/>
@@ -4914,7 +4915,7 @@
         <c:noMultiLvlLbl val="0"/>
       </c:catAx>
       <c:valAx>
-        <c:axId val="40394048"/>
+        <c:axId val="81100096"/>
         <c:scaling>
           <c:orientation val="minMax"/>
           <c:max val="100"/>
@@ -4932,7 +4933,7 @@
         <c:majorTickMark val="out"/>
         <c:minorTickMark val="none"/>
         <c:tickLblPos val="nextTo"/>
-        <c:crossAx val="55010304"/>
+        <c:crossAx val="42144768"/>
         <c:crosses val="autoZero"/>
         <c:crossBetween val="between"/>
       </c:valAx>
@@ -5595,11 +5596,11 @@
           <c:showBubbleSize val="0"/>
         </c:dLbls>
         <c:gapWidth val="150"/>
-        <c:axId val="117379584"/>
-        <c:axId val="120486080"/>
+        <c:axId val="43094528"/>
+        <c:axId val="43182912"/>
       </c:barChart>
       <c:catAx>
-        <c:axId val="117379584"/>
+        <c:axId val="43094528"/>
         <c:scaling>
           <c:orientation val="minMax"/>
         </c:scaling>
@@ -5608,7 +5609,7 @@
         <c:majorTickMark val="out"/>
         <c:minorTickMark val="none"/>
         <c:tickLblPos val="nextTo"/>
-        <c:crossAx val="120486080"/>
+        <c:crossAx val="43182912"/>
         <c:crosses val="autoZero"/>
         <c:auto val="1"/>
         <c:lblAlgn val="ctr"/>
@@ -5616,7 +5617,7 @@
         <c:noMultiLvlLbl val="0"/>
       </c:catAx>
       <c:valAx>
-        <c:axId val="120486080"/>
+        <c:axId val="43182912"/>
         <c:scaling>
           <c:orientation val="minMax"/>
         </c:scaling>
@@ -5633,7 +5634,7 @@
         <c:majorTickMark val="out"/>
         <c:minorTickMark val="none"/>
         <c:tickLblPos val="nextTo"/>
-        <c:crossAx val="117379584"/>
+        <c:crossAx val="43094528"/>
         <c:crosses val="autoZero"/>
         <c:crossBetween val="between"/>
       </c:valAx>
@@ -5844,11 +5845,11 @@
           <c:showBubbleSize val="0"/>
         </c:dLbls>
         <c:gapWidth val="150"/>
-        <c:axId val="32492032"/>
-        <c:axId val="117443968"/>
+        <c:axId val="39532544"/>
+        <c:axId val="81097792"/>
       </c:barChart>
       <c:catAx>
-        <c:axId val="32492032"/>
+        <c:axId val="39532544"/>
         <c:scaling>
           <c:orientation val="minMax"/>
         </c:scaling>
@@ -5857,7 +5858,7 @@
         <c:majorTickMark val="out"/>
         <c:minorTickMark val="none"/>
         <c:tickLblPos val="nextTo"/>
-        <c:crossAx val="117443968"/>
+        <c:crossAx val="81097792"/>
         <c:crosses val="autoZero"/>
         <c:auto val="1"/>
         <c:lblAlgn val="ctr"/>
@@ -5865,7 +5866,7 @@
         <c:noMultiLvlLbl val="0"/>
       </c:catAx>
       <c:valAx>
-        <c:axId val="117443968"/>
+        <c:axId val="81097792"/>
         <c:scaling>
           <c:orientation val="minMax"/>
         </c:scaling>
@@ -5882,7 +5883,7 @@
         <c:majorTickMark val="out"/>
         <c:minorTickMark val="none"/>
         <c:tickLblPos val="nextTo"/>
-        <c:crossAx val="32492032"/>
+        <c:crossAx val="39532544"/>
         <c:crosses val="autoZero"/>
         <c:crossBetween val="between"/>
       </c:valAx>
@@ -6421,11 +6422,11 @@
         </c:dLbls>
         <c:gapWidth val="150"/>
         <c:overlap val="100"/>
-        <c:axId val="35133440"/>
-        <c:axId val="40586624"/>
+        <c:axId val="39533056"/>
+        <c:axId val="40544512"/>
       </c:barChart>
       <c:catAx>
-        <c:axId val="35133440"/>
+        <c:axId val="39533056"/>
         <c:scaling>
           <c:orientation val="minMax"/>
         </c:scaling>
@@ -6434,7 +6435,7 @@
         <c:majorTickMark val="out"/>
         <c:minorTickMark val="none"/>
         <c:tickLblPos val="nextTo"/>
-        <c:crossAx val="40586624"/>
+        <c:crossAx val="40544512"/>
         <c:crosses val="autoZero"/>
         <c:auto val="1"/>
         <c:lblAlgn val="ctr"/>
@@ -6442,7 +6443,7 @@
         <c:noMultiLvlLbl val="0"/>
       </c:catAx>
       <c:valAx>
-        <c:axId val="40586624"/>
+        <c:axId val="40544512"/>
         <c:scaling>
           <c:orientation val="minMax"/>
           <c:max val="100"/>
@@ -6460,7 +6461,7 @@
         <c:majorTickMark val="out"/>
         <c:minorTickMark val="none"/>
         <c:tickLblPos val="nextTo"/>
-        <c:crossAx val="35133440"/>
+        <c:crossAx val="39533056"/>
         <c:crosses val="autoZero"/>
         <c:crossBetween val="between"/>
       </c:valAx>
@@ -7104,11 +7105,11 @@
           <c:showBubbleSize val="0"/>
         </c:dLbls>
         <c:gapWidth val="150"/>
-        <c:axId val="40541184"/>
-        <c:axId val="40590080"/>
+        <c:axId val="39819264"/>
+        <c:axId val="70756608"/>
       </c:barChart>
       <c:catAx>
-        <c:axId val="40541184"/>
+        <c:axId val="39819264"/>
         <c:scaling>
           <c:orientation val="minMax"/>
         </c:scaling>
@@ -7117,7 +7118,7 @@
         <c:majorTickMark val="out"/>
         <c:minorTickMark val="none"/>
         <c:tickLblPos val="nextTo"/>
-        <c:crossAx val="40590080"/>
+        <c:crossAx val="70756608"/>
         <c:crosses val="autoZero"/>
         <c:auto val="1"/>
         <c:lblAlgn val="ctr"/>
@@ -7125,7 +7126,7 @@
         <c:noMultiLvlLbl val="0"/>
       </c:catAx>
       <c:valAx>
-        <c:axId val="40590080"/>
+        <c:axId val="70756608"/>
         <c:scaling>
           <c:orientation val="minMax"/>
         </c:scaling>
@@ -7142,7 +7143,7 @@
         <c:majorTickMark val="out"/>
         <c:minorTickMark val="none"/>
         <c:tickLblPos val="nextTo"/>
-        <c:crossAx val="40541184"/>
+        <c:crossAx val="39819264"/>
         <c:crosses val="autoZero"/>
         <c:crossBetween val="between"/>
       </c:valAx>
@@ -7666,11 +7667,11 @@
         </c:dLbls>
         <c:gapWidth val="150"/>
         <c:overlap val="100"/>
-        <c:axId val="40306688"/>
-        <c:axId val="74956800"/>
+        <c:axId val="39668224"/>
+        <c:axId val="40543936"/>
       </c:barChart>
       <c:catAx>
-        <c:axId val="40306688"/>
+        <c:axId val="39668224"/>
         <c:scaling>
           <c:orientation val="minMax"/>
         </c:scaling>
@@ -7679,7 +7680,7 @@
         <c:majorTickMark val="out"/>
         <c:minorTickMark val="none"/>
         <c:tickLblPos val="nextTo"/>
-        <c:crossAx val="74956800"/>
+        <c:crossAx val="40543936"/>
         <c:crosses val="autoZero"/>
         <c:auto val="1"/>
         <c:lblAlgn val="ctr"/>
@@ -7687,7 +7688,7 @@
         <c:noMultiLvlLbl val="0"/>
       </c:catAx>
       <c:valAx>
-        <c:axId val="74956800"/>
+        <c:axId val="40543936"/>
         <c:scaling>
           <c:orientation val="minMax"/>
           <c:max val="100"/>
@@ -7705,7 +7706,7 @@
         <c:majorTickMark val="out"/>
         <c:minorTickMark val="none"/>
         <c:tickLblPos val="nextTo"/>
-        <c:crossAx val="40306688"/>
+        <c:crossAx val="39668224"/>
         <c:crosses val="autoZero"/>
         <c:crossBetween val="between"/>
       </c:valAx>
@@ -8349,11 +8350,11 @@
           <c:showBubbleSize val="0"/>
         </c:dLbls>
         <c:gapWidth val="150"/>
-        <c:axId val="35131392"/>
-        <c:axId val="74960256"/>
+        <c:axId val="33271296"/>
+        <c:axId val="40549696"/>
       </c:barChart>
       <c:catAx>
-        <c:axId val="35131392"/>
+        <c:axId val="33271296"/>
         <c:scaling>
           <c:orientation val="minMax"/>
         </c:scaling>
@@ -8362,7 +8363,7 @@
         <c:majorTickMark val="out"/>
         <c:minorTickMark val="none"/>
         <c:tickLblPos val="nextTo"/>
-        <c:crossAx val="74960256"/>
+        <c:crossAx val="40549696"/>
         <c:crosses val="autoZero"/>
         <c:auto val="1"/>
         <c:lblAlgn val="ctr"/>
@@ -8370,7 +8371,7 @@
         <c:noMultiLvlLbl val="0"/>
       </c:catAx>
       <c:valAx>
-        <c:axId val="74960256"/>
+        <c:axId val="40549696"/>
         <c:scaling>
           <c:orientation val="minMax"/>
         </c:scaling>
@@ -8387,7 +8388,7 @@
         <c:majorTickMark val="out"/>
         <c:minorTickMark val="none"/>
         <c:tickLblPos val="nextTo"/>
-        <c:crossAx val="35131392"/>
+        <c:crossAx val="33271296"/>
         <c:crosses val="autoZero"/>
         <c:crossBetween val="between"/>
       </c:valAx>
@@ -11481,46 +11482,93 @@
           <a:p>
             <a:pPr lvl="1"/>
             <a:r>
-              <a:rPr lang="ko-KR" altLang="en-US" sz="2000" dirty="0" smtClean="0"/>
-              <a:t>기존에 인구 문제에 크게 관심이 없던 </a:t>
-            </a:r>
-            <a:r>
               <a:rPr lang="en-US" altLang="ko-KR" sz="2000" dirty="0" smtClean="0"/>
+              <a:t>primary persona</a:t>
+            </a:r>
+          </a:p>
+          <a:p>
+            <a:pPr lvl="2"/>
+            <a:r>
+              <a:rPr lang="ko-KR" altLang="en-US" sz="1600" dirty="0" smtClean="0"/>
+              <a:t>기존에 </a:t>
+            </a:r>
+            <a:r>
+              <a:rPr lang="ko-KR" altLang="en-US" sz="1600" dirty="0" smtClean="0"/>
+              <a:t>인구 문제에 크게 관심이 없던 </a:t>
+            </a:r>
+            <a:r>
+              <a:rPr lang="en-US" altLang="ko-KR" sz="1600" dirty="0" smtClean="0"/>
               <a:t>20</a:t>
             </a:r>
             <a:r>
-              <a:rPr lang="ko-KR" altLang="en-US" sz="2000" dirty="0" smtClean="0"/>
-              <a:t>대 이공계 사람들</a:t>
+              <a:rPr lang="ko-KR" altLang="en-US" sz="1600" dirty="0" smtClean="0"/>
+              <a:t>대 이공계 </a:t>
+            </a:r>
+            <a:r>
+              <a:rPr lang="ko-KR" altLang="en-US" sz="1600" dirty="0" smtClean="0"/>
+              <a:t>사람들</a:t>
             </a:r>
             <a:endParaRPr lang="en-US" altLang="ko-KR" sz="2000" dirty="0" smtClean="0"/>
           </a:p>
           <a:p>
+            <a:pPr lvl="2"/>
+            <a:r>
+              <a:rPr lang="ko-KR" altLang="en-US" sz="1600" dirty="0" smtClean="0"/>
+              <a:t>해당 나이의 유저 </a:t>
+            </a:r>
+            <a:r>
+              <a:rPr lang="en-US" altLang="ko-KR" sz="1600" dirty="0" smtClean="0"/>
+              <a:t>6</a:t>
+            </a:r>
+            <a:r>
+              <a:rPr lang="ko-KR" altLang="en-US" sz="1600" dirty="0" smtClean="0"/>
+              <a:t>명에게서 </a:t>
+            </a:r>
+            <a:r>
+              <a:rPr lang="ko-KR" altLang="en-US" sz="1600" dirty="0" err="1" smtClean="0"/>
+              <a:t>유저스터디를</a:t>
+            </a:r>
+            <a:r>
+              <a:rPr lang="ko-KR" altLang="en-US" sz="1600" dirty="0" smtClean="0"/>
+              <a:t> </a:t>
+            </a:r>
+            <a:r>
+              <a:rPr lang="ko-KR" altLang="en-US" sz="1600" dirty="0" smtClean="0"/>
+              <a:t>함</a:t>
+            </a:r>
+            <a:endParaRPr lang="en-US" altLang="ko-KR" sz="1600" dirty="0" smtClean="0"/>
+          </a:p>
+          <a:p>
             <a:pPr lvl="1"/>
             <a:r>
-              <a:rPr lang="ko-KR" altLang="en-US" sz="2000" dirty="0" smtClean="0"/>
-              <a:t>해당 나이의 유저 </a:t>
-            </a:r>
-            <a:r>
               <a:rPr lang="en-US" altLang="ko-KR" sz="2000" dirty="0" smtClean="0"/>
-              <a:t>6</a:t>
-            </a:r>
-            <a:r>
-              <a:rPr lang="ko-KR" altLang="en-US" sz="2000" dirty="0" smtClean="0"/>
-              <a:t>명에게서 </a:t>
-            </a:r>
-            <a:r>
-              <a:rPr lang="ko-KR" altLang="en-US" sz="2000" dirty="0" err="1" smtClean="0"/>
-              <a:t>유저스터디를</a:t>
-            </a:r>
-            <a:r>
-              <a:rPr lang="ko-KR" altLang="en-US" sz="2000" dirty="0" smtClean="0"/>
-              <a:t> 함</a:t>
+              <a:t>secondary persona</a:t>
             </a:r>
             <a:endParaRPr lang="en-US" altLang="ko-KR" sz="2000" dirty="0" smtClean="0"/>
           </a:p>
           <a:p>
-            <a:pPr lvl="1"/>
-            <a:endParaRPr lang="ko-KR" altLang="en-US" sz="2000" dirty="0"/>
+            <a:pPr lvl="2"/>
+            <a:r>
+              <a:rPr lang="ko-KR" altLang="en-US" sz="1600" dirty="0" smtClean="0"/>
+              <a:t>연령</a:t>
+            </a:r>
+            <a:r>
+              <a:rPr lang="en-US" altLang="ko-KR" sz="1600" dirty="0" smtClean="0"/>
+              <a:t>, </a:t>
+            </a:r>
+            <a:r>
+              <a:rPr lang="ko-KR" altLang="en-US" sz="1600" dirty="0" smtClean="0"/>
+              <a:t>전공과 무관하게 기존에 인구 문제에 크게 관심 없던 사람들은 전부 </a:t>
+            </a:r>
+            <a:r>
+              <a:rPr lang="en-US" altLang="ko-KR" sz="1600" dirty="0" smtClean="0"/>
+              <a:t>secondary persona</a:t>
+            </a:r>
+            <a:r>
+              <a:rPr lang="ko-KR" altLang="en-US" sz="1600" dirty="0" smtClean="0"/>
+              <a:t>가 될 수 있음</a:t>
+            </a:r>
+            <a:endParaRPr lang="ko-KR" altLang="en-US" sz="1600" dirty="0"/>
           </a:p>
         </p:txBody>
       </p:sp>
@@ -11563,6 +11611,133 @@
       </p:grpSpPr>
       <p:sp>
         <p:nvSpPr>
+          <p:cNvPr id="2" name="제목 1"/>
+          <p:cNvSpPr>
+            <a:spLocks noGrp="1"/>
+          </p:cNvSpPr>
+          <p:nvPr>
+            <p:ph type="title"/>
+          </p:nvPr>
+        </p:nvSpPr>
+        <p:spPr/>
+        <p:txBody>
+          <a:bodyPr/>
+          <a:lstStyle/>
+          <a:p>
+            <a:endParaRPr lang="ko-KR" altLang="en-US"/>
+          </a:p>
+        </p:txBody>
+      </p:sp>
+      <p:sp>
+        <p:nvSpPr>
+          <p:cNvPr id="3" name="내용 개체 틀 2"/>
+          <p:cNvSpPr>
+            <a:spLocks noGrp="1"/>
+          </p:cNvSpPr>
+          <p:nvPr>
+            <p:ph idx="1"/>
+          </p:nvPr>
+        </p:nvSpPr>
+        <p:spPr/>
+        <p:txBody>
+          <a:bodyPr/>
+          <a:lstStyle/>
+          <a:p>
+            <a:endParaRPr lang="ko-KR" altLang="en-US"/>
+          </a:p>
+        </p:txBody>
+      </p:sp>
+      <p:pic>
+        <p:nvPicPr>
+          <p:cNvPr id="1026" name="Picture 2"/>
+          <p:cNvPicPr>
+            <a:picLocks noChangeAspect="1" noChangeArrowheads="1"/>
+          </p:cNvPicPr>
+          <p:nvPr/>
+        </p:nvPicPr>
+        <p:blipFill rotWithShape="1">
+          <a:blip r:embed="rId2">
+            <a:extLst>
+              <a:ext uri="{28A0092B-C50C-407E-A947-70E740481C1C}">
+                <a14:useLocalDpi xmlns:a14="http://schemas.microsoft.com/office/drawing/2010/main" val="0"/>
+              </a:ext>
+            </a:extLst>
+          </a:blip>
+          <a:srcRect l="12673" r="1936"/>
+          <a:stretch/>
+        </p:blipFill>
+        <p:spPr bwMode="auto">
+          <a:xfrm>
+            <a:off x="-12892" y="764704"/>
+            <a:ext cx="9141794" cy="5439169"/>
+          </a:xfrm>
+          <a:prstGeom prst="rect">
+            <a:avLst/>
+          </a:prstGeom>
+          <a:noFill/>
+          <a:ln>
+            <a:noFill/>
+          </a:ln>
+          <a:extLst>
+            <a:ext uri="{909E8E84-426E-40DD-AFC4-6F175D3DCCD1}">
+              <a14:hiddenFill xmlns:a14="http://schemas.microsoft.com/office/drawing/2010/main">
+                <a:solidFill>
+                  <a:schemeClr val="accent1"/>
+                </a:solidFill>
+              </a14:hiddenFill>
+            </a:ext>
+            <a:ext uri="{91240B29-F687-4F45-9708-019B960494DF}">
+              <a14:hiddenLine xmlns:a14="http://schemas.microsoft.com/office/drawing/2010/main" w="9525">
+                <a:solidFill>
+                  <a:schemeClr val="tx1"/>
+                </a:solidFill>
+                <a:miter lim="800000"/>
+                <a:headEnd/>
+                <a:tailEnd/>
+              </a14:hiddenLine>
+            </a:ext>
+          </a:extLst>
+        </p:spPr>
+      </p:pic>
+    </p:spTree>
+    <p:extLst>
+      <p:ext uri="{BB962C8B-B14F-4D97-AF65-F5344CB8AC3E}">
+        <p14:creationId xmlns:p14="http://schemas.microsoft.com/office/powerpoint/2010/main" val="3318655407"/>
+      </p:ext>
+    </p:extLst>
+  </p:cSld>
+  <p:clrMapOvr>
+    <a:masterClrMapping/>
+  </p:clrMapOvr>
+  <p:timing>
+    <p:tnLst>
+      <p:par>
+        <p:cTn id="1" dur="indefinite" restart="never" nodeType="tmRoot"/>
+      </p:par>
+    </p:tnLst>
+  </p:timing>
+</p:sld>
+</file>
+
+<file path=ppt/slides/slide3.xml><?xml version="1.0" encoding="utf-8"?>
+<p:sld xmlns:a="http://schemas.openxmlformats.org/drawingml/2006/main" xmlns:r="http://schemas.openxmlformats.org/officeDocument/2006/relationships" xmlns:p="http://schemas.openxmlformats.org/presentationml/2006/main">
+  <p:cSld>
+    <p:spTree>
+      <p:nvGrpSpPr>
+        <p:cNvPr id="1" name=""/>
+        <p:cNvGrpSpPr/>
+        <p:nvPr/>
+      </p:nvGrpSpPr>
+      <p:grpSpPr>
+        <a:xfrm>
+          <a:off x="0" y="0"/>
+          <a:ext cx="0" cy="0"/>
+          <a:chOff x="0" y="0"/>
+          <a:chExt cx="0" cy="0"/>
+        </a:xfrm>
+      </p:grpSpPr>
+      <p:sp>
+        <p:nvSpPr>
           <p:cNvPr id="4" name="제목 3"/>
           <p:cNvSpPr>
             <a:spLocks noGrp="1"/>
@@ -11738,10 +11913,17 @@
   <p:clrMapOvr>
     <a:masterClrMapping/>
   </p:clrMapOvr>
+  <p:timing>
+    <p:tnLst>
+      <p:par>
+        <p:cTn id="1" dur="indefinite" restart="never" nodeType="tmRoot"/>
+      </p:par>
+    </p:tnLst>
+  </p:timing>
 </p:sld>
 </file>
 
-<file path=ppt/slides/slide3.xml><?xml version="1.0" encoding="utf-8"?>
+<file path=ppt/slides/slide4.xml><?xml version="1.0" encoding="utf-8"?>
 <p:sld xmlns:a="http://schemas.openxmlformats.org/drawingml/2006/main" xmlns:r="http://schemas.openxmlformats.org/officeDocument/2006/relationships" xmlns:p="http://schemas.openxmlformats.org/presentationml/2006/main">
   <p:cSld>
     <p:spTree>
@@ -12069,7 +12251,6 @@
               <a:rPr lang="en-US" altLang="ko-KR" sz="1800" dirty="0" smtClean="0"/>
               <a:t>?</a:t>
             </a:r>
-            <a:endParaRPr lang="en-US" altLang="ko-KR" sz="1800" dirty="0" smtClean="0"/>
           </a:p>
         </p:txBody>
       </p:sp>
@@ -12105,10 +12286,17 @@
   <p:clrMapOvr>
     <a:masterClrMapping/>
   </p:clrMapOvr>
+  <p:timing>
+    <p:tnLst>
+      <p:par>
+        <p:cTn id="1" dur="indefinite" restart="never" nodeType="tmRoot"/>
+      </p:par>
+    </p:tnLst>
+  </p:timing>
 </p:sld>
 </file>
 
-<file path=ppt/slides/slide4.xml><?xml version="1.0" encoding="utf-8"?>
+<file path=ppt/slides/slide5.xml><?xml version="1.0" encoding="utf-8"?>
 <p:sld xmlns:a="http://schemas.openxmlformats.org/drawingml/2006/main" xmlns:r="http://schemas.openxmlformats.org/officeDocument/2006/relationships" xmlns:p="http://schemas.openxmlformats.org/presentationml/2006/main">
   <p:cSld>
     <p:spTree>
@@ -12250,11 +12438,7 @@
             </a:pPr>
             <a:r>
               <a:rPr lang="ko-KR" altLang="en-US" dirty="0" smtClean="0"/>
-              <a:t>위치에 </a:t>
-            </a:r>
-            <a:r>
-              <a:rPr lang="ko-KR" altLang="en-US" dirty="0" smtClean="0"/>
-              <a:t>따라서 분포 알려주기</a:t>
+              <a:t>위치에 따라서 분포 알려주기</a:t>
             </a:r>
             <a:endParaRPr lang="en-US" altLang="ko-KR" dirty="0" smtClean="0"/>
           </a:p>
@@ -12351,7 +12535,7 @@
 </p:sld>
 </file>
 
-<file path=ppt/slides/slide5.xml><?xml version="1.0" encoding="utf-8"?>
+<file path=ppt/slides/slide6.xml><?xml version="1.0" encoding="utf-8"?>
 <p:sld xmlns:a="http://schemas.openxmlformats.org/drawingml/2006/main" xmlns:r="http://schemas.openxmlformats.org/officeDocument/2006/relationships" xmlns:p="http://schemas.openxmlformats.org/presentationml/2006/main">
   <p:cSld>
     <p:spTree>
@@ -12493,11 +12677,7 @@
             </a:pPr>
             <a:r>
               <a:rPr lang="ko-KR" altLang="en-US" dirty="0" smtClean="0"/>
-              <a:t>위치에 </a:t>
-            </a:r>
-            <a:r>
-              <a:rPr lang="ko-KR" altLang="en-US" dirty="0" smtClean="0"/>
-              <a:t>따라서 분포 알려주기</a:t>
+              <a:t>위치에 따라서 분포 알려주기</a:t>
             </a:r>
             <a:endParaRPr lang="en-US" altLang="ko-KR" dirty="0" smtClean="0"/>
           </a:p>
@@ -12640,7 +12820,7 @@
 </p:sld>
 </file>
 
-<file path=ppt/slides/slide6.xml><?xml version="1.0" encoding="utf-8"?>
+<file path=ppt/slides/slide7.xml><?xml version="1.0" encoding="utf-8"?>
 <p:sld xmlns:a="http://schemas.openxmlformats.org/drawingml/2006/main" xmlns:r="http://schemas.openxmlformats.org/officeDocument/2006/relationships" xmlns:p="http://schemas.openxmlformats.org/presentationml/2006/main">
   <p:cSld>
     <p:spTree>
@@ -12782,11 +12962,7 @@
             </a:pPr>
             <a:r>
               <a:rPr lang="ko-KR" altLang="en-US" dirty="0" smtClean="0"/>
-              <a:t>위치에 </a:t>
-            </a:r>
-            <a:r>
-              <a:rPr lang="ko-KR" altLang="en-US" dirty="0" smtClean="0"/>
-              <a:t>따라서 분포 알려주기</a:t>
+              <a:t>위치에 따라서 분포 알려주기</a:t>
             </a:r>
             <a:endParaRPr lang="en-US" altLang="ko-KR" dirty="0" smtClean="0"/>
           </a:p>
@@ -12929,7 +13105,7 @@
 </p:sld>
 </file>
 
-<file path=ppt/slides/slide7.xml><?xml version="1.0" encoding="utf-8"?>
+<file path=ppt/slides/slide8.xml><?xml version="1.0" encoding="utf-8"?>
 <p:sld xmlns:a="http://schemas.openxmlformats.org/drawingml/2006/main" xmlns:r="http://schemas.openxmlformats.org/officeDocument/2006/relationships" xmlns:p="http://schemas.openxmlformats.org/presentationml/2006/main">
   <p:cSld>
     <p:spTree>
@@ -13320,7 +13496,7 @@
 </p:sld>
 </file>
 
-<file path=ppt/slides/slide8.xml><?xml version="1.0" encoding="utf-8"?>
+<file path=ppt/slides/slide9.xml><?xml version="1.0" encoding="utf-8"?>
 <p:sld xmlns:a="http://schemas.openxmlformats.org/drawingml/2006/main" xmlns:r="http://schemas.openxmlformats.org/officeDocument/2006/relationships" xmlns:p="http://schemas.openxmlformats.org/presentationml/2006/main">
   <p:cSld>
     <p:spTree>
@@ -13498,11 +13674,7 @@
             </a:r>
             <a:r>
               <a:rPr lang="ko-KR" altLang="en-US" sz="2000" dirty="0" smtClean="0"/>
-              <a:t>들의 합을 독립변수로 </a:t>
-            </a:r>
-            <a:r>
-              <a:rPr lang="ko-KR" altLang="en-US" sz="2000" dirty="0" smtClean="0"/>
-              <a:t>변경하여 선형회귀</a:t>
+              <a:t>들의 합을 독립변수로 변경하여 선형회귀</a:t>
             </a:r>
             <a:endParaRPr lang="en-US" altLang="ko-KR" sz="2000" dirty="0" smtClean="0"/>
           </a:p>

--- a/assets/presentation.pptx
+++ b/assets/presentation.pptx
@@ -9,10 +9,10 @@
     <p:sldId id="270" r:id="rId3"/>
     <p:sldId id="257" r:id="rId4"/>
     <p:sldId id="258" r:id="rId5"/>
-    <p:sldId id="267" r:id="rId6"/>
-    <p:sldId id="268" r:id="rId7"/>
-    <p:sldId id="269" r:id="rId8"/>
-    <p:sldId id="265" r:id="rId9"/>
+    <p:sldId id="265" r:id="rId6"/>
+    <p:sldId id="267" r:id="rId7"/>
+    <p:sldId id="268" r:id="rId8"/>
+    <p:sldId id="269" r:id="rId9"/>
     <p:sldId id="266" r:id="rId10"/>
   </p:sldIdLst>
   <p:sldSz cx="9144000" cy="6858000" type="screen4x3"/>
@@ -252,11 +252,13 @@
     </mc:Fallback>
   </mc:AlternateContent>
   <c:chart>
-    <c:autoTitleDeleted val="1"/>
+    <c:autoTitleDeleted val="0"/>
     <c:plotArea>
       <c:layout/>
-      <c:doughnutChart>
-        <c:varyColors val="1"/>
+      <c:barChart>
+        <c:barDir val="bar"/>
+        <c:grouping val="stacked"/>
+        <c:varyColors val="0"/>
         <c:ser>
           <c:idx val="0"/>
           <c:order val="0"/>
@@ -266,61 +268,460 @@
               <c:strCache>
                 <c:ptCount val="1"/>
                 <c:pt idx="0">
-                  <c:v>판매</c:v>
-                </c:pt>
-              </c:strCache>
-            </c:strRef>
-          </c:tx>
-          <c:cat>
-            <c:numRef>
-              <c:f>Sheet1!$A$2:$A$13</c:f>
-              <c:numCache>
-                <c:formatCode>General</c:formatCode>
-                <c:ptCount val="12"/>
-              </c:numCache>
-            </c:numRef>
-          </c:cat>
-          <c:val>
-            <c:numRef>
-              <c:f>Sheet1!$B$2:$B$13</c:f>
-              <c:numCache>
-                <c:formatCode>General</c:formatCode>
-                <c:ptCount val="12"/>
-                <c:pt idx="0">
-                  <c:v>3</c:v>
-                </c:pt>
-                <c:pt idx="1">
-                  <c:v>4.5</c:v>
-                </c:pt>
-                <c:pt idx="2">
                   <c:v>5</c:v>
                 </c:pt>
-                <c:pt idx="3">
-                  <c:v>6.5</c:v>
-                </c:pt>
-                <c:pt idx="4">
+              </c:strCache>
+            </c:strRef>
+          </c:tx>
+          <c:invertIfNegative val="0"/>
+          <c:cat>
+            <c:strRef>
+              <c:f>Sheet1!$A$2</c:f>
+              <c:strCache>
+                <c:ptCount val="1"/>
+                <c:pt idx="0">
+                  <c:v>항목 1</c:v>
+                </c:pt>
+              </c:strCache>
+            </c:strRef>
+          </c:cat>
+          <c:val>
+            <c:numRef>
+              <c:f>Sheet1!$B$2</c:f>
+              <c:numCache>
+                <c:formatCode>General</c:formatCode>
+                <c:ptCount val="1"/>
+                <c:pt idx="0">
+                  <c:v>5</c:v>
+                </c:pt>
+              </c:numCache>
+            </c:numRef>
+          </c:val>
+        </c:ser>
+        <c:ser>
+          <c:idx val="1"/>
+          <c:order val="1"/>
+          <c:tx>
+            <c:strRef>
+              <c:f>Sheet1!$C$1</c:f>
+              <c:strCache>
+                <c:ptCount val="1"/>
+                <c:pt idx="0">
+                  <c:v>10</c:v>
+                </c:pt>
+              </c:strCache>
+            </c:strRef>
+          </c:tx>
+          <c:invertIfNegative val="0"/>
+          <c:cat>
+            <c:strRef>
+              <c:f>Sheet1!$A$2</c:f>
+              <c:strCache>
+                <c:ptCount val="1"/>
+                <c:pt idx="0">
+                  <c:v>항목 1</c:v>
+                </c:pt>
+              </c:strCache>
+            </c:strRef>
+          </c:cat>
+          <c:val>
+            <c:numRef>
+              <c:f>Sheet1!$C$2</c:f>
+              <c:numCache>
+                <c:formatCode>General</c:formatCode>
+                <c:ptCount val="1"/>
+                <c:pt idx="0">
                   <c:v>7</c:v>
                 </c:pt>
-                <c:pt idx="5">
-                  <c:v>9</c:v>
-                </c:pt>
-                <c:pt idx="6">
-                  <c:v>11.5</c:v>
-                </c:pt>
-                <c:pt idx="7">
-                  <c:v>12</c:v>
-                </c:pt>
-                <c:pt idx="8">
-                  <c:v>12.5</c:v>
-                </c:pt>
-                <c:pt idx="9">
-                  <c:v>10.5</c:v>
-                </c:pt>
-                <c:pt idx="10">
+              </c:numCache>
+            </c:numRef>
+          </c:val>
+        </c:ser>
+        <c:ser>
+          <c:idx val="2"/>
+          <c:order val="2"/>
+          <c:tx>
+            <c:strRef>
+              <c:f>Sheet1!$D$1</c:f>
+              <c:strCache>
+                <c:ptCount val="1"/>
+                <c:pt idx="0">
+                  <c:v>15</c:v>
+                </c:pt>
+              </c:strCache>
+            </c:strRef>
+          </c:tx>
+          <c:invertIfNegative val="0"/>
+          <c:cat>
+            <c:strRef>
+              <c:f>Sheet1!$A$2</c:f>
+              <c:strCache>
+                <c:ptCount val="1"/>
+                <c:pt idx="0">
+                  <c:v>항목 1</c:v>
+                </c:pt>
+              </c:strCache>
+            </c:strRef>
+          </c:cat>
+          <c:val>
+            <c:numRef>
+              <c:f>Sheet1!$D$2</c:f>
+              <c:numCache>
+                <c:formatCode>General</c:formatCode>
+                <c:ptCount val="1"/>
+                <c:pt idx="0">
+                  <c:v>7</c:v>
+                </c:pt>
+              </c:numCache>
+            </c:numRef>
+          </c:val>
+        </c:ser>
+        <c:ser>
+          <c:idx val="3"/>
+          <c:order val="3"/>
+          <c:tx>
+            <c:strRef>
+              <c:f>Sheet1!$E$1</c:f>
+              <c:strCache>
+                <c:ptCount val="1"/>
+                <c:pt idx="0">
+                  <c:v>20</c:v>
+                </c:pt>
+              </c:strCache>
+            </c:strRef>
+          </c:tx>
+          <c:invertIfNegative val="0"/>
+          <c:cat>
+            <c:strRef>
+              <c:f>Sheet1!$A$2</c:f>
+              <c:strCache>
+                <c:ptCount val="1"/>
+                <c:pt idx="0">
+                  <c:v>항목 1</c:v>
+                </c:pt>
+              </c:strCache>
+            </c:strRef>
+          </c:cat>
+          <c:val>
+            <c:numRef>
+              <c:f>Sheet1!$E$2</c:f>
+              <c:numCache>
+                <c:formatCode>General</c:formatCode>
+                <c:ptCount val="1"/>
+                <c:pt idx="0">
+                  <c:v>8</c:v>
+                </c:pt>
+              </c:numCache>
+            </c:numRef>
+          </c:val>
+        </c:ser>
+        <c:ser>
+          <c:idx val="4"/>
+          <c:order val="4"/>
+          <c:tx>
+            <c:strRef>
+              <c:f>Sheet1!$F$1</c:f>
+              <c:strCache>
+                <c:ptCount val="1"/>
+                <c:pt idx="0">
+                  <c:v>25</c:v>
+                </c:pt>
+              </c:strCache>
+            </c:strRef>
+          </c:tx>
+          <c:invertIfNegative val="0"/>
+          <c:cat>
+            <c:strRef>
+              <c:f>Sheet1!$A$2</c:f>
+              <c:strCache>
+                <c:ptCount val="1"/>
+                <c:pt idx="0">
+                  <c:v>항목 1</c:v>
+                </c:pt>
+              </c:strCache>
+            </c:strRef>
+          </c:cat>
+          <c:val>
+            <c:numRef>
+              <c:f>Sheet1!$F$2</c:f>
+              <c:numCache>
+                <c:formatCode>General</c:formatCode>
+                <c:ptCount val="1"/>
+                <c:pt idx="0">
+                  <c:v>8</c:v>
+                </c:pt>
+              </c:numCache>
+            </c:numRef>
+          </c:val>
+        </c:ser>
+        <c:ser>
+          <c:idx val="5"/>
+          <c:order val="5"/>
+          <c:tx>
+            <c:strRef>
+              <c:f>Sheet1!$G$1</c:f>
+              <c:strCache>
+                <c:ptCount val="1"/>
+                <c:pt idx="0">
+                  <c:v>30</c:v>
+                </c:pt>
+              </c:strCache>
+            </c:strRef>
+          </c:tx>
+          <c:invertIfNegative val="0"/>
+          <c:cat>
+            <c:strRef>
+              <c:f>Sheet1!$A$2</c:f>
+              <c:strCache>
+                <c:ptCount val="1"/>
+                <c:pt idx="0">
+                  <c:v>항목 1</c:v>
+                </c:pt>
+              </c:strCache>
+            </c:strRef>
+          </c:cat>
+          <c:val>
+            <c:numRef>
+              <c:f>Sheet1!$G$2</c:f>
+              <c:numCache>
+                <c:formatCode>General</c:formatCode>
+                <c:ptCount val="1"/>
+                <c:pt idx="0">
                   <c:v>10</c:v>
                 </c:pt>
-                <c:pt idx="11">
-                  <c:v>8.5</c:v>
+              </c:numCache>
+            </c:numRef>
+          </c:val>
+        </c:ser>
+        <c:ser>
+          <c:idx val="6"/>
+          <c:order val="6"/>
+          <c:tx>
+            <c:strRef>
+              <c:f>Sheet1!$H$1</c:f>
+              <c:strCache>
+                <c:ptCount val="1"/>
+                <c:pt idx="0">
+                  <c:v>35</c:v>
+                </c:pt>
+              </c:strCache>
+            </c:strRef>
+          </c:tx>
+          <c:invertIfNegative val="0"/>
+          <c:cat>
+            <c:strRef>
+              <c:f>Sheet1!$A$2</c:f>
+              <c:strCache>
+                <c:ptCount val="1"/>
+                <c:pt idx="0">
+                  <c:v>항목 1</c:v>
+                </c:pt>
+              </c:strCache>
+            </c:strRef>
+          </c:cat>
+          <c:val>
+            <c:numRef>
+              <c:f>Sheet1!$H$2</c:f>
+              <c:numCache>
+                <c:formatCode>General</c:formatCode>
+                <c:ptCount val="1"/>
+                <c:pt idx="0">
+                  <c:v>13</c:v>
+                </c:pt>
+              </c:numCache>
+            </c:numRef>
+          </c:val>
+        </c:ser>
+        <c:ser>
+          <c:idx val="7"/>
+          <c:order val="7"/>
+          <c:tx>
+            <c:strRef>
+              <c:f>Sheet1!$I$1</c:f>
+              <c:strCache>
+                <c:ptCount val="1"/>
+                <c:pt idx="0">
+                  <c:v>40</c:v>
+                </c:pt>
+              </c:strCache>
+            </c:strRef>
+          </c:tx>
+          <c:invertIfNegative val="0"/>
+          <c:cat>
+            <c:strRef>
+              <c:f>Sheet1!$A$2</c:f>
+              <c:strCache>
+                <c:ptCount val="1"/>
+                <c:pt idx="0">
+                  <c:v>항목 1</c:v>
+                </c:pt>
+              </c:strCache>
+            </c:strRef>
+          </c:cat>
+          <c:val>
+            <c:numRef>
+              <c:f>Sheet1!$I$2</c:f>
+              <c:numCache>
+                <c:formatCode>General</c:formatCode>
+                <c:ptCount val="1"/>
+                <c:pt idx="0">
+                  <c:v>11</c:v>
+                </c:pt>
+              </c:numCache>
+            </c:numRef>
+          </c:val>
+        </c:ser>
+        <c:ser>
+          <c:idx val="8"/>
+          <c:order val="8"/>
+          <c:tx>
+            <c:strRef>
+              <c:f>Sheet1!$J$1</c:f>
+              <c:strCache>
+                <c:ptCount val="1"/>
+                <c:pt idx="0">
+                  <c:v>45</c:v>
+                </c:pt>
+              </c:strCache>
+            </c:strRef>
+          </c:tx>
+          <c:invertIfNegative val="0"/>
+          <c:cat>
+            <c:strRef>
+              <c:f>Sheet1!$A$2</c:f>
+              <c:strCache>
+                <c:ptCount val="1"/>
+                <c:pt idx="0">
+                  <c:v>항목 1</c:v>
+                </c:pt>
+              </c:strCache>
+            </c:strRef>
+          </c:cat>
+          <c:val>
+            <c:numRef>
+              <c:f>Sheet1!$J$2</c:f>
+              <c:numCache>
+                <c:formatCode>General</c:formatCode>
+                <c:ptCount val="1"/>
+                <c:pt idx="0">
+                  <c:v>10</c:v>
+                </c:pt>
+              </c:numCache>
+            </c:numRef>
+          </c:val>
+        </c:ser>
+        <c:ser>
+          <c:idx val="9"/>
+          <c:order val="9"/>
+          <c:tx>
+            <c:strRef>
+              <c:f>Sheet1!$K$1</c:f>
+              <c:strCache>
+                <c:ptCount val="1"/>
+                <c:pt idx="0">
+                  <c:v>50</c:v>
+                </c:pt>
+              </c:strCache>
+            </c:strRef>
+          </c:tx>
+          <c:invertIfNegative val="0"/>
+          <c:cat>
+            <c:strRef>
+              <c:f>Sheet1!$A$2</c:f>
+              <c:strCache>
+                <c:ptCount val="1"/>
+                <c:pt idx="0">
+                  <c:v>항목 1</c:v>
+                </c:pt>
+              </c:strCache>
+            </c:strRef>
+          </c:cat>
+          <c:val>
+            <c:numRef>
+              <c:f>Sheet1!$K$2</c:f>
+              <c:numCache>
+                <c:formatCode>General</c:formatCode>
+                <c:ptCount val="1"/>
+                <c:pt idx="0">
+                  <c:v>8</c:v>
+                </c:pt>
+              </c:numCache>
+            </c:numRef>
+          </c:val>
+        </c:ser>
+        <c:ser>
+          <c:idx val="10"/>
+          <c:order val="10"/>
+          <c:tx>
+            <c:strRef>
+              <c:f>Sheet1!$L$1</c:f>
+              <c:strCache>
+                <c:ptCount val="1"/>
+                <c:pt idx="0">
+                  <c:v>55</c:v>
+                </c:pt>
+              </c:strCache>
+            </c:strRef>
+          </c:tx>
+          <c:invertIfNegative val="0"/>
+          <c:cat>
+            <c:strRef>
+              <c:f>Sheet1!$A$2</c:f>
+              <c:strCache>
+                <c:ptCount val="1"/>
+                <c:pt idx="0">
+                  <c:v>항목 1</c:v>
+                </c:pt>
+              </c:strCache>
+            </c:strRef>
+          </c:cat>
+          <c:val>
+            <c:numRef>
+              <c:f>Sheet1!$L$2</c:f>
+              <c:numCache>
+                <c:formatCode>General</c:formatCode>
+                <c:ptCount val="1"/>
+                <c:pt idx="0">
+                  <c:v>7</c:v>
+                </c:pt>
+              </c:numCache>
+            </c:numRef>
+          </c:val>
+        </c:ser>
+        <c:ser>
+          <c:idx val="11"/>
+          <c:order val="11"/>
+          <c:tx>
+            <c:strRef>
+              <c:f>Sheet1!$M$1</c:f>
+              <c:strCache>
+                <c:ptCount val="1"/>
+                <c:pt idx="0">
+                  <c:v>60</c:v>
+                </c:pt>
+              </c:strCache>
+            </c:strRef>
+          </c:tx>
+          <c:invertIfNegative val="0"/>
+          <c:cat>
+            <c:strRef>
+              <c:f>Sheet1!$A$2</c:f>
+              <c:strCache>
+                <c:ptCount val="1"/>
+                <c:pt idx="0">
+                  <c:v>항목 1</c:v>
+                </c:pt>
+              </c:strCache>
+            </c:strRef>
+          </c:cat>
+          <c:val>
+            <c:numRef>
+              <c:f>Sheet1!$M$2</c:f>
+              <c:numCache>
+                <c:formatCode>General</c:formatCode>
+                <c:ptCount val="1"/>
+                <c:pt idx="0">
+                  <c:v>6</c:v>
                 </c:pt>
               </c:numCache>
             </c:numRef>
@@ -333,11 +734,52 @@
           <c:showSerName val="0"/>
           <c:showPercent val="0"/>
           <c:showBubbleSize val="0"/>
-          <c:showLeaderLines val="1"/>
         </c:dLbls>
-        <c:firstSliceAng val="0"/>
-        <c:holeSize val="50"/>
-      </c:doughnutChart>
+        <c:gapWidth val="150"/>
+        <c:overlap val="100"/>
+        <c:axId val="38440960"/>
+        <c:axId val="39695424"/>
+      </c:barChart>
+      <c:catAx>
+        <c:axId val="38440960"/>
+        <c:scaling>
+          <c:orientation val="minMax"/>
+        </c:scaling>
+        <c:delete val="1"/>
+        <c:axPos val="l"/>
+        <c:majorTickMark val="out"/>
+        <c:minorTickMark val="none"/>
+        <c:tickLblPos val="nextTo"/>
+        <c:crossAx val="39695424"/>
+        <c:crosses val="autoZero"/>
+        <c:auto val="1"/>
+        <c:lblAlgn val="ctr"/>
+        <c:lblOffset val="100"/>
+        <c:noMultiLvlLbl val="0"/>
+      </c:catAx>
+      <c:valAx>
+        <c:axId val="39695424"/>
+        <c:scaling>
+          <c:orientation val="minMax"/>
+          <c:max val="100"/>
+        </c:scaling>
+        <c:delete val="1"/>
+        <c:axPos val="b"/>
+        <c:majorGridlines>
+          <c:spPr>
+            <a:ln>
+              <a:noFill/>
+            </a:ln>
+          </c:spPr>
+        </c:majorGridlines>
+        <c:numFmt formatCode="General" sourceLinked="1"/>
+        <c:majorTickMark val="out"/>
+        <c:minorTickMark val="none"/>
+        <c:tickLblPos val="nextTo"/>
+        <c:crossAx val="38440960"/>
+        <c:crosses val="autoZero"/>
+        <c:crossBetween val="between"/>
+      </c:valAx>
     </c:plotArea>
     <c:plotVisOnly val="1"/>
     <c:dispBlanksAs val="gap"/>
@@ -373,13 +815,11 @@
     </mc:Fallback>
   </mc:AlternateContent>
   <c:chart>
-    <c:autoTitleDeleted val="0"/>
+    <c:autoTitleDeleted val="1"/>
     <c:plotArea>
       <c:layout/>
-      <c:barChart>
-        <c:barDir val="bar"/>
-        <c:grouping val="stacked"/>
-        <c:varyColors val="0"/>
+      <c:doughnutChart>
+        <c:varyColors val="1"/>
         <c:ser>
           <c:idx val="0"/>
           <c:order val="0"/>
@@ -389,460 +829,61 @@
               <c:strCache>
                 <c:ptCount val="1"/>
                 <c:pt idx="0">
+                  <c:v>판매</c:v>
+                </c:pt>
+              </c:strCache>
+            </c:strRef>
+          </c:tx>
+          <c:cat>
+            <c:numRef>
+              <c:f>Sheet1!$A$2:$A$13</c:f>
+              <c:numCache>
+                <c:formatCode>General</c:formatCode>
+                <c:ptCount val="12"/>
+              </c:numCache>
+            </c:numRef>
+          </c:cat>
+          <c:val>
+            <c:numRef>
+              <c:f>Sheet1!$B$2:$B$13</c:f>
+              <c:numCache>
+                <c:formatCode>General</c:formatCode>
+                <c:ptCount val="12"/>
+                <c:pt idx="0">
                   <c:v>5</c:v>
                 </c:pt>
-              </c:strCache>
-            </c:strRef>
-          </c:tx>
-          <c:invertIfNegative val="0"/>
-          <c:cat>
-            <c:strRef>
-              <c:f>Sheet1!$A$2</c:f>
-              <c:strCache>
-                <c:ptCount val="1"/>
-                <c:pt idx="0">
-                  <c:v>항목 1</c:v>
-                </c:pt>
-              </c:strCache>
-            </c:strRef>
-          </c:cat>
-          <c:val>
-            <c:numRef>
-              <c:f>Sheet1!$B$2</c:f>
-              <c:numCache>
-                <c:formatCode>General</c:formatCode>
-                <c:ptCount val="1"/>
-                <c:pt idx="0">
-                  <c:v>3</c:v>
-                </c:pt>
-              </c:numCache>
-            </c:numRef>
-          </c:val>
-        </c:ser>
-        <c:ser>
-          <c:idx val="1"/>
-          <c:order val="1"/>
-          <c:tx>
-            <c:strRef>
-              <c:f>Sheet1!$C$1</c:f>
-              <c:strCache>
-                <c:ptCount val="1"/>
-                <c:pt idx="0">
+                <c:pt idx="1">
+                  <c:v>7</c:v>
+                </c:pt>
+                <c:pt idx="2">
+                  <c:v>7</c:v>
+                </c:pt>
+                <c:pt idx="3">
+                  <c:v>8</c:v>
+                </c:pt>
+                <c:pt idx="4">
+                  <c:v>8</c:v>
+                </c:pt>
+                <c:pt idx="5">
                   <c:v>10</c:v>
                 </c:pt>
-              </c:strCache>
-            </c:strRef>
-          </c:tx>
-          <c:invertIfNegative val="0"/>
-          <c:cat>
-            <c:strRef>
-              <c:f>Sheet1!$A$2</c:f>
-              <c:strCache>
-                <c:ptCount val="1"/>
-                <c:pt idx="0">
-                  <c:v>항목 1</c:v>
-                </c:pt>
-              </c:strCache>
-            </c:strRef>
-          </c:cat>
-          <c:val>
-            <c:numRef>
-              <c:f>Sheet1!$C$2</c:f>
-              <c:numCache>
-                <c:formatCode>General</c:formatCode>
-                <c:ptCount val="1"/>
-                <c:pt idx="0">
-                  <c:v>4.5</c:v>
-                </c:pt>
-              </c:numCache>
-            </c:numRef>
-          </c:val>
-        </c:ser>
-        <c:ser>
-          <c:idx val="2"/>
-          <c:order val="2"/>
-          <c:tx>
-            <c:strRef>
-              <c:f>Sheet1!$D$1</c:f>
-              <c:strCache>
-                <c:ptCount val="1"/>
-                <c:pt idx="0">
-                  <c:v>15</c:v>
-                </c:pt>
-              </c:strCache>
-            </c:strRef>
-          </c:tx>
-          <c:invertIfNegative val="0"/>
-          <c:cat>
-            <c:strRef>
-              <c:f>Sheet1!$A$2</c:f>
-              <c:strCache>
-                <c:ptCount val="1"/>
-                <c:pt idx="0">
-                  <c:v>항목 1</c:v>
-                </c:pt>
-              </c:strCache>
-            </c:strRef>
-          </c:cat>
-          <c:val>
-            <c:numRef>
-              <c:f>Sheet1!$D$2</c:f>
-              <c:numCache>
-                <c:formatCode>General</c:formatCode>
-                <c:ptCount val="1"/>
-                <c:pt idx="0">
-                  <c:v>5</c:v>
-                </c:pt>
-              </c:numCache>
-            </c:numRef>
-          </c:val>
-        </c:ser>
-        <c:ser>
-          <c:idx val="3"/>
-          <c:order val="3"/>
-          <c:tx>
-            <c:strRef>
-              <c:f>Sheet1!$E$1</c:f>
-              <c:strCache>
-                <c:ptCount val="1"/>
-                <c:pt idx="0">
-                  <c:v>20</c:v>
-                </c:pt>
-              </c:strCache>
-            </c:strRef>
-          </c:tx>
-          <c:invertIfNegative val="0"/>
-          <c:cat>
-            <c:strRef>
-              <c:f>Sheet1!$A$2</c:f>
-              <c:strCache>
-                <c:ptCount val="1"/>
-                <c:pt idx="0">
-                  <c:v>항목 1</c:v>
-                </c:pt>
-              </c:strCache>
-            </c:strRef>
-          </c:cat>
-          <c:val>
-            <c:numRef>
-              <c:f>Sheet1!$E$2</c:f>
-              <c:numCache>
-                <c:formatCode>General</c:formatCode>
-                <c:ptCount val="1"/>
-                <c:pt idx="0">
-                  <c:v>6.5</c:v>
-                </c:pt>
-              </c:numCache>
-            </c:numRef>
-          </c:val>
-        </c:ser>
-        <c:ser>
-          <c:idx val="4"/>
-          <c:order val="4"/>
-          <c:tx>
-            <c:strRef>
-              <c:f>Sheet1!$F$1</c:f>
-              <c:strCache>
-                <c:ptCount val="1"/>
-                <c:pt idx="0">
-                  <c:v>25</c:v>
-                </c:pt>
-              </c:strCache>
-            </c:strRef>
-          </c:tx>
-          <c:invertIfNegative val="0"/>
-          <c:cat>
-            <c:strRef>
-              <c:f>Sheet1!$A$2</c:f>
-              <c:strCache>
-                <c:ptCount val="1"/>
-                <c:pt idx="0">
-                  <c:v>항목 1</c:v>
-                </c:pt>
-              </c:strCache>
-            </c:strRef>
-          </c:cat>
-          <c:val>
-            <c:numRef>
-              <c:f>Sheet1!$F$2</c:f>
-              <c:numCache>
-                <c:formatCode>General</c:formatCode>
-                <c:ptCount val="1"/>
-                <c:pt idx="0">
+                <c:pt idx="6">
+                  <c:v>13</c:v>
+                </c:pt>
+                <c:pt idx="7">
+                  <c:v>11</c:v>
+                </c:pt>
+                <c:pt idx="8">
+                  <c:v>10</c:v>
+                </c:pt>
+                <c:pt idx="9">
+                  <c:v>8</c:v>
+                </c:pt>
+                <c:pt idx="10">
                   <c:v>7</c:v>
                 </c:pt>
-              </c:numCache>
-            </c:numRef>
-          </c:val>
-        </c:ser>
-        <c:ser>
-          <c:idx val="5"/>
-          <c:order val="5"/>
-          <c:tx>
-            <c:strRef>
-              <c:f>Sheet1!$G$1</c:f>
-              <c:strCache>
-                <c:ptCount val="1"/>
-                <c:pt idx="0">
-                  <c:v>30</c:v>
-                </c:pt>
-              </c:strCache>
-            </c:strRef>
-          </c:tx>
-          <c:invertIfNegative val="0"/>
-          <c:cat>
-            <c:strRef>
-              <c:f>Sheet1!$A$2</c:f>
-              <c:strCache>
-                <c:ptCount val="1"/>
-                <c:pt idx="0">
-                  <c:v>항목 1</c:v>
-                </c:pt>
-              </c:strCache>
-            </c:strRef>
-          </c:cat>
-          <c:val>
-            <c:numRef>
-              <c:f>Sheet1!$G$2</c:f>
-              <c:numCache>
-                <c:formatCode>General</c:formatCode>
-                <c:ptCount val="1"/>
-                <c:pt idx="0">
-                  <c:v>9</c:v>
-                </c:pt>
-              </c:numCache>
-            </c:numRef>
-          </c:val>
-        </c:ser>
-        <c:ser>
-          <c:idx val="6"/>
-          <c:order val="6"/>
-          <c:tx>
-            <c:strRef>
-              <c:f>Sheet1!$H$1</c:f>
-              <c:strCache>
-                <c:ptCount val="1"/>
-                <c:pt idx="0">
-                  <c:v>35</c:v>
-                </c:pt>
-              </c:strCache>
-            </c:strRef>
-          </c:tx>
-          <c:invertIfNegative val="0"/>
-          <c:cat>
-            <c:strRef>
-              <c:f>Sheet1!$A$2</c:f>
-              <c:strCache>
-                <c:ptCount val="1"/>
-                <c:pt idx="0">
-                  <c:v>항목 1</c:v>
-                </c:pt>
-              </c:strCache>
-            </c:strRef>
-          </c:cat>
-          <c:val>
-            <c:numRef>
-              <c:f>Sheet1!$H$2</c:f>
-              <c:numCache>
-                <c:formatCode>General</c:formatCode>
-                <c:ptCount val="1"/>
-                <c:pt idx="0">
-                  <c:v>11.5</c:v>
-                </c:pt>
-              </c:numCache>
-            </c:numRef>
-          </c:val>
-        </c:ser>
-        <c:ser>
-          <c:idx val="7"/>
-          <c:order val="7"/>
-          <c:tx>
-            <c:strRef>
-              <c:f>Sheet1!$I$1</c:f>
-              <c:strCache>
-                <c:ptCount val="1"/>
-                <c:pt idx="0">
-                  <c:v>40</c:v>
-                </c:pt>
-              </c:strCache>
-            </c:strRef>
-          </c:tx>
-          <c:invertIfNegative val="0"/>
-          <c:cat>
-            <c:strRef>
-              <c:f>Sheet1!$A$2</c:f>
-              <c:strCache>
-                <c:ptCount val="1"/>
-                <c:pt idx="0">
-                  <c:v>항목 1</c:v>
-                </c:pt>
-              </c:strCache>
-            </c:strRef>
-          </c:cat>
-          <c:val>
-            <c:numRef>
-              <c:f>Sheet1!$I$2</c:f>
-              <c:numCache>
-                <c:formatCode>General</c:formatCode>
-                <c:ptCount val="1"/>
-                <c:pt idx="0">
-                  <c:v>12</c:v>
-                </c:pt>
-              </c:numCache>
-            </c:numRef>
-          </c:val>
-        </c:ser>
-        <c:ser>
-          <c:idx val="8"/>
-          <c:order val="8"/>
-          <c:tx>
-            <c:strRef>
-              <c:f>Sheet1!$J$1</c:f>
-              <c:strCache>
-                <c:ptCount val="1"/>
-                <c:pt idx="0">
-                  <c:v>45</c:v>
-                </c:pt>
-              </c:strCache>
-            </c:strRef>
-          </c:tx>
-          <c:invertIfNegative val="0"/>
-          <c:cat>
-            <c:strRef>
-              <c:f>Sheet1!$A$2</c:f>
-              <c:strCache>
-                <c:ptCount val="1"/>
-                <c:pt idx="0">
-                  <c:v>항목 1</c:v>
-                </c:pt>
-              </c:strCache>
-            </c:strRef>
-          </c:cat>
-          <c:val>
-            <c:numRef>
-              <c:f>Sheet1!$J$2</c:f>
-              <c:numCache>
-                <c:formatCode>General</c:formatCode>
-                <c:ptCount val="1"/>
-                <c:pt idx="0">
-                  <c:v>12.5</c:v>
-                </c:pt>
-              </c:numCache>
-            </c:numRef>
-          </c:val>
-        </c:ser>
-        <c:ser>
-          <c:idx val="9"/>
-          <c:order val="9"/>
-          <c:tx>
-            <c:strRef>
-              <c:f>Sheet1!$K$1</c:f>
-              <c:strCache>
-                <c:ptCount val="1"/>
-                <c:pt idx="0">
-                  <c:v>50</c:v>
-                </c:pt>
-              </c:strCache>
-            </c:strRef>
-          </c:tx>
-          <c:invertIfNegative val="0"/>
-          <c:cat>
-            <c:strRef>
-              <c:f>Sheet1!$A$2</c:f>
-              <c:strCache>
-                <c:ptCount val="1"/>
-                <c:pt idx="0">
-                  <c:v>항목 1</c:v>
-                </c:pt>
-              </c:strCache>
-            </c:strRef>
-          </c:cat>
-          <c:val>
-            <c:numRef>
-              <c:f>Sheet1!$K$2</c:f>
-              <c:numCache>
-                <c:formatCode>General</c:formatCode>
-                <c:ptCount val="1"/>
-                <c:pt idx="0">
-                  <c:v>10.5</c:v>
-                </c:pt>
-              </c:numCache>
-            </c:numRef>
-          </c:val>
-        </c:ser>
-        <c:ser>
-          <c:idx val="10"/>
-          <c:order val="10"/>
-          <c:tx>
-            <c:strRef>
-              <c:f>Sheet1!$L$1</c:f>
-              <c:strCache>
-                <c:ptCount val="1"/>
-                <c:pt idx="0">
-                  <c:v>55</c:v>
-                </c:pt>
-              </c:strCache>
-            </c:strRef>
-          </c:tx>
-          <c:invertIfNegative val="0"/>
-          <c:cat>
-            <c:strRef>
-              <c:f>Sheet1!$A$2</c:f>
-              <c:strCache>
-                <c:ptCount val="1"/>
-                <c:pt idx="0">
-                  <c:v>항목 1</c:v>
-                </c:pt>
-              </c:strCache>
-            </c:strRef>
-          </c:cat>
-          <c:val>
-            <c:numRef>
-              <c:f>Sheet1!$L$2</c:f>
-              <c:numCache>
-                <c:formatCode>General</c:formatCode>
-                <c:ptCount val="1"/>
-                <c:pt idx="0">
-                  <c:v>10</c:v>
-                </c:pt>
-              </c:numCache>
-            </c:numRef>
-          </c:val>
-        </c:ser>
-        <c:ser>
-          <c:idx val="11"/>
-          <c:order val="11"/>
-          <c:tx>
-            <c:strRef>
-              <c:f>Sheet1!$M$1</c:f>
-              <c:strCache>
-                <c:ptCount val="1"/>
-                <c:pt idx="0">
-                  <c:v>60</c:v>
-                </c:pt>
-              </c:strCache>
-            </c:strRef>
-          </c:tx>
-          <c:invertIfNegative val="0"/>
-          <c:cat>
-            <c:strRef>
-              <c:f>Sheet1!$A$2</c:f>
-              <c:strCache>
-                <c:ptCount val="1"/>
-                <c:pt idx="0">
-                  <c:v>항목 1</c:v>
-                </c:pt>
-              </c:strCache>
-            </c:strRef>
-          </c:cat>
-          <c:val>
-            <c:numRef>
-              <c:f>Sheet1!$M$2</c:f>
-              <c:numCache>
-                <c:formatCode>General</c:formatCode>
-                <c:ptCount val="1"/>
-                <c:pt idx="0">
-                  <c:v>8.5</c:v>
+                <c:pt idx="11">
+                  <c:v>6</c:v>
                 </c:pt>
               </c:numCache>
             </c:numRef>
@@ -855,52 +896,11 @@
           <c:showSerName val="0"/>
           <c:showPercent val="0"/>
           <c:showBubbleSize val="0"/>
+          <c:showLeaderLines val="1"/>
         </c:dLbls>
-        <c:gapWidth val="150"/>
-        <c:overlap val="100"/>
-        <c:axId val="33268224"/>
-        <c:axId val="70761216"/>
-      </c:barChart>
-      <c:catAx>
-        <c:axId val="33268224"/>
-        <c:scaling>
-          <c:orientation val="minMax"/>
-        </c:scaling>
-        <c:delete val="1"/>
-        <c:axPos val="l"/>
-        <c:majorTickMark val="out"/>
-        <c:minorTickMark val="none"/>
-        <c:tickLblPos val="nextTo"/>
-        <c:crossAx val="70761216"/>
-        <c:crosses val="autoZero"/>
-        <c:auto val="1"/>
-        <c:lblAlgn val="ctr"/>
-        <c:lblOffset val="100"/>
-        <c:noMultiLvlLbl val="0"/>
-      </c:catAx>
-      <c:valAx>
-        <c:axId val="70761216"/>
-        <c:scaling>
-          <c:orientation val="minMax"/>
-          <c:max val="100"/>
-        </c:scaling>
-        <c:delete val="1"/>
-        <c:axPos val="b"/>
-        <c:majorGridlines>
-          <c:spPr>
-            <a:ln>
-              <a:noFill/>
-            </a:ln>
-          </c:spPr>
-        </c:majorGridlines>
-        <c:numFmt formatCode="General" sourceLinked="1"/>
-        <c:majorTickMark val="out"/>
-        <c:minorTickMark val="none"/>
-        <c:tickLblPos val="nextTo"/>
-        <c:crossAx val="33268224"/>
-        <c:crosses val="autoZero"/>
-        <c:crossBetween val="between"/>
-      </c:valAx>
+        <c:firstSliceAng val="0"/>
+        <c:holeSize val="50"/>
+      </c:doughnutChart>
     </c:plotArea>
     <c:plotVisOnly val="1"/>
     <c:dispBlanksAs val="gap"/>
@@ -941,7 +941,7 @@
       <c:layout/>
       <c:barChart>
         <c:barDir val="bar"/>
-        <c:grouping val="stacked"/>
+        <c:grouping val="clustered"/>
         <c:varyColors val="0"/>
         <c:ser>
           <c:idx val="0"/>
@@ -952,7 +952,7 @@
               <c:strCache>
                 <c:ptCount val="1"/>
                 <c:pt idx="0">
-                  <c:v>5</c:v>
+                  <c:v>열1</c:v>
                 </c:pt>
               </c:strCache>
             </c:strRef>
@@ -991,7 +991,7 @@
               <c:strCache>
                 <c:ptCount val="1"/>
                 <c:pt idx="0">
-                  <c:v>10</c:v>
+                  <c:v>열2</c:v>
                 </c:pt>
               </c:strCache>
             </c:strRef>
@@ -1030,7 +1030,7 @@
               <c:strCache>
                 <c:ptCount val="1"/>
                 <c:pt idx="0">
-                  <c:v>15</c:v>
+                  <c:v>열3</c:v>
                 </c:pt>
               </c:strCache>
             </c:strRef>
@@ -1069,7 +1069,7 @@
               <c:strCache>
                 <c:ptCount val="1"/>
                 <c:pt idx="0">
-                  <c:v>20</c:v>
+                  <c:v>열4</c:v>
                 </c:pt>
               </c:strCache>
             </c:strRef>
@@ -1108,7 +1108,7 @@
               <c:strCache>
                 <c:ptCount val="1"/>
                 <c:pt idx="0">
-                  <c:v>25</c:v>
+                  <c:v>열5</c:v>
                 </c:pt>
               </c:strCache>
             </c:strRef>
@@ -1147,7 +1147,7 @@
               <c:strCache>
                 <c:ptCount val="1"/>
                 <c:pt idx="0">
-                  <c:v>30</c:v>
+                  <c:v>열6</c:v>
                 </c:pt>
               </c:strCache>
             </c:strRef>
@@ -1186,7 +1186,7 @@
               <c:strCache>
                 <c:ptCount val="1"/>
                 <c:pt idx="0">
-                  <c:v>35</c:v>
+                  <c:v>열7</c:v>
                 </c:pt>
               </c:strCache>
             </c:strRef>
@@ -1225,7 +1225,7 @@
               <c:strCache>
                 <c:ptCount val="1"/>
                 <c:pt idx="0">
-                  <c:v>40</c:v>
+                  <c:v>열8</c:v>
                 </c:pt>
               </c:strCache>
             </c:strRef>
@@ -1264,7 +1264,7 @@
               <c:strCache>
                 <c:ptCount val="1"/>
                 <c:pt idx="0">
-                  <c:v>45</c:v>
+                  <c:v>열9</c:v>
                 </c:pt>
               </c:strCache>
             </c:strRef>
@@ -1303,7 +1303,7 @@
               <c:strCache>
                 <c:ptCount val="1"/>
                 <c:pt idx="0">
-                  <c:v>50</c:v>
+                  <c:v>열10</c:v>
                 </c:pt>
               </c:strCache>
             </c:strRef>
@@ -1342,7 +1342,7 @@
               <c:strCache>
                 <c:ptCount val="1"/>
                 <c:pt idx="0">
-                  <c:v>55</c:v>
+                  <c:v>열11</c:v>
                 </c:pt>
               </c:strCache>
             </c:strRef>
@@ -1381,7 +1381,7 @@
               <c:strCache>
                 <c:ptCount val="1"/>
                 <c:pt idx="0">
-                  <c:v>60</c:v>
+                  <c:v>열12</c:v>
                 </c:pt>
               </c:strCache>
             </c:strRef>
@@ -1420,12 +1420,11 @@
           <c:showBubbleSize val="0"/>
         </c:dLbls>
         <c:gapWidth val="150"/>
-        <c:overlap val="100"/>
-        <c:axId val="39667200"/>
-        <c:axId val="40796160"/>
+        <c:axId val="39577088"/>
+        <c:axId val="39693696"/>
       </c:barChart>
       <c:catAx>
-        <c:axId val="39667200"/>
+        <c:axId val="39577088"/>
         <c:scaling>
           <c:orientation val="minMax"/>
         </c:scaling>
@@ -1434,7 +1433,7 @@
         <c:majorTickMark val="out"/>
         <c:minorTickMark val="none"/>
         <c:tickLblPos val="nextTo"/>
-        <c:crossAx val="40796160"/>
+        <c:crossAx val="39693696"/>
         <c:crosses val="autoZero"/>
         <c:auto val="1"/>
         <c:lblAlgn val="ctr"/>
@@ -1442,10 +1441,9 @@
         <c:noMultiLvlLbl val="0"/>
       </c:catAx>
       <c:valAx>
-        <c:axId val="40796160"/>
+        <c:axId val="39693696"/>
         <c:scaling>
           <c:orientation val="minMax"/>
-          <c:max val="100"/>
         </c:scaling>
         <c:delete val="1"/>
         <c:axPos val="b"/>
@@ -1460,7 +1458,7 @@
         <c:majorTickMark val="out"/>
         <c:minorTickMark val="none"/>
         <c:tickLblPos val="nextTo"/>
-        <c:crossAx val="39667200"/>
+        <c:crossAx val="39577088"/>
         <c:crosses val="autoZero"/>
         <c:crossBetween val="between"/>
       </c:valAx>
@@ -1499,11 +1497,13 @@
     </mc:Fallback>
   </mc:AlternateContent>
   <c:chart>
-    <c:autoTitleDeleted val="1"/>
+    <c:autoTitleDeleted val="0"/>
     <c:plotArea>
       <c:layout/>
-      <c:doughnutChart>
-        <c:varyColors val="1"/>
+      <c:barChart>
+        <c:barDir val="bar"/>
+        <c:grouping val="stacked"/>
+        <c:varyColors val="0"/>
         <c:ser>
           <c:idx val="0"/>
           <c:order val="0"/>
@@ -1513,60 +1513,459 @@
               <c:strCache>
                 <c:ptCount val="1"/>
                 <c:pt idx="0">
-                  <c:v>판매</c:v>
-                </c:pt>
-              </c:strCache>
-            </c:strRef>
-          </c:tx>
-          <c:cat>
-            <c:numRef>
-              <c:f>Sheet1!$A$2:$A$13</c:f>
-              <c:numCache>
-                <c:formatCode>General</c:formatCode>
-                <c:ptCount val="12"/>
-              </c:numCache>
-            </c:numRef>
-          </c:cat>
-          <c:val>
-            <c:numRef>
-              <c:f>Sheet1!$B$2:$B$13</c:f>
-              <c:numCache>
-                <c:formatCode>General</c:formatCode>
-                <c:ptCount val="12"/>
-                <c:pt idx="0">
                   <c:v>5</c:v>
                 </c:pt>
-                <c:pt idx="1">
+              </c:strCache>
+            </c:strRef>
+          </c:tx>
+          <c:invertIfNegative val="0"/>
+          <c:cat>
+            <c:strRef>
+              <c:f>Sheet1!$A$2</c:f>
+              <c:strCache>
+                <c:ptCount val="1"/>
+                <c:pt idx="0">
+                  <c:v>항목 1</c:v>
+                </c:pt>
+              </c:strCache>
+            </c:strRef>
+          </c:cat>
+          <c:val>
+            <c:numRef>
+              <c:f>Sheet1!$B$2</c:f>
+              <c:numCache>
+                <c:formatCode>General</c:formatCode>
+                <c:ptCount val="1"/>
+                <c:pt idx="0">
+                  <c:v>5</c:v>
+                </c:pt>
+              </c:numCache>
+            </c:numRef>
+          </c:val>
+        </c:ser>
+        <c:ser>
+          <c:idx val="1"/>
+          <c:order val="1"/>
+          <c:tx>
+            <c:strRef>
+              <c:f>Sheet1!$C$1</c:f>
+              <c:strCache>
+                <c:ptCount val="1"/>
+                <c:pt idx="0">
+                  <c:v>10</c:v>
+                </c:pt>
+              </c:strCache>
+            </c:strRef>
+          </c:tx>
+          <c:invertIfNegative val="0"/>
+          <c:cat>
+            <c:strRef>
+              <c:f>Sheet1!$A$2</c:f>
+              <c:strCache>
+                <c:ptCount val="1"/>
+                <c:pt idx="0">
+                  <c:v>항목 1</c:v>
+                </c:pt>
+              </c:strCache>
+            </c:strRef>
+          </c:cat>
+          <c:val>
+            <c:numRef>
+              <c:f>Sheet1!$C$2</c:f>
+              <c:numCache>
+                <c:formatCode>General</c:formatCode>
+                <c:ptCount val="1"/>
+                <c:pt idx="0">
                   <c:v>7</c:v>
                 </c:pt>
-                <c:pt idx="2">
+              </c:numCache>
+            </c:numRef>
+          </c:val>
+        </c:ser>
+        <c:ser>
+          <c:idx val="2"/>
+          <c:order val="2"/>
+          <c:tx>
+            <c:strRef>
+              <c:f>Sheet1!$D$1</c:f>
+              <c:strCache>
+                <c:ptCount val="1"/>
+                <c:pt idx="0">
+                  <c:v>15</c:v>
+                </c:pt>
+              </c:strCache>
+            </c:strRef>
+          </c:tx>
+          <c:invertIfNegative val="0"/>
+          <c:cat>
+            <c:strRef>
+              <c:f>Sheet1!$A$2</c:f>
+              <c:strCache>
+                <c:ptCount val="1"/>
+                <c:pt idx="0">
+                  <c:v>항목 1</c:v>
+                </c:pt>
+              </c:strCache>
+            </c:strRef>
+          </c:cat>
+          <c:val>
+            <c:numRef>
+              <c:f>Sheet1!$D$2</c:f>
+              <c:numCache>
+                <c:formatCode>General</c:formatCode>
+                <c:ptCount val="1"/>
+                <c:pt idx="0">
                   <c:v>7</c:v>
                 </c:pt>
-                <c:pt idx="3">
+              </c:numCache>
+            </c:numRef>
+          </c:val>
+        </c:ser>
+        <c:ser>
+          <c:idx val="3"/>
+          <c:order val="3"/>
+          <c:tx>
+            <c:strRef>
+              <c:f>Sheet1!$E$1</c:f>
+              <c:strCache>
+                <c:ptCount val="1"/>
+                <c:pt idx="0">
+                  <c:v>20</c:v>
+                </c:pt>
+              </c:strCache>
+            </c:strRef>
+          </c:tx>
+          <c:invertIfNegative val="0"/>
+          <c:cat>
+            <c:strRef>
+              <c:f>Sheet1!$A$2</c:f>
+              <c:strCache>
+                <c:ptCount val="1"/>
+                <c:pt idx="0">
+                  <c:v>항목 1</c:v>
+                </c:pt>
+              </c:strCache>
+            </c:strRef>
+          </c:cat>
+          <c:val>
+            <c:numRef>
+              <c:f>Sheet1!$E$2</c:f>
+              <c:numCache>
+                <c:formatCode>General</c:formatCode>
+                <c:ptCount val="1"/>
+                <c:pt idx="0">
                   <c:v>8</c:v>
                 </c:pt>
-                <c:pt idx="4">
+              </c:numCache>
+            </c:numRef>
+          </c:val>
+        </c:ser>
+        <c:ser>
+          <c:idx val="4"/>
+          <c:order val="4"/>
+          <c:tx>
+            <c:strRef>
+              <c:f>Sheet1!$F$1</c:f>
+              <c:strCache>
+                <c:ptCount val="1"/>
+                <c:pt idx="0">
+                  <c:v>25</c:v>
+                </c:pt>
+              </c:strCache>
+            </c:strRef>
+          </c:tx>
+          <c:invertIfNegative val="0"/>
+          <c:cat>
+            <c:strRef>
+              <c:f>Sheet1!$A$2</c:f>
+              <c:strCache>
+                <c:ptCount val="1"/>
+                <c:pt idx="0">
+                  <c:v>항목 1</c:v>
+                </c:pt>
+              </c:strCache>
+            </c:strRef>
+          </c:cat>
+          <c:val>
+            <c:numRef>
+              <c:f>Sheet1!$F$2</c:f>
+              <c:numCache>
+                <c:formatCode>General</c:formatCode>
+                <c:ptCount val="1"/>
+                <c:pt idx="0">
                   <c:v>8</c:v>
                 </c:pt>
-                <c:pt idx="5">
+              </c:numCache>
+            </c:numRef>
+          </c:val>
+        </c:ser>
+        <c:ser>
+          <c:idx val="5"/>
+          <c:order val="5"/>
+          <c:tx>
+            <c:strRef>
+              <c:f>Sheet1!$G$1</c:f>
+              <c:strCache>
+                <c:ptCount val="1"/>
+                <c:pt idx="0">
+                  <c:v>30</c:v>
+                </c:pt>
+              </c:strCache>
+            </c:strRef>
+          </c:tx>
+          <c:invertIfNegative val="0"/>
+          <c:cat>
+            <c:strRef>
+              <c:f>Sheet1!$A$2</c:f>
+              <c:strCache>
+                <c:ptCount val="1"/>
+                <c:pt idx="0">
+                  <c:v>항목 1</c:v>
+                </c:pt>
+              </c:strCache>
+            </c:strRef>
+          </c:cat>
+          <c:val>
+            <c:numRef>
+              <c:f>Sheet1!$G$2</c:f>
+              <c:numCache>
+                <c:formatCode>General</c:formatCode>
+                <c:ptCount val="1"/>
+                <c:pt idx="0">
                   <c:v>10</c:v>
                 </c:pt>
-                <c:pt idx="6">
+              </c:numCache>
+            </c:numRef>
+          </c:val>
+        </c:ser>
+        <c:ser>
+          <c:idx val="6"/>
+          <c:order val="6"/>
+          <c:tx>
+            <c:strRef>
+              <c:f>Sheet1!$H$1</c:f>
+              <c:strCache>
+                <c:ptCount val="1"/>
+                <c:pt idx="0">
+                  <c:v>35</c:v>
+                </c:pt>
+              </c:strCache>
+            </c:strRef>
+          </c:tx>
+          <c:invertIfNegative val="0"/>
+          <c:cat>
+            <c:strRef>
+              <c:f>Sheet1!$A$2</c:f>
+              <c:strCache>
+                <c:ptCount val="1"/>
+                <c:pt idx="0">
+                  <c:v>항목 1</c:v>
+                </c:pt>
+              </c:strCache>
+            </c:strRef>
+          </c:cat>
+          <c:val>
+            <c:numRef>
+              <c:f>Sheet1!$H$2</c:f>
+              <c:numCache>
+                <c:formatCode>General</c:formatCode>
+                <c:ptCount val="1"/>
+                <c:pt idx="0">
                   <c:v>13</c:v>
                 </c:pt>
-                <c:pt idx="7">
+              </c:numCache>
+            </c:numRef>
+          </c:val>
+        </c:ser>
+        <c:ser>
+          <c:idx val="7"/>
+          <c:order val="7"/>
+          <c:tx>
+            <c:strRef>
+              <c:f>Sheet1!$I$1</c:f>
+              <c:strCache>
+                <c:ptCount val="1"/>
+                <c:pt idx="0">
+                  <c:v>40</c:v>
+                </c:pt>
+              </c:strCache>
+            </c:strRef>
+          </c:tx>
+          <c:invertIfNegative val="0"/>
+          <c:cat>
+            <c:strRef>
+              <c:f>Sheet1!$A$2</c:f>
+              <c:strCache>
+                <c:ptCount val="1"/>
+                <c:pt idx="0">
+                  <c:v>항목 1</c:v>
+                </c:pt>
+              </c:strCache>
+            </c:strRef>
+          </c:cat>
+          <c:val>
+            <c:numRef>
+              <c:f>Sheet1!$I$2</c:f>
+              <c:numCache>
+                <c:formatCode>General</c:formatCode>
+                <c:ptCount val="1"/>
+                <c:pt idx="0">
                   <c:v>11</c:v>
                 </c:pt>
-                <c:pt idx="8">
+              </c:numCache>
+            </c:numRef>
+          </c:val>
+        </c:ser>
+        <c:ser>
+          <c:idx val="8"/>
+          <c:order val="8"/>
+          <c:tx>
+            <c:strRef>
+              <c:f>Sheet1!$J$1</c:f>
+              <c:strCache>
+                <c:ptCount val="1"/>
+                <c:pt idx="0">
+                  <c:v>45</c:v>
+                </c:pt>
+              </c:strCache>
+            </c:strRef>
+          </c:tx>
+          <c:invertIfNegative val="0"/>
+          <c:cat>
+            <c:strRef>
+              <c:f>Sheet1!$A$2</c:f>
+              <c:strCache>
+                <c:ptCount val="1"/>
+                <c:pt idx="0">
+                  <c:v>항목 1</c:v>
+                </c:pt>
+              </c:strCache>
+            </c:strRef>
+          </c:cat>
+          <c:val>
+            <c:numRef>
+              <c:f>Sheet1!$J$2</c:f>
+              <c:numCache>
+                <c:formatCode>General</c:formatCode>
+                <c:ptCount val="1"/>
+                <c:pt idx="0">
                   <c:v>10</c:v>
                 </c:pt>
-                <c:pt idx="9">
+              </c:numCache>
+            </c:numRef>
+          </c:val>
+        </c:ser>
+        <c:ser>
+          <c:idx val="9"/>
+          <c:order val="9"/>
+          <c:tx>
+            <c:strRef>
+              <c:f>Sheet1!$K$1</c:f>
+              <c:strCache>
+                <c:ptCount val="1"/>
+                <c:pt idx="0">
+                  <c:v>50</c:v>
+                </c:pt>
+              </c:strCache>
+            </c:strRef>
+          </c:tx>
+          <c:invertIfNegative val="0"/>
+          <c:cat>
+            <c:strRef>
+              <c:f>Sheet1!$A$2</c:f>
+              <c:strCache>
+                <c:ptCount val="1"/>
+                <c:pt idx="0">
+                  <c:v>항목 1</c:v>
+                </c:pt>
+              </c:strCache>
+            </c:strRef>
+          </c:cat>
+          <c:val>
+            <c:numRef>
+              <c:f>Sheet1!$K$2</c:f>
+              <c:numCache>
+                <c:formatCode>General</c:formatCode>
+                <c:ptCount val="1"/>
+                <c:pt idx="0">
                   <c:v>8</c:v>
                 </c:pt>
-                <c:pt idx="10">
+              </c:numCache>
+            </c:numRef>
+          </c:val>
+        </c:ser>
+        <c:ser>
+          <c:idx val="10"/>
+          <c:order val="10"/>
+          <c:tx>
+            <c:strRef>
+              <c:f>Sheet1!$L$1</c:f>
+              <c:strCache>
+                <c:ptCount val="1"/>
+                <c:pt idx="0">
+                  <c:v>55</c:v>
+                </c:pt>
+              </c:strCache>
+            </c:strRef>
+          </c:tx>
+          <c:invertIfNegative val="0"/>
+          <c:cat>
+            <c:strRef>
+              <c:f>Sheet1!$A$2</c:f>
+              <c:strCache>
+                <c:ptCount val="1"/>
+                <c:pt idx="0">
+                  <c:v>항목 1</c:v>
+                </c:pt>
+              </c:strCache>
+            </c:strRef>
+          </c:cat>
+          <c:val>
+            <c:numRef>
+              <c:f>Sheet1!$L$2</c:f>
+              <c:numCache>
+                <c:formatCode>General</c:formatCode>
+                <c:ptCount val="1"/>
+                <c:pt idx="0">
                   <c:v>7</c:v>
                 </c:pt>
-                <c:pt idx="11">
+              </c:numCache>
+            </c:numRef>
+          </c:val>
+        </c:ser>
+        <c:ser>
+          <c:idx val="11"/>
+          <c:order val="11"/>
+          <c:tx>
+            <c:strRef>
+              <c:f>Sheet1!$M$1</c:f>
+              <c:strCache>
+                <c:ptCount val="1"/>
+                <c:pt idx="0">
+                  <c:v>60</c:v>
+                </c:pt>
+              </c:strCache>
+            </c:strRef>
+          </c:tx>
+          <c:invertIfNegative val="0"/>
+          <c:cat>
+            <c:strRef>
+              <c:f>Sheet1!$A$2</c:f>
+              <c:strCache>
+                <c:ptCount val="1"/>
+                <c:pt idx="0">
+                  <c:v>항목 1</c:v>
+                </c:pt>
+              </c:strCache>
+            </c:strRef>
+          </c:cat>
+          <c:val>
+            <c:numRef>
+              <c:f>Sheet1!$M$2</c:f>
+              <c:numCache>
+                <c:formatCode>General</c:formatCode>
+                <c:ptCount val="1"/>
+                <c:pt idx="0">
                   <c:v>6</c:v>
                 </c:pt>
               </c:numCache>
@@ -1580,11 +1979,52 @@
           <c:showSerName val="0"/>
           <c:showPercent val="0"/>
           <c:showBubbleSize val="0"/>
-          <c:showLeaderLines val="1"/>
         </c:dLbls>
-        <c:firstSliceAng val="0"/>
-        <c:holeSize val="50"/>
-      </c:doughnutChart>
+        <c:gapWidth val="150"/>
+        <c:overlap val="100"/>
+        <c:axId val="38449152"/>
+        <c:axId val="69641344"/>
+      </c:barChart>
+      <c:catAx>
+        <c:axId val="38449152"/>
+        <c:scaling>
+          <c:orientation val="minMax"/>
+        </c:scaling>
+        <c:delete val="1"/>
+        <c:axPos val="l"/>
+        <c:majorTickMark val="out"/>
+        <c:minorTickMark val="none"/>
+        <c:tickLblPos val="nextTo"/>
+        <c:crossAx val="69641344"/>
+        <c:crosses val="autoZero"/>
+        <c:auto val="1"/>
+        <c:lblAlgn val="ctr"/>
+        <c:lblOffset val="100"/>
+        <c:noMultiLvlLbl val="0"/>
+      </c:catAx>
+      <c:valAx>
+        <c:axId val="69641344"/>
+        <c:scaling>
+          <c:orientation val="minMax"/>
+          <c:max val="100"/>
+        </c:scaling>
+        <c:delete val="1"/>
+        <c:axPos val="b"/>
+        <c:majorGridlines>
+          <c:spPr>
+            <a:ln>
+              <a:noFill/>
+            </a:ln>
+          </c:spPr>
+        </c:majorGridlines>
+        <c:numFmt formatCode="General" sourceLinked="1"/>
+        <c:majorTickMark val="out"/>
+        <c:minorTickMark val="none"/>
+        <c:tickLblPos val="nextTo"/>
+        <c:crossAx val="38449152"/>
+        <c:crosses val="autoZero"/>
+        <c:crossBetween val="between"/>
+      </c:valAx>
     </c:plotArea>
     <c:plotVisOnly val="1"/>
     <c:dispBlanksAs val="gap"/>
@@ -1620,13 +2060,11 @@
     </mc:Fallback>
   </mc:AlternateContent>
   <c:chart>
-    <c:autoTitleDeleted val="0"/>
+    <c:autoTitleDeleted val="1"/>
     <c:plotArea>
       <c:layout/>
-      <c:barChart>
-        <c:barDir val="bar"/>
-        <c:grouping val="clustered"/>
-        <c:varyColors val="0"/>
+      <c:doughnutChart>
+        <c:varyColors val="1"/>
         <c:ser>
           <c:idx val="0"/>
           <c:order val="0"/>
@@ -1636,460 +2074,61 @@
               <c:strCache>
                 <c:ptCount val="1"/>
                 <c:pt idx="0">
-                  <c:v>열1</c:v>
-                </c:pt>
-              </c:strCache>
-            </c:strRef>
-          </c:tx>
-          <c:invertIfNegative val="0"/>
-          <c:cat>
-            <c:strRef>
-              <c:f>Sheet1!$A$2</c:f>
-              <c:strCache>
-                <c:ptCount val="1"/>
-                <c:pt idx="0">
-                  <c:v>항목 1</c:v>
-                </c:pt>
-              </c:strCache>
-            </c:strRef>
-          </c:cat>
-          <c:val>
-            <c:numRef>
-              <c:f>Sheet1!$B$2</c:f>
-              <c:numCache>
-                <c:formatCode>General</c:formatCode>
-                <c:ptCount val="1"/>
-                <c:pt idx="0">
-                  <c:v>1</c:v>
-                </c:pt>
-              </c:numCache>
-            </c:numRef>
-          </c:val>
-        </c:ser>
-        <c:ser>
-          <c:idx val="1"/>
-          <c:order val="1"/>
-          <c:tx>
-            <c:strRef>
-              <c:f>Sheet1!$C$1</c:f>
-              <c:strCache>
-                <c:ptCount val="1"/>
-                <c:pt idx="0">
-                  <c:v>열2</c:v>
-                </c:pt>
-              </c:strCache>
-            </c:strRef>
-          </c:tx>
-          <c:invertIfNegative val="0"/>
-          <c:cat>
-            <c:strRef>
-              <c:f>Sheet1!$A$2</c:f>
-              <c:strCache>
-                <c:ptCount val="1"/>
-                <c:pt idx="0">
-                  <c:v>항목 1</c:v>
-                </c:pt>
-              </c:strCache>
-            </c:strRef>
-          </c:cat>
-          <c:val>
-            <c:numRef>
-              <c:f>Sheet1!$C$2</c:f>
-              <c:numCache>
-                <c:formatCode>General</c:formatCode>
-                <c:ptCount val="1"/>
-                <c:pt idx="0">
-                  <c:v>2</c:v>
-                </c:pt>
-              </c:numCache>
-            </c:numRef>
-          </c:val>
-        </c:ser>
-        <c:ser>
-          <c:idx val="2"/>
-          <c:order val="2"/>
-          <c:tx>
-            <c:strRef>
-              <c:f>Sheet1!$D$1</c:f>
-              <c:strCache>
-                <c:ptCount val="1"/>
-                <c:pt idx="0">
-                  <c:v>열3</c:v>
-                </c:pt>
-              </c:strCache>
-            </c:strRef>
-          </c:tx>
-          <c:invertIfNegative val="0"/>
-          <c:cat>
-            <c:strRef>
-              <c:f>Sheet1!$A$2</c:f>
-              <c:strCache>
-                <c:ptCount val="1"/>
-                <c:pt idx="0">
-                  <c:v>항목 1</c:v>
-                </c:pt>
-              </c:strCache>
-            </c:strRef>
-          </c:cat>
-          <c:val>
-            <c:numRef>
-              <c:f>Sheet1!$D$2</c:f>
-              <c:numCache>
-                <c:formatCode>General</c:formatCode>
-                <c:ptCount val="1"/>
-                <c:pt idx="0">
-                  <c:v>3</c:v>
-                </c:pt>
-              </c:numCache>
-            </c:numRef>
-          </c:val>
-        </c:ser>
-        <c:ser>
-          <c:idx val="3"/>
-          <c:order val="3"/>
-          <c:tx>
-            <c:strRef>
-              <c:f>Sheet1!$E$1</c:f>
-              <c:strCache>
-                <c:ptCount val="1"/>
-                <c:pt idx="0">
-                  <c:v>열4</c:v>
-                </c:pt>
-              </c:strCache>
-            </c:strRef>
-          </c:tx>
-          <c:invertIfNegative val="0"/>
-          <c:cat>
-            <c:strRef>
-              <c:f>Sheet1!$A$2</c:f>
-              <c:strCache>
-                <c:ptCount val="1"/>
-                <c:pt idx="0">
-                  <c:v>항목 1</c:v>
-                </c:pt>
-              </c:strCache>
-            </c:strRef>
-          </c:cat>
-          <c:val>
-            <c:numRef>
-              <c:f>Sheet1!$E$2</c:f>
-              <c:numCache>
-                <c:formatCode>General</c:formatCode>
-                <c:ptCount val="1"/>
+                  <c:v>판매</c:v>
+                </c:pt>
+              </c:strCache>
+            </c:strRef>
+          </c:tx>
+          <c:cat>
+            <c:numRef>
+              <c:f>Sheet1!$A$2:$A$13</c:f>
+              <c:numCache>
+                <c:formatCode>General</c:formatCode>
+                <c:ptCount val="12"/>
+              </c:numCache>
+            </c:numRef>
+          </c:cat>
+          <c:val>
+            <c:numRef>
+              <c:f>Sheet1!$B$2:$B$13</c:f>
+              <c:numCache>
+                <c:formatCode>General</c:formatCode>
+                <c:ptCount val="12"/>
                 <c:pt idx="0">
                   <c:v>5</c:v>
                 </c:pt>
-              </c:numCache>
-            </c:numRef>
-          </c:val>
-        </c:ser>
-        <c:ser>
-          <c:idx val="4"/>
-          <c:order val="4"/>
-          <c:tx>
-            <c:strRef>
-              <c:f>Sheet1!$F$1</c:f>
-              <c:strCache>
-                <c:ptCount val="1"/>
-                <c:pt idx="0">
-                  <c:v>열5</c:v>
-                </c:pt>
-              </c:strCache>
-            </c:strRef>
-          </c:tx>
-          <c:invertIfNegative val="0"/>
-          <c:cat>
-            <c:strRef>
-              <c:f>Sheet1!$A$2</c:f>
-              <c:strCache>
-                <c:ptCount val="1"/>
-                <c:pt idx="0">
-                  <c:v>항목 1</c:v>
-                </c:pt>
-              </c:strCache>
-            </c:strRef>
-          </c:cat>
-          <c:val>
-            <c:numRef>
-              <c:f>Sheet1!$F$2</c:f>
-              <c:numCache>
-                <c:formatCode>General</c:formatCode>
-                <c:ptCount val="1"/>
-                <c:pt idx="0">
+                <c:pt idx="1">
+                  <c:v>7</c:v>
+                </c:pt>
+                <c:pt idx="2">
+                  <c:v>7</c:v>
+                </c:pt>
+                <c:pt idx="3">
+                  <c:v>8</c:v>
+                </c:pt>
+                <c:pt idx="4">
+                  <c:v>8</c:v>
+                </c:pt>
+                <c:pt idx="5">
+                  <c:v>10</c:v>
+                </c:pt>
+                <c:pt idx="6">
+                  <c:v>13</c:v>
+                </c:pt>
+                <c:pt idx="7">
+                  <c:v>11</c:v>
+                </c:pt>
+                <c:pt idx="8">
+                  <c:v>10</c:v>
+                </c:pt>
+                <c:pt idx="9">
+                  <c:v>8</c:v>
+                </c:pt>
+                <c:pt idx="10">
+                  <c:v>7</c:v>
+                </c:pt>
+                <c:pt idx="11">
                   <c:v>6</c:v>
-                </c:pt>
-              </c:numCache>
-            </c:numRef>
-          </c:val>
-        </c:ser>
-        <c:ser>
-          <c:idx val="5"/>
-          <c:order val="5"/>
-          <c:tx>
-            <c:strRef>
-              <c:f>Sheet1!$G$1</c:f>
-              <c:strCache>
-                <c:ptCount val="1"/>
-                <c:pt idx="0">
-                  <c:v>열6</c:v>
-                </c:pt>
-              </c:strCache>
-            </c:strRef>
-          </c:tx>
-          <c:invertIfNegative val="0"/>
-          <c:cat>
-            <c:strRef>
-              <c:f>Sheet1!$A$2</c:f>
-              <c:strCache>
-                <c:ptCount val="1"/>
-                <c:pt idx="0">
-                  <c:v>항목 1</c:v>
-                </c:pt>
-              </c:strCache>
-            </c:strRef>
-          </c:cat>
-          <c:val>
-            <c:numRef>
-              <c:f>Sheet1!$G$2</c:f>
-              <c:numCache>
-                <c:formatCode>General</c:formatCode>
-                <c:ptCount val="1"/>
-                <c:pt idx="0">
-                  <c:v>8</c:v>
-                </c:pt>
-              </c:numCache>
-            </c:numRef>
-          </c:val>
-        </c:ser>
-        <c:ser>
-          <c:idx val="6"/>
-          <c:order val="6"/>
-          <c:tx>
-            <c:strRef>
-              <c:f>Sheet1!$H$1</c:f>
-              <c:strCache>
-                <c:ptCount val="1"/>
-                <c:pt idx="0">
-                  <c:v>열7</c:v>
-                </c:pt>
-              </c:strCache>
-            </c:strRef>
-          </c:tx>
-          <c:invertIfNegative val="0"/>
-          <c:cat>
-            <c:strRef>
-              <c:f>Sheet1!$A$2</c:f>
-              <c:strCache>
-                <c:ptCount val="1"/>
-                <c:pt idx="0">
-                  <c:v>항목 1</c:v>
-                </c:pt>
-              </c:strCache>
-            </c:strRef>
-          </c:cat>
-          <c:val>
-            <c:numRef>
-              <c:f>Sheet1!$H$2</c:f>
-              <c:numCache>
-                <c:formatCode>General</c:formatCode>
-                <c:ptCount val="1"/>
-                <c:pt idx="0">
-                  <c:v>10</c:v>
-                </c:pt>
-              </c:numCache>
-            </c:numRef>
-          </c:val>
-        </c:ser>
-        <c:ser>
-          <c:idx val="7"/>
-          <c:order val="7"/>
-          <c:tx>
-            <c:strRef>
-              <c:f>Sheet1!$I$1</c:f>
-              <c:strCache>
-                <c:ptCount val="1"/>
-                <c:pt idx="0">
-                  <c:v>열8</c:v>
-                </c:pt>
-              </c:strCache>
-            </c:strRef>
-          </c:tx>
-          <c:invertIfNegative val="0"/>
-          <c:cat>
-            <c:strRef>
-              <c:f>Sheet1!$A$2</c:f>
-              <c:strCache>
-                <c:ptCount val="1"/>
-                <c:pt idx="0">
-                  <c:v>항목 1</c:v>
-                </c:pt>
-              </c:strCache>
-            </c:strRef>
-          </c:cat>
-          <c:val>
-            <c:numRef>
-              <c:f>Sheet1!$I$2</c:f>
-              <c:numCache>
-                <c:formatCode>General</c:formatCode>
-                <c:ptCount val="1"/>
-                <c:pt idx="0">
-                  <c:v>13</c:v>
-                </c:pt>
-              </c:numCache>
-            </c:numRef>
-          </c:val>
-        </c:ser>
-        <c:ser>
-          <c:idx val="8"/>
-          <c:order val="8"/>
-          <c:tx>
-            <c:strRef>
-              <c:f>Sheet1!$J$1</c:f>
-              <c:strCache>
-                <c:ptCount val="1"/>
-                <c:pt idx="0">
-                  <c:v>열9</c:v>
-                </c:pt>
-              </c:strCache>
-            </c:strRef>
-          </c:tx>
-          <c:invertIfNegative val="0"/>
-          <c:cat>
-            <c:strRef>
-              <c:f>Sheet1!$A$2</c:f>
-              <c:strCache>
-                <c:ptCount val="1"/>
-                <c:pt idx="0">
-                  <c:v>항목 1</c:v>
-                </c:pt>
-              </c:strCache>
-            </c:strRef>
-          </c:cat>
-          <c:val>
-            <c:numRef>
-              <c:f>Sheet1!$J$2</c:f>
-              <c:numCache>
-                <c:formatCode>General</c:formatCode>
-                <c:ptCount val="1"/>
-                <c:pt idx="0">
-                  <c:v>15</c:v>
-                </c:pt>
-              </c:numCache>
-            </c:numRef>
-          </c:val>
-        </c:ser>
-        <c:ser>
-          <c:idx val="9"/>
-          <c:order val="9"/>
-          <c:tx>
-            <c:strRef>
-              <c:f>Sheet1!$K$1</c:f>
-              <c:strCache>
-                <c:ptCount val="1"/>
-                <c:pt idx="0">
-                  <c:v>열10</c:v>
-                </c:pt>
-              </c:strCache>
-            </c:strRef>
-          </c:tx>
-          <c:invertIfNegative val="0"/>
-          <c:cat>
-            <c:strRef>
-              <c:f>Sheet1!$A$2</c:f>
-              <c:strCache>
-                <c:ptCount val="1"/>
-                <c:pt idx="0">
-                  <c:v>항목 1</c:v>
-                </c:pt>
-              </c:strCache>
-            </c:strRef>
-          </c:cat>
-          <c:val>
-            <c:numRef>
-              <c:f>Sheet1!$K$2</c:f>
-              <c:numCache>
-                <c:formatCode>General</c:formatCode>
-                <c:ptCount val="1"/>
-                <c:pt idx="0">
-                  <c:v>13</c:v>
-                </c:pt>
-              </c:numCache>
-            </c:numRef>
-          </c:val>
-        </c:ser>
-        <c:ser>
-          <c:idx val="10"/>
-          <c:order val="10"/>
-          <c:tx>
-            <c:strRef>
-              <c:f>Sheet1!$L$1</c:f>
-              <c:strCache>
-                <c:ptCount val="1"/>
-                <c:pt idx="0">
-                  <c:v>열11</c:v>
-                </c:pt>
-              </c:strCache>
-            </c:strRef>
-          </c:tx>
-          <c:invertIfNegative val="0"/>
-          <c:cat>
-            <c:strRef>
-              <c:f>Sheet1!$A$2</c:f>
-              <c:strCache>
-                <c:ptCount val="1"/>
-                <c:pt idx="0">
-                  <c:v>항목 1</c:v>
-                </c:pt>
-              </c:strCache>
-            </c:strRef>
-          </c:cat>
-          <c:val>
-            <c:numRef>
-              <c:f>Sheet1!$L$2</c:f>
-              <c:numCache>
-                <c:formatCode>General</c:formatCode>
-                <c:ptCount val="1"/>
-                <c:pt idx="0">
-                  <c:v>13</c:v>
-                </c:pt>
-              </c:numCache>
-            </c:numRef>
-          </c:val>
-        </c:ser>
-        <c:ser>
-          <c:idx val="11"/>
-          <c:order val="11"/>
-          <c:tx>
-            <c:strRef>
-              <c:f>Sheet1!$M$1</c:f>
-              <c:strCache>
-                <c:ptCount val="1"/>
-                <c:pt idx="0">
-                  <c:v>열12</c:v>
-                </c:pt>
-              </c:strCache>
-            </c:strRef>
-          </c:tx>
-          <c:invertIfNegative val="0"/>
-          <c:cat>
-            <c:strRef>
-              <c:f>Sheet1!$A$2</c:f>
-              <c:strCache>
-                <c:ptCount val="1"/>
-                <c:pt idx="0">
-                  <c:v>항목 1</c:v>
-                </c:pt>
-              </c:strCache>
-            </c:strRef>
-          </c:cat>
-          <c:val>
-            <c:numRef>
-              <c:f>Sheet1!$M$2</c:f>
-              <c:numCache>
-                <c:formatCode>General</c:formatCode>
-                <c:ptCount val="1"/>
-                <c:pt idx="0">
-                  <c:v>11</c:v>
                 </c:pt>
               </c:numCache>
             </c:numRef>
@@ -2102,50 +2141,11 @@
           <c:showSerName val="0"/>
           <c:showPercent val="0"/>
           <c:showBubbleSize val="0"/>
+          <c:showLeaderLines val="1"/>
         </c:dLbls>
-        <c:gapWidth val="150"/>
-        <c:axId val="42301440"/>
-        <c:axId val="40801344"/>
-      </c:barChart>
-      <c:catAx>
-        <c:axId val="42301440"/>
-        <c:scaling>
-          <c:orientation val="minMax"/>
-        </c:scaling>
-        <c:delete val="1"/>
-        <c:axPos val="l"/>
-        <c:majorTickMark val="out"/>
-        <c:minorTickMark val="none"/>
-        <c:tickLblPos val="nextTo"/>
-        <c:crossAx val="40801344"/>
-        <c:crosses val="autoZero"/>
-        <c:auto val="1"/>
-        <c:lblAlgn val="ctr"/>
-        <c:lblOffset val="100"/>
-        <c:noMultiLvlLbl val="0"/>
-      </c:catAx>
-      <c:valAx>
-        <c:axId val="40801344"/>
-        <c:scaling>
-          <c:orientation val="minMax"/>
-        </c:scaling>
-        <c:delete val="1"/>
-        <c:axPos val="b"/>
-        <c:majorGridlines>
-          <c:spPr>
-            <a:ln>
-              <a:noFill/>
-            </a:ln>
-          </c:spPr>
-        </c:majorGridlines>
-        <c:numFmt formatCode="General" sourceLinked="1"/>
-        <c:majorTickMark val="out"/>
-        <c:minorTickMark val="none"/>
-        <c:tickLblPos val="nextTo"/>
-        <c:crossAx val="42301440"/>
-        <c:crosses val="autoZero"/>
-        <c:crossBetween val="between"/>
-      </c:valAx>
+        <c:firstSliceAng val="0"/>
+        <c:holeSize val="50"/>
+      </c:doughnutChart>
     </c:plotArea>
     <c:plotVisOnly val="1"/>
     <c:dispBlanksAs val="gap"/>
@@ -2186,7 +2186,7 @@
       <c:layout/>
       <c:barChart>
         <c:barDir val="bar"/>
-        <c:grouping val="stacked"/>
+        <c:grouping val="clustered"/>
         <c:varyColors val="0"/>
         <c:ser>
           <c:idx val="0"/>
@@ -2197,7 +2197,7 @@
               <c:strCache>
                 <c:ptCount val="1"/>
                 <c:pt idx="0">
-                  <c:v>5</c:v>
+                  <c:v>열1</c:v>
                 </c:pt>
               </c:strCache>
             </c:strRef>
@@ -2221,7 +2221,7 @@
                 <c:formatCode>General</c:formatCode>
                 <c:ptCount val="1"/>
                 <c:pt idx="0">
-                  <c:v>1</c:v>
+                  <c:v>3</c:v>
                 </c:pt>
               </c:numCache>
             </c:numRef>
@@ -2236,7 +2236,7 @@
               <c:strCache>
                 <c:ptCount val="1"/>
                 <c:pt idx="0">
-                  <c:v>10</c:v>
+                  <c:v>열2</c:v>
                 </c:pt>
               </c:strCache>
             </c:strRef>
@@ -2260,7 +2260,7 @@
                 <c:formatCode>General</c:formatCode>
                 <c:ptCount val="1"/>
                 <c:pt idx="0">
-                  <c:v>2</c:v>
+                  <c:v>4.5</c:v>
                 </c:pt>
               </c:numCache>
             </c:numRef>
@@ -2275,7 +2275,7 @@
               <c:strCache>
                 <c:ptCount val="1"/>
                 <c:pt idx="0">
-                  <c:v>15</c:v>
+                  <c:v>열3</c:v>
                 </c:pt>
               </c:strCache>
             </c:strRef>
@@ -2299,7 +2299,7 @@
                 <c:formatCode>General</c:formatCode>
                 <c:ptCount val="1"/>
                 <c:pt idx="0">
-                  <c:v>3</c:v>
+                  <c:v>5</c:v>
                 </c:pt>
               </c:numCache>
             </c:numRef>
@@ -2314,7 +2314,7 @@
               <c:strCache>
                 <c:ptCount val="1"/>
                 <c:pt idx="0">
-                  <c:v>20</c:v>
+                  <c:v>열4</c:v>
                 </c:pt>
               </c:strCache>
             </c:strRef>
@@ -2338,7 +2338,7 @@
                 <c:formatCode>General</c:formatCode>
                 <c:ptCount val="1"/>
                 <c:pt idx="0">
-                  <c:v>5</c:v>
+                  <c:v>6.5</c:v>
                 </c:pt>
               </c:numCache>
             </c:numRef>
@@ -2353,7 +2353,7 @@
               <c:strCache>
                 <c:ptCount val="1"/>
                 <c:pt idx="0">
-                  <c:v>25</c:v>
+                  <c:v>열5</c:v>
                 </c:pt>
               </c:strCache>
             </c:strRef>
@@ -2377,7 +2377,7 @@
                 <c:formatCode>General</c:formatCode>
                 <c:ptCount val="1"/>
                 <c:pt idx="0">
-                  <c:v>6</c:v>
+                  <c:v>7</c:v>
                 </c:pt>
               </c:numCache>
             </c:numRef>
@@ -2392,7 +2392,7 @@
               <c:strCache>
                 <c:ptCount val="1"/>
                 <c:pt idx="0">
-                  <c:v>30</c:v>
+                  <c:v>열6</c:v>
                 </c:pt>
               </c:strCache>
             </c:strRef>
@@ -2416,7 +2416,7 @@
                 <c:formatCode>General</c:formatCode>
                 <c:ptCount val="1"/>
                 <c:pt idx="0">
-                  <c:v>8</c:v>
+                  <c:v>9</c:v>
                 </c:pt>
               </c:numCache>
             </c:numRef>
@@ -2431,7 +2431,7 @@
               <c:strCache>
                 <c:ptCount val="1"/>
                 <c:pt idx="0">
-                  <c:v>35</c:v>
+                  <c:v>열7</c:v>
                 </c:pt>
               </c:strCache>
             </c:strRef>
@@ -2455,7 +2455,7 @@
                 <c:formatCode>General</c:formatCode>
                 <c:ptCount val="1"/>
                 <c:pt idx="0">
-                  <c:v>10</c:v>
+                  <c:v>11.5</c:v>
                 </c:pt>
               </c:numCache>
             </c:numRef>
@@ -2470,7 +2470,7 @@
               <c:strCache>
                 <c:ptCount val="1"/>
                 <c:pt idx="0">
-                  <c:v>40</c:v>
+                  <c:v>열8</c:v>
                 </c:pt>
               </c:strCache>
             </c:strRef>
@@ -2494,7 +2494,7 @@
                 <c:formatCode>General</c:formatCode>
                 <c:ptCount val="1"/>
                 <c:pt idx="0">
-                  <c:v>13</c:v>
+                  <c:v>12</c:v>
                 </c:pt>
               </c:numCache>
             </c:numRef>
@@ -2509,7 +2509,7 @@
               <c:strCache>
                 <c:ptCount val="1"/>
                 <c:pt idx="0">
-                  <c:v>45</c:v>
+                  <c:v>열9</c:v>
                 </c:pt>
               </c:strCache>
             </c:strRef>
@@ -2533,7 +2533,7 @@
                 <c:formatCode>General</c:formatCode>
                 <c:ptCount val="1"/>
                 <c:pt idx="0">
-                  <c:v>15</c:v>
+                  <c:v>12.5</c:v>
                 </c:pt>
               </c:numCache>
             </c:numRef>
@@ -2548,7 +2548,7 @@
               <c:strCache>
                 <c:ptCount val="1"/>
                 <c:pt idx="0">
-                  <c:v>50</c:v>
+                  <c:v>열10</c:v>
                 </c:pt>
               </c:strCache>
             </c:strRef>
@@ -2572,7 +2572,7 @@
                 <c:formatCode>General</c:formatCode>
                 <c:ptCount val="1"/>
                 <c:pt idx="0">
-                  <c:v>13</c:v>
+                  <c:v>10.5</c:v>
                 </c:pt>
               </c:numCache>
             </c:numRef>
@@ -2587,7 +2587,7 @@
               <c:strCache>
                 <c:ptCount val="1"/>
                 <c:pt idx="0">
-                  <c:v>55</c:v>
+                  <c:v>열11</c:v>
                 </c:pt>
               </c:strCache>
             </c:strRef>
@@ -2611,7 +2611,7 @@
                 <c:formatCode>General</c:formatCode>
                 <c:ptCount val="1"/>
                 <c:pt idx="0">
-                  <c:v>13</c:v>
+                  <c:v>10</c:v>
                 </c:pt>
               </c:numCache>
             </c:numRef>
@@ -2626,7 +2626,7 @@
               <c:strCache>
                 <c:ptCount val="1"/>
                 <c:pt idx="0">
-                  <c:v>60</c:v>
+                  <c:v>열12</c:v>
                 </c:pt>
               </c:strCache>
             </c:strRef>
@@ -2650,7 +2650,7 @@
                 <c:formatCode>General</c:formatCode>
                 <c:ptCount val="1"/>
                 <c:pt idx="0">
-                  <c:v>11</c:v>
+                  <c:v>8.5</c:v>
                 </c:pt>
               </c:numCache>
             </c:numRef>
@@ -2665,12 +2665,11 @@
           <c:showBubbleSize val="0"/>
         </c:dLbls>
         <c:gapWidth val="150"/>
-        <c:overlap val="100"/>
-        <c:axId val="39881216"/>
-        <c:axId val="40803072"/>
+        <c:axId val="39576576"/>
+        <c:axId val="69645952"/>
       </c:barChart>
       <c:catAx>
-        <c:axId val="39881216"/>
+        <c:axId val="39576576"/>
         <c:scaling>
           <c:orientation val="minMax"/>
         </c:scaling>
@@ -2679,7 +2678,7 @@
         <c:majorTickMark val="out"/>
         <c:minorTickMark val="none"/>
         <c:tickLblPos val="nextTo"/>
-        <c:crossAx val="40803072"/>
+        <c:crossAx val="69645952"/>
         <c:crosses val="autoZero"/>
         <c:auto val="1"/>
         <c:lblAlgn val="ctr"/>
@@ -2687,10 +2686,9 @@
         <c:noMultiLvlLbl val="0"/>
       </c:catAx>
       <c:valAx>
-        <c:axId val="40803072"/>
+        <c:axId val="69645952"/>
         <c:scaling>
           <c:orientation val="minMax"/>
-          <c:max val="100"/>
         </c:scaling>
         <c:delete val="1"/>
         <c:axPos val="b"/>
@@ -2705,7 +2703,7 @@
         <c:majorTickMark val="out"/>
         <c:minorTickMark val="none"/>
         <c:tickLblPos val="nextTo"/>
-        <c:crossAx val="39881216"/>
+        <c:crossAx val="39576576"/>
         <c:crosses val="autoZero"/>
         <c:crossBetween val="between"/>
       </c:valAx>
@@ -2779,40 +2777,40 @@
                 <c:formatCode>General</c:formatCode>
                 <c:ptCount val="12"/>
                 <c:pt idx="0">
-                  <c:v>1</c:v>
+                  <c:v>3</c:v>
                 </c:pt>
                 <c:pt idx="1">
-                  <c:v>2</c:v>
+                  <c:v>4.5</c:v>
                 </c:pt>
                 <c:pt idx="2">
-                  <c:v>3</c:v>
+                  <c:v>5</c:v>
                 </c:pt>
                 <c:pt idx="3">
-                  <c:v>5</c:v>
+                  <c:v>6.5</c:v>
                 </c:pt>
                 <c:pt idx="4">
-                  <c:v>6</c:v>
+                  <c:v>7</c:v>
                 </c:pt>
                 <c:pt idx="5">
-                  <c:v>8</c:v>
+                  <c:v>9</c:v>
                 </c:pt>
                 <c:pt idx="6">
+                  <c:v>11.5</c:v>
+                </c:pt>
+                <c:pt idx="7">
+                  <c:v>12</c:v>
+                </c:pt>
+                <c:pt idx="8">
+                  <c:v>12.5</c:v>
+                </c:pt>
+                <c:pt idx="9">
+                  <c:v>10.5</c:v>
+                </c:pt>
+                <c:pt idx="10">
                   <c:v>10</c:v>
                 </c:pt>
-                <c:pt idx="7">
-                  <c:v>13</c:v>
-                </c:pt>
-                <c:pt idx="8">
-                  <c:v>15</c:v>
-                </c:pt>
-                <c:pt idx="9">
-                  <c:v>13</c:v>
-                </c:pt>
-                <c:pt idx="10">
-                  <c:v>13</c:v>
-                </c:pt>
                 <c:pt idx="11">
-                  <c:v>11</c:v>
+                  <c:v>8.5</c:v>
                 </c:pt>
               </c:numCache>
             </c:numRef>
@@ -2858,10 +2856,10 @@
   <c:roundedCorners val="0"/>
   <mc:AlternateContent xmlns:mc="http://schemas.openxmlformats.org/markup-compatibility/2006">
     <mc:Choice xmlns:c14="http://schemas.microsoft.com/office/drawing/2007/8/2/chart" Requires="c14">
-      <c14:style val="133"/>
+      <c14:style val="134"/>
     </mc:Choice>
     <mc:Fallback>
-      <c:style val="33"/>
+      <c:style val="34"/>
     </mc:Fallback>
   </mc:AlternateContent>
   <c:chart>
@@ -2905,7 +2903,7 @@
                 <c:formatCode>General</c:formatCode>
                 <c:ptCount val="1"/>
                 <c:pt idx="0">
-                  <c:v>5</c:v>
+                  <c:v>3</c:v>
                 </c:pt>
               </c:numCache>
             </c:numRef>
@@ -2944,7 +2942,7 @@
                 <c:formatCode>General</c:formatCode>
                 <c:ptCount val="1"/>
                 <c:pt idx="0">
-                  <c:v>7</c:v>
+                  <c:v>4.5</c:v>
                 </c:pt>
               </c:numCache>
             </c:numRef>
@@ -2983,7 +2981,7 @@
                 <c:formatCode>General</c:formatCode>
                 <c:ptCount val="1"/>
                 <c:pt idx="0">
-                  <c:v>7</c:v>
+                  <c:v>5</c:v>
                 </c:pt>
               </c:numCache>
             </c:numRef>
@@ -3022,7 +3020,7 @@
                 <c:formatCode>General</c:formatCode>
                 <c:ptCount val="1"/>
                 <c:pt idx="0">
-                  <c:v>8</c:v>
+                  <c:v>6.5</c:v>
                 </c:pt>
               </c:numCache>
             </c:numRef>
@@ -3061,7 +3059,7 @@
                 <c:formatCode>General</c:formatCode>
                 <c:ptCount val="1"/>
                 <c:pt idx="0">
-                  <c:v>8</c:v>
+                  <c:v>7</c:v>
                 </c:pt>
               </c:numCache>
             </c:numRef>
@@ -3100,7 +3098,7 @@
                 <c:formatCode>General</c:formatCode>
                 <c:ptCount val="1"/>
                 <c:pt idx="0">
-                  <c:v>10</c:v>
+                  <c:v>9</c:v>
                 </c:pt>
               </c:numCache>
             </c:numRef>
@@ -3139,7 +3137,7 @@
                 <c:formatCode>General</c:formatCode>
                 <c:ptCount val="1"/>
                 <c:pt idx="0">
-                  <c:v>13</c:v>
+                  <c:v>11.5</c:v>
                 </c:pt>
               </c:numCache>
             </c:numRef>
@@ -3159,11 +3157,6 @@
               </c:strCache>
             </c:strRef>
           </c:tx>
-          <c:spPr>
-            <a:solidFill>
-              <a:schemeClr val="accent2"/>
-            </a:solidFill>
-          </c:spPr>
           <c:invertIfNegative val="0"/>
           <c:cat>
             <c:strRef>
@@ -3183,7 +3176,7 @@
                 <c:formatCode>General</c:formatCode>
                 <c:ptCount val="1"/>
                 <c:pt idx="0">
-                  <c:v>11</c:v>
+                  <c:v>12</c:v>
                 </c:pt>
               </c:numCache>
             </c:numRef>
@@ -3222,7 +3215,7 @@
                 <c:formatCode>General</c:formatCode>
                 <c:ptCount val="1"/>
                 <c:pt idx="0">
-                  <c:v>10</c:v>
+                  <c:v>12.5</c:v>
                 </c:pt>
               </c:numCache>
             </c:numRef>
@@ -3261,7 +3254,7 @@
                 <c:formatCode>General</c:formatCode>
                 <c:ptCount val="1"/>
                 <c:pt idx="0">
-                  <c:v>8</c:v>
+                  <c:v>10.5</c:v>
                 </c:pt>
               </c:numCache>
             </c:numRef>
@@ -3300,7 +3293,7 @@
                 <c:formatCode>General</c:formatCode>
                 <c:ptCount val="1"/>
                 <c:pt idx="0">
-                  <c:v>7</c:v>
+                  <c:v>10</c:v>
                 </c:pt>
               </c:numCache>
             </c:numRef>
@@ -3339,7 +3332,7 @@
                 <c:formatCode>General</c:formatCode>
                 <c:ptCount val="1"/>
                 <c:pt idx="0">
-                  <c:v>6</c:v>
+                  <c:v>8.5</c:v>
                 </c:pt>
               </c:numCache>
             </c:numRef>
@@ -3355,11 +3348,11 @@
         </c:dLbls>
         <c:gapWidth val="150"/>
         <c:overlap val="100"/>
-        <c:axId val="39820800"/>
-        <c:axId val="81072640"/>
+        <c:axId val="39800832"/>
+        <c:axId val="88082688"/>
       </c:barChart>
       <c:catAx>
-        <c:axId val="39820800"/>
+        <c:axId val="39800832"/>
         <c:scaling>
           <c:orientation val="minMax"/>
         </c:scaling>
@@ -3368,7 +3361,7 @@
         <c:majorTickMark val="out"/>
         <c:minorTickMark val="none"/>
         <c:tickLblPos val="nextTo"/>
-        <c:crossAx val="81072640"/>
+        <c:crossAx val="88082688"/>
         <c:crosses val="autoZero"/>
         <c:auto val="1"/>
         <c:lblAlgn val="ctr"/>
@@ -3376,7 +3369,7 @@
         <c:noMultiLvlLbl val="0"/>
       </c:catAx>
       <c:valAx>
-        <c:axId val="81072640"/>
+        <c:axId val="88082688"/>
         <c:scaling>
           <c:orientation val="minMax"/>
           <c:max val="100"/>
@@ -3394,7 +3387,7 @@
         <c:majorTickMark val="out"/>
         <c:minorTickMark val="none"/>
         <c:tickLblPos val="nextTo"/>
-        <c:crossAx val="39820800"/>
+        <c:crossAx val="39800832"/>
         <c:crosses val="autoZero"/>
         <c:crossBetween val="between"/>
       </c:valAx>
@@ -3426,18 +3419,20 @@
   <c:roundedCorners val="0"/>
   <mc:AlternateContent xmlns:mc="http://schemas.openxmlformats.org/markup-compatibility/2006">
     <mc:Choice xmlns:c14="http://schemas.microsoft.com/office/drawing/2007/8/2/chart" Requires="c14">
-      <c14:style val="133"/>
+      <c14:style val="134"/>
     </mc:Choice>
     <mc:Fallback>
-      <c:style val="33"/>
+      <c:style val="34"/>
     </mc:Fallback>
   </mc:AlternateContent>
   <c:chart>
-    <c:autoTitleDeleted val="1"/>
+    <c:autoTitleDeleted val="0"/>
     <c:plotArea>
       <c:layout/>
-      <c:doughnutChart>
-        <c:varyColors val="1"/>
+      <c:barChart>
+        <c:barDir val="bar"/>
+        <c:grouping val="stacked"/>
+        <c:varyColors val="0"/>
         <c:ser>
           <c:idx val="0"/>
           <c:order val="0"/>
@@ -3447,69 +3442,459 @@
               <c:strCache>
                 <c:ptCount val="1"/>
                 <c:pt idx="0">
-                  <c:v>판매</c:v>
-                </c:pt>
-              </c:strCache>
-            </c:strRef>
-          </c:tx>
-          <c:dPt>
-            <c:idx val="7"/>
-            <c:bubble3D val="0"/>
-            <c:spPr>
-              <a:solidFill>
-                <a:schemeClr val="accent2"/>
-              </a:solidFill>
-            </c:spPr>
-          </c:dPt>
-          <c:cat>
-            <c:numRef>
-              <c:f>Sheet1!$A$2:$A$13</c:f>
-              <c:numCache>
-                <c:formatCode>General</c:formatCode>
-                <c:ptCount val="12"/>
-              </c:numCache>
-            </c:numRef>
-          </c:cat>
-          <c:val>
-            <c:numRef>
-              <c:f>Sheet1!$B$2:$B$13</c:f>
-              <c:numCache>
-                <c:formatCode>General</c:formatCode>
-                <c:ptCount val="12"/>
-                <c:pt idx="0">
                   <c:v>5</c:v>
                 </c:pt>
-                <c:pt idx="1">
+              </c:strCache>
+            </c:strRef>
+          </c:tx>
+          <c:invertIfNegative val="0"/>
+          <c:cat>
+            <c:strRef>
+              <c:f>Sheet1!$A$2</c:f>
+              <c:strCache>
+                <c:ptCount val="1"/>
+                <c:pt idx="0">
+                  <c:v>항목 1</c:v>
+                </c:pt>
+              </c:strCache>
+            </c:strRef>
+          </c:cat>
+          <c:val>
+            <c:numRef>
+              <c:f>Sheet1!$B$2</c:f>
+              <c:numCache>
+                <c:formatCode>General</c:formatCode>
+                <c:ptCount val="1"/>
+                <c:pt idx="0">
+                  <c:v>5</c:v>
+                </c:pt>
+              </c:numCache>
+            </c:numRef>
+          </c:val>
+        </c:ser>
+        <c:ser>
+          <c:idx val="1"/>
+          <c:order val="1"/>
+          <c:tx>
+            <c:strRef>
+              <c:f>Sheet1!$C$1</c:f>
+              <c:strCache>
+                <c:ptCount val="1"/>
+                <c:pt idx="0">
+                  <c:v>10</c:v>
+                </c:pt>
+              </c:strCache>
+            </c:strRef>
+          </c:tx>
+          <c:invertIfNegative val="0"/>
+          <c:cat>
+            <c:strRef>
+              <c:f>Sheet1!$A$2</c:f>
+              <c:strCache>
+                <c:ptCount val="1"/>
+                <c:pt idx="0">
+                  <c:v>항목 1</c:v>
+                </c:pt>
+              </c:strCache>
+            </c:strRef>
+          </c:cat>
+          <c:val>
+            <c:numRef>
+              <c:f>Sheet1!$C$2</c:f>
+              <c:numCache>
+                <c:formatCode>General</c:formatCode>
+                <c:ptCount val="1"/>
+                <c:pt idx="0">
                   <c:v>7</c:v>
                 </c:pt>
-                <c:pt idx="2">
+              </c:numCache>
+            </c:numRef>
+          </c:val>
+        </c:ser>
+        <c:ser>
+          <c:idx val="2"/>
+          <c:order val="2"/>
+          <c:tx>
+            <c:strRef>
+              <c:f>Sheet1!$D$1</c:f>
+              <c:strCache>
+                <c:ptCount val="1"/>
+                <c:pt idx="0">
+                  <c:v>15</c:v>
+                </c:pt>
+              </c:strCache>
+            </c:strRef>
+          </c:tx>
+          <c:invertIfNegative val="0"/>
+          <c:cat>
+            <c:strRef>
+              <c:f>Sheet1!$A$2</c:f>
+              <c:strCache>
+                <c:ptCount val="1"/>
+                <c:pt idx="0">
+                  <c:v>항목 1</c:v>
+                </c:pt>
+              </c:strCache>
+            </c:strRef>
+          </c:cat>
+          <c:val>
+            <c:numRef>
+              <c:f>Sheet1!$D$2</c:f>
+              <c:numCache>
+                <c:formatCode>General</c:formatCode>
+                <c:ptCount val="1"/>
+                <c:pt idx="0">
                   <c:v>7</c:v>
                 </c:pt>
-                <c:pt idx="3">
+              </c:numCache>
+            </c:numRef>
+          </c:val>
+        </c:ser>
+        <c:ser>
+          <c:idx val="3"/>
+          <c:order val="3"/>
+          <c:tx>
+            <c:strRef>
+              <c:f>Sheet1!$E$1</c:f>
+              <c:strCache>
+                <c:ptCount val="1"/>
+                <c:pt idx="0">
+                  <c:v>20</c:v>
+                </c:pt>
+              </c:strCache>
+            </c:strRef>
+          </c:tx>
+          <c:invertIfNegative val="0"/>
+          <c:cat>
+            <c:strRef>
+              <c:f>Sheet1!$A$2</c:f>
+              <c:strCache>
+                <c:ptCount val="1"/>
+                <c:pt idx="0">
+                  <c:v>항목 1</c:v>
+                </c:pt>
+              </c:strCache>
+            </c:strRef>
+          </c:cat>
+          <c:val>
+            <c:numRef>
+              <c:f>Sheet1!$E$2</c:f>
+              <c:numCache>
+                <c:formatCode>General</c:formatCode>
+                <c:ptCount val="1"/>
+                <c:pt idx="0">
                   <c:v>8</c:v>
                 </c:pt>
-                <c:pt idx="4">
+              </c:numCache>
+            </c:numRef>
+          </c:val>
+        </c:ser>
+        <c:ser>
+          <c:idx val="4"/>
+          <c:order val="4"/>
+          <c:tx>
+            <c:strRef>
+              <c:f>Sheet1!$F$1</c:f>
+              <c:strCache>
+                <c:ptCount val="1"/>
+                <c:pt idx="0">
+                  <c:v>25</c:v>
+                </c:pt>
+              </c:strCache>
+            </c:strRef>
+          </c:tx>
+          <c:invertIfNegative val="0"/>
+          <c:cat>
+            <c:strRef>
+              <c:f>Sheet1!$A$2</c:f>
+              <c:strCache>
+                <c:ptCount val="1"/>
+                <c:pt idx="0">
+                  <c:v>항목 1</c:v>
+                </c:pt>
+              </c:strCache>
+            </c:strRef>
+          </c:cat>
+          <c:val>
+            <c:numRef>
+              <c:f>Sheet1!$F$2</c:f>
+              <c:numCache>
+                <c:formatCode>General</c:formatCode>
+                <c:ptCount val="1"/>
+                <c:pt idx="0">
                   <c:v>8</c:v>
                 </c:pt>
-                <c:pt idx="5">
+              </c:numCache>
+            </c:numRef>
+          </c:val>
+        </c:ser>
+        <c:ser>
+          <c:idx val="5"/>
+          <c:order val="5"/>
+          <c:tx>
+            <c:strRef>
+              <c:f>Sheet1!$G$1</c:f>
+              <c:strCache>
+                <c:ptCount val="1"/>
+                <c:pt idx="0">
+                  <c:v>30</c:v>
+                </c:pt>
+              </c:strCache>
+            </c:strRef>
+          </c:tx>
+          <c:invertIfNegative val="0"/>
+          <c:cat>
+            <c:strRef>
+              <c:f>Sheet1!$A$2</c:f>
+              <c:strCache>
+                <c:ptCount val="1"/>
+                <c:pt idx="0">
+                  <c:v>항목 1</c:v>
+                </c:pt>
+              </c:strCache>
+            </c:strRef>
+          </c:cat>
+          <c:val>
+            <c:numRef>
+              <c:f>Sheet1!$G$2</c:f>
+              <c:numCache>
+                <c:formatCode>General</c:formatCode>
+                <c:ptCount val="1"/>
+                <c:pt idx="0">
                   <c:v>10</c:v>
                 </c:pt>
-                <c:pt idx="6">
+              </c:numCache>
+            </c:numRef>
+          </c:val>
+        </c:ser>
+        <c:ser>
+          <c:idx val="6"/>
+          <c:order val="6"/>
+          <c:tx>
+            <c:strRef>
+              <c:f>Sheet1!$H$1</c:f>
+              <c:strCache>
+                <c:ptCount val="1"/>
+                <c:pt idx="0">
+                  <c:v>35</c:v>
+                </c:pt>
+              </c:strCache>
+            </c:strRef>
+          </c:tx>
+          <c:invertIfNegative val="0"/>
+          <c:cat>
+            <c:strRef>
+              <c:f>Sheet1!$A$2</c:f>
+              <c:strCache>
+                <c:ptCount val="1"/>
+                <c:pt idx="0">
+                  <c:v>항목 1</c:v>
+                </c:pt>
+              </c:strCache>
+            </c:strRef>
+          </c:cat>
+          <c:val>
+            <c:numRef>
+              <c:f>Sheet1!$H$2</c:f>
+              <c:numCache>
+                <c:formatCode>General</c:formatCode>
+                <c:ptCount val="1"/>
+                <c:pt idx="0">
                   <c:v>13</c:v>
                 </c:pt>
-                <c:pt idx="7">
+              </c:numCache>
+            </c:numRef>
+          </c:val>
+        </c:ser>
+        <c:ser>
+          <c:idx val="7"/>
+          <c:order val="7"/>
+          <c:tx>
+            <c:strRef>
+              <c:f>Sheet1!$I$1</c:f>
+              <c:strCache>
+                <c:ptCount val="1"/>
+                <c:pt idx="0">
+                  <c:v>40</c:v>
+                </c:pt>
+              </c:strCache>
+            </c:strRef>
+          </c:tx>
+          <c:invertIfNegative val="0"/>
+          <c:cat>
+            <c:strRef>
+              <c:f>Sheet1!$A$2</c:f>
+              <c:strCache>
+                <c:ptCount val="1"/>
+                <c:pt idx="0">
+                  <c:v>항목 1</c:v>
+                </c:pt>
+              </c:strCache>
+            </c:strRef>
+          </c:cat>
+          <c:val>
+            <c:numRef>
+              <c:f>Sheet1!$I$2</c:f>
+              <c:numCache>
+                <c:formatCode>General</c:formatCode>
+                <c:ptCount val="1"/>
+                <c:pt idx="0">
                   <c:v>11</c:v>
                 </c:pt>
-                <c:pt idx="8">
+              </c:numCache>
+            </c:numRef>
+          </c:val>
+        </c:ser>
+        <c:ser>
+          <c:idx val="8"/>
+          <c:order val="8"/>
+          <c:tx>
+            <c:strRef>
+              <c:f>Sheet1!$J$1</c:f>
+              <c:strCache>
+                <c:ptCount val="1"/>
+                <c:pt idx="0">
+                  <c:v>45</c:v>
+                </c:pt>
+              </c:strCache>
+            </c:strRef>
+          </c:tx>
+          <c:invertIfNegative val="0"/>
+          <c:cat>
+            <c:strRef>
+              <c:f>Sheet1!$A$2</c:f>
+              <c:strCache>
+                <c:ptCount val="1"/>
+                <c:pt idx="0">
+                  <c:v>항목 1</c:v>
+                </c:pt>
+              </c:strCache>
+            </c:strRef>
+          </c:cat>
+          <c:val>
+            <c:numRef>
+              <c:f>Sheet1!$J$2</c:f>
+              <c:numCache>
+                <c:formatCode>General</c:formatCode>
+                <c:ptCount val="1"/>
+                <c:pt idx="0">
                   <c:v>10</c:v>
                 </c:pt>
-                <c:pt idx="9">
+              </c:numCache>
+            </c:numRef>
+          </c:val>
+        </c:ser>
+        <c:ser>
+          <c:idx val="9"/>
+          <c:order val="9"/>
+          <c:tx>
+            <c:strRef>
+              <c:f>Sheet1!$K$1</c:f>
+              <c:strCache>
+                <c:ptCount val="1"/>
+                <c:pt idx="0">
+                  <c:v>50</c:v>
+                </c:pt>
+              </c:strCache>
+            </c:strRef>
+          </c:tx>
+          <c:invertIfNegative val="0"/>
+          <c:cat>
+            <c:strRef>
+              <c:f>Sheet1!$A$2</c:f>
+              <c:strCache>
+                <c:ptCount val="1"/>
+                <c:pt idx="0">
+                  <c:v>항목 1</c:v>
+                </c:pt>
+              </c:strCache>
+            </c:strRef>
+          </c:cat>
+          <c:val>
+            <c:numRef>
+              <c:f>Sheet1!$K$2</c:f>
+              <c:numCache>
+                <c:formatCode>General</c:formatCode>
+                <c:ptCount val="1"/>
+                <c:pt idx="0">
                   <c:v>8</c:v>
                 </c:pt>
-                <c:pt idx="10">
+              </c:numCache>
+            </c:numRef>
+          </c:val>
+        </c:ser>
+        <c:ser>
+          <c:idx val="10"/>
+          <c:order val="10"/>
+          <c:tx>
+            <c:strRef>
+              <c:f>Sheet1!$L$1</c:f>
+              <c:strCache>
+                <c:ptCount val="1"/>
+                <c:pt idx="0">
+                  <c:v>55</c:v>
+                </c:pt>
+              </c:strCache>
+            </c:strRef>
+          </c:tx>
+          <c:invertIfNegative val="0"/>
+          <c:cat>
+            <c:strRef>
+              <c:f>Sheet1!$A$2</c:f>
+              <c:strCache>
+                <c:ptCount val="1"/>
+                <c:pt idx="0">
+                  <c:v>항목 1</c:v>
+                </c:pt>
+              </c:strCache>
+            </c:strRef>
+          </c:cat>
+          <c:val>
+            <c:numRef>
+              <c:f>Sheet1!$L$2</c:f>
+              <c:numCache>
+                <c:formatCode>General</c:formatCode>
+                <c:ptCount val="1"/>
+                <c:pt idx="0">
                   <c:v>7</c:v>
                 </c:pt>
-                <c:pt idx="11">
+              </c:numCache>
+            </c:numRef>
+          </c:val>
+        </c:ser>
+        <c:ser>
+          <c:idx val="11"/>
+          <c:order val="11"/>
+          <c:tx>
+            <c:strRef>
+              <c:f>Sheet1!$M$1</c:f>
+              <c:strCache>
+                <c:ptCount val="1"/>
+                <c:pt idx="0">
+                  <c:v>60</c:v>
+                </c:pt>
+              </c:strCache>
+            </c:strRef>
+          </c:tx>
+          <c:invertIfNegative val="0"/>
+          <c:cat>
+            <c:strRef>
+              <c:f>Sheet1!$A$2</c:f>
+              <c:strCache>
+                <c:ptCount val="1"/>
+                <c:pt idx="0">
+                  <c:v>항목 1</c:v>
+                </c:pt>
+              </c:strCache>
+            </c:strRef>
+          </c:cat>
+          <c:val>
+            <c:numRef>
+              <c:f>Sheet1!$M$2</c:f>
+              <c:numCache>
+                <c:formatCode>General</c:formatCode>
+                <c:ptCount val="1"/>
+                <c:pt idx="0">
                   <c:v>6</c:v>
                 </c:pt>
               </c:numCache>
@@ -3523,11 +3908,52 @@
           <c:showSerName val="0"/>
           <c:showPercent val="0"/>
           <c:showBubbleSize val="0"/>
-          <c:showLeaderLines val="1"/>
         </c:dLbls>
-        <c:firstSliceAng val="0"/>
-        <c:holeSize val="50"/>
-      </c:doughnutChart>
+        <c:gapWidth val="150"/>
+        <c:overlap val="100"/>
+        <c:axId val="40758272"/>
+        <c:axId val="88084416"/>
+      </c:barChart>
+      <c:catAx>
+        <c:axId val="40758272"/>
+        <c:scaling>
+          <c:orientation val="minMax"/>
+        </c:scaling>
+        <c:delete val="1"/>
+        <c:axPos val="l"/>
+        <c:majorTickMark val="out"/>
+        <c:minorTickMark val="none"/>
+        <c:tickLblPos val="nextTo"/>
+        <c:crossAx val="88084416"/>
+        <c:crosses val="autoZero"/>
+        <c:auto val="1"/>
+        <c:lblAlgn val="ctr"/>
+        <c:lblOffset val="100"/>
+        <c:noMultiLvlLbl val="0"/>
+      </c:catAx>
+      <c:valAx>
+        <c:axId val="88084416"/>
+        <c:scaling>
+          <c:orientation val="minMax"/>
+          <c:max val="100"/>
+        </c:scaling>
+        <c:delete val="1"/>
+        <c:axPos val="b"/>
+        <c:majorGridlines>
+          <c:spPr>
+            <a:ln>
+              <a:noFill/>
+            </a:ln>
+          </c:spPr>
+        </c:majorGridlines>
+        <c:numFmt formatCode="General" sourceLinked="1"/>
+        <c:majorTickMark val="out"/>
+        <c:minorTickMark val="none"/>
+        <c:tickLblPos val="nextTo"/>
+        <c:crossAx val="40758272"/>
+        <c:crosses val="autoZero"/>
+        <c:crossBetween val="between"/>
+      </c:valAx>
     </c:plotArea>
     <c:plotVisOnly val="1"/>
     <c:dispBlanksAs val="gap"/>
@@ -3556,20 +3982,18 @@
   <c:roundedCorners val="0"/>
   <mc:AlternateContent xmlns:mc="http://schemas.openxmlformats.org/markup-compatibility/2006">
     <mc:Choice xmlns:c14="http://schemas.microsoft.com/office/drawing/2007/8/2/chart" Requires="c14">
-      <c14:style val="133"/>
+      <c14:style val="134"/>
     </mc:Choice>
     <mc:Fallback>
-      <c:style val="33"/>
+      <c:style val="34"/>
     </mc:Fallback>
   </mc:AlternateContent>
   <c:chart>
-    <c:autoTitleDeleted val="0"/>
+    <c:autoTitleDeleted val="1"/>
     <c:plotArea>
       <c:layout/>
-      <c:barChart>
-        <c:barDir val="bar"/>
-        <c:grouping val="clustered"/>
-        <c:varyColors val="0"/>
+      <c:doughnutChart>
+        <c:varyColors val="1"/>
         <c:ser>
           <c:idx val="0"/>
           <c:order val="0"/>
@@ -3579,465 +4003,61 @@
               <c:strCache>
                 <c:ptCount val="1"/>
                 <c:pt idx="0">
-                  <c:v>열1</c:v>
-                </c:pt>
-              </c:strCache>
-            </c:strRef>
-          </c:tx>
-          <c:invertIfNegative val="0"/>
-          <c:cat>
-            <c:strRef>
-              <c:f>Sheet1!$A$2</c:f>
-              <c:strCache>
-                <c:ptCount val="1"/>
-                <c:pt idx="0">
-                  <c:v>항목 1</c:v>
-                </c:pt>
-              </c:strCache>
-            </c:strRef>
-          </c:cat>
-          <c:val>
-            <c:numRef>
-              <c:f>Sheet1!$B$2</c:f>
-              <c:numCache>
-                <c:formatCode>General</c:formatCode>
-                <c:ptCount val="1"/>
-                <c:pt idx="0">
-                  <c:v>1</c:v>
-                </c:pt>
-              </c:numCache>
-            </c:numRef>
-          </c:val>
-        </c:ser>
-        <c:ser>
-          <c:idx val="1"/>
-          <c:order val="1"/>
-          <c:tx>
-            <c:strRef>
-              <c:f>Sheet1!$C$1</c:f>
-              <c:strCache>
-                <c:ptCount val="1"/>
-                <c:pt idx="0">
-                  <c:v>열2</c:v>
-                </c:pt>
-              </c:strCache>
-            </c:strRef>
-          </c:tx>
-          <c:invertIfNegative val="0"/>
-          <c:cat>
-            <c:strRef>
-              <c:f>Sheet1!$A$2</c:f>
-              <c:strCache>
-                <c:ptCount val="1"/>
-                <c:pt idx="0">
-                  <c:v>항목 1</c:v>
-                </c:pt>
-              </c:strCache>
-            </c:strRef>
-          </c:cat>
-          <c:val>
-            <c:numRef>
-              <c:f>Sheet1!$C$2</c:f>
-              <c:numCache>
-                <c:formatCode>General</c:formatCode>
-                <c:ptCount val="1"/>
-                <c:pt idx="0">
-                  <c:v>2</c:v>
-                </c:pt>
-              </c:numCache>
-            </c:numRef>
-          </c:val>
-        </c:ser>
-        <c:ser>
-          <c:idx val="2"/>
-          <c:order val="2"/>
-          <c:tx>
-            <c:strRef>
-              <c:f>Sheet1!$D$1</c:f>
-              <c:strCache>
-                <c:ptCount val="1"/>
-                <c:pt idx="0">
-                  <c:v>열3</c:v>
-                </c:pt>
-              </c:strCache>
-            </c:strRef>
-          </c:tx>
-          <c:invertIfNegative val="0"/>
-          <c:cat>
-            <c:strRef>
-              <c:f>Sheet1!$A$2</c:f>
-              <c:strCache>
-                <c:ptCount val="1"/>
-                <c:pt idx="0">
-                  <c:v>항목 1</c:v>
-                </c:pt>
-              </c:strCache>
-            </c:strRef>
-          </c:cat>
-          <c:val>
-            <c:numRef>
-              <c:f>Sheet1!$D$2</c:f>
-              <c:numCache>
-                <c:formatCode>General</c:formatCode>
-                <c:ptCount val="1"/>
-                <c:pt idx="0">
-                  <c:v>3</c:v>
-                </c:pt>
-              </c:numCache>
-            </c:numRef>
-          </c:val>
-        </c:ser>
-        <c:ser>
-          <c:idx val="3"/>
-          <c:order val="3"/>
-          <c:tx>
-            <c:strRef>
-              <c:f>Sheet1!$E$1</c:f>
-              <c:strCache>
-                <c:ptCount val="1"/>
-                <c:pt idx="0">
-                  <c:v>열4</c:v>
-                </c:pt>
-              </c:strCache>
-            </c:strRef>
-          </c:tx>
-          <c:invertIfNegative val="0"/>
-          <c:cat>
-            <c:strRef>
-              <c:f>Sheet1!$A$2</c:f>
-              <c:strCache>
-                <c:ptCount val="1"/>
-                <c:pt idx="0">
-                  <c:v>항목 1</c:v>
-                </c:pt>
-              </c:strCache>
-            </c:strRef>
-          </c:cat>
-          <c:val>
-            <c:numRef>
-              <c:f>Sheet1!$E$2</c:f>
-              <c:numCache>
-                <c:formatCode>General</c:formatCode>
-                <c:ptCount val="1"/>
+                  <c:v>판매</c:v>
+                </c:pt>
+              </c:strCache>
+            </c:strRef>
+          </c:tx>
+          <c:cat>
+            <c:numRef>
+              <c:f>Sheet1!$A$2:$A$13</c:f>
+              <c:numCache>
+                <c:formatCode>General</c:formatCode>
+                <c:ptCount val="12"/>
+              </c:numCache>
+            </c:numRef>
+          </c:cat>
+          <c:val>
+            <c:numRef>
+              <c:f>Sheet1!$B$2:$B$13</c:f>
+              <c:numCache>
+                <c:formatCode>General</c:formatCode>
+                <c:ptCount val="12"/>
                 <c:pt idx="0">
                   <c:v>5</c:v>
                 </c:pt>
-              </c:numCache>
-            </c:numRef>
-          </c:val>
-        </c:ser>
-        <c:ser>
-          <c:idx val="4"/>
-          <c:order val="4"/>
-          <c:tx>
-            <c:strRef>
-              <c:f>Sheet1!$F$1</c:f>
-              <c:strCache>
-                <c:ptCount val="1"/>
-                <c:pt idx="0">
-                  <c:v>열5</c:v>
-                </c:pt>
-              </c:strCache>
-            </c:strRef>
-          </c:tx>
-          <c:invertIfNegative val="0"/>
-          <c:cat>
-            <c:strRef>
-              <c:f>Sheet1!$A$2</c:f>
-              <c:strCache>
-                <c:ptCount val="1"/>
-                <c:pt idx="0">
-                  <c:v>항목 1</c:v>
-                </c:pt>
-              </c:strCache>
-            </c:strRef>
-          </c:cat>
-          <c:val>
-            <c:numRef>
-              <c:f>Sheet1!$F$2</c:f>
-              <c:numCache>
-                <c:formatCode>General</c:formatCode>
-                <c:ptCount val="1"/>
-                <c:pt idx="0">
+                <c:pt idx="1">
+                  <c:v>7</c:v>
+                </c:pt>
+                <c:pt idx="2">
+                  <c:v>7</c:v>
+                </c:pt>
+                <c:pt idx="3">
+                  <c:v>8</c:v>
+                </c:pt>
+                <c:pt idx="4">
+                  <c:v>8</c:v>
+                </c:pt>
+                <c:pt idx="5">
+                  <c:v>10</c:v>
+                </c:pt>
+                <c:pt idx="6">
+                  <c:v>13</c:v>
+                </c:pt>
+                <c:pt idx="7">
+                  <c:v>11</c:v>
+                </c:pt>
+                <c:pt idx="8">
+                  <c:v>10</c:v>
+                </c:pt>
+                <c:pt idx="9">
+                  <c:v>8</c:v>
+                </c:pt>
+                <c:pt idx="10">
+                  <c:v>7</c:v>
+                </c:pt>
+                <c:pt idx="11">
                   <c:v>6</c:v>
-                </c:pt>
-              </c:numCache>
-            </c:numRef>
-          </c:val>
-        </c:ser>
-        <c:ser>
-          <c:idx val="5"/>
-          <c:order val="5"/>
-          <c:tx>
-            <c:strRef>
-              <c:f>Sheet1!$G$1</c:f>
-              <c:strCache>
-                <c:ptCount val="1"/>
-                <c:pt idx="0">
-                  <c:v>열6</c:v>
-                </c:pt>
-              </c:strCache>
-            </c:strRef>
-          </c:tx>
-          <c:invertIfNegative val="0"/>
-          <c:cat>
-            <c:strRef>
-              <c:f>Sheet1!$A$2</c:f>
-              <c:strCache>
-                <c:ptCount val="1"/>
-                <c:pt idx="0">
-                  <c:v>항목 1</c:v>
-                </c:pt>
-              </c:strCache>
-            </c:strRef>
-          </c:cat>
-          <c:val>
-            <c:numRef>
-              <c:f>Sheet1!$G$2</c:f>
-              <c:numCache>
-                <c:formatCode>General</c:formatCode>
-                <c:ptCount val="1"/>
-                <c:pt idx="0">
-                  <c:v>8</c:v>
-                </c:pt>
-              </c:numCache>
-            </c:numRef>
-          </c:val>
-        </c:ser>
-        <c:ser>
-          <c:idx val="6"/>
-          <c:order val="6"/>
-          <c:tx>
-            <c:strRef>
-              <c:f>Sheet1!$H$1</c:f>
-              <c:strCache>
-                <c:ptCount val="1"/>
-                <c:pt idx="0">
-                  <c:v>열7</c:v>
-                </c:pt>
-              </c:strCache>
-            </c:strRef>
-          </c:tx>
-          <c:invertIfNegative val="0"/>
-          <c:cat>
-            <c:strRef>
-              <c:f>Sheet1!$A$2</c:f>
-              <c:strCache>
-                <c:ptCount val="1"/>
-                <c:pt idx="0">
-                  <c:v>항목 1</c:v>
-                </c:pt>
-              </c:strCache>
-            </c:strRef>
-          </c:cat>
-          <c:val>
-            <c:numRef>
-              <c:f>Sheet1!$H$2</c:f>
-              <c:numCache>
-                <c:formatCode>General</c:formatCode>
-                <c:ptCount val="1"/>
-                <c:pt idx="0">
-                  <c:v>10</c:v>
-                </c:pt>
-              </c:numCache>
-            </c:numRef>
-          </c:val>
-        </c:ser>
-        <c:ser>
-          <c:idx val="7"/>
-          <c:order val="7"/>
-          <c:tx>
-            <c:strRef>
-              <c:f>Sheet1!$I$1</c:f>
-              <c:strCache>
-                <c:ptCount val="1"/>
-                <c:pt idx="0">
-                  <c:v>열8</c:v>
-                </c:pt>
-              </c:strCache>
-            </c:strRef>
-          </c:tx>
-          <c:spPr>
-            <a:solidFill>
-              <a:schemeClr val="accent2"/>
-            </a:solidFill>
-          </c:spPr>
-          <c:invertIfNegative val="0"/>
-          <c:cat>
-            <c:strRef>
-              <c:f>Sheet1!$A$2</c:f>
-              <c:strCache>
-                <c:ptCount val="1"/>
-                <c:pt idx="0">
-                  <c:v>항목 1</c:v>
-                </c:pt>
-              </c:strCache>
-            </c:strRef>
-          </c:cat>
-          <c:val>
-            <c:numRef>
-              <c:f>Sheet1!$I$2</c:f>
-              <c:numCache>
-                <c:formatCode>General</c:formatCode>
-                <c:ptCount val="1"/>
-                <c:pt idx="0">
-                  <c:v>13</c:v>
-                </c:pt>
-              </c:numCache>
-            </c:numRef>
-          </c:val>
-        </c:ser>
-        <c:ser>
-          <c:idx val="8"/>
-          <c:order val="8"/>
-          <c:tx>
-            <c:strRef>
-              <c:f>Sheet1!$J$1</c:f>
-              <c:strCache>
-                <c:ptCount val="1"/>
-                <c:pt idx="0">
-                  <c:v>열9</c:v>
-                </c:pt>
-              </c:strCache>
-            </c:strRef>
-          </c:tx>
-          <c:invertIfNegative val="0"/>
-          <c:cat>
-            <c:strRef>
-              <c:f>Sheet1!$A$2</c:f>
-              <c:strCache>
-                <c:ptCount val="1"/>
-                <c:pt idx="0">
-                  <c:v>항목 1</c:v>
-                </c:pt>
-              </c:strCache>
-            </c:strRef>
-          </c:cat>
-          <c:val>
-            <c:numRef>
-              <c:f>Sheet1!$J$2</c:f>
-              <c:numCache>
-                <c:formatCode>General</c:formatCode>
-                <c:ptCount val="1"/>
-                <c:pt idx="0">
-                  <c:v>15</c:v>
-                </c:pt>
-              </c:numCache>
-            </c:numRef>
-          </c:val>
-        </c:ser>
-        <c:ser>
-          <c:idx val="9"/>
-          <c:order val="9"/>
-          <c:tx>
-            <c:strRef>
-              <c:f>Sheet1!$K$1</c:f>
-              <c:strCache>
-                <c:ptCount val="1"/>
-                <c:pt idx="0">
-                  <c:v>열10</c:v>
-                </c:pt>
-              </c:strCache>
-            </c:strRef>
-          </c:tx>
-          <c:invertIfNegative val="0"/>
-          <c:cat>
-            <c:strRef>
-              <c:f>Sheet1!$A$2</c:f>
-              <c:strCache>
-                <c:ptCount val="1"/>
-                <c:pt idx="0">
-                  <c:v>항목 1</c:v>
-                </c:pt>
-              </c:strCache>
-            </c:strRef>
-          </c:cat>
-          <c:val>
-            <c:numRef>
-              <c:f>Sheet1!$K$2</c:f>
-              <c:numCache>
-                <c:formatCode>General</c:formatCode>
-                <c:ptCount val="1"/>
-                <c:pt idx="0">
-                  <c:v>13</c:v>
-                </c:pt>
-              </c:numCache>
-            </c:numRef>
-          </c:val>
-        </c:ser>
-        <c:ser>
-          <c:idx val="10"/>
-          <c:order val="10"/>
-          <c:tx>
-            <c:strRef>
-              <c:f>Sheet1!$L$1</c:f>
-              <c:strCache>
-                <c:ptCount val="1"/>
-                <c:pt idx="0">
-                  <c:v>열11</c:v>
-                </c:pt>
-              </c:strCache>
-            </c:strRef>
-          </c:tx>
-          <c:invertIfNegative val="0"/>
-          <c:cat>
-            <c:strRef>
-              <c:f>Sheet1!$A$2</c:f>
-              <c:strCache>
-                <c:ptCount val="1"/>
-                <c:pt idx="0">
-                  <c:v>항목 1</c:v>
-                </c:pt>
-              </c:strCache>
-            </c:strRef>
-          </c:cat>
-          <c:val>
-            <c:numRef>
-              <c:f>Sheet1!$L$2</c:f>
-              <c:numCache>
-                <c:formatCode>General</c:formatCode>
-                <c:ptCount val="1"/>
-                <c:pt idx="0">
-                  <c:v>13</c:v>
-                </c:pt>
-              </c:numCache>
-            </c:numRef>
-          </c:val>
-        </c:ser>
-        <c:ser>
-          <c:idx val="11"/>
-          <c:order val="11"/>
-          <c:tx>
-            <c:strRef>
-              <c:f>Sheet1!$M$1</c:f>
-              <c:strCache>
-                <c:ptCount val="1"/>
-                <c:pt idx="0">
-                  <c:v>열12</c:v>
-                </c:pt>
-              </c:strCache>
-            </c:strRef>
-          </c:tx>
-          <c:invertIfNegative val="0"/>
-          <c:cat>
-            <c:strRef>
-              <c:f>Sheet1!$A$2</c:f>
-              <c:strCache>
-                <c:ptCount val="1"/>
-                <c:pt idx="0">
-                  <c:v>항목 1</c:v>
-                </c:pt>
-              </c:strCache>
-            </c:strRef>
-          </c:cat>
-          <c:val>
-            <c:numRef>
-              <c:f>Sheet1!$M$2</c:f>
-              <c:numCache>
-                <c:formatCode>General</c:formatCode>
-                <c:ptCount val="1"/>
-                <c:pt idx="0">
-                  <c:v>11</c:v>
                 </c:pt>
               </c:numCache>
             </c:numRef>
@@ -4050,50 +4070,11 @@
           <c:showSerName val="0"/>
           <c:showPercent val="0"/>
           <c:showBubbleSize val="0"/>
+          <c:showLeaderLines val="1"/>
         </c:dLbls>
-        <c:gapWidth val="150"/>
-        <c:axId val="43094016"/>
-        <c:axId val="81097216"/>
-      </c:barChart>
-      <c:catAx>
-        <c:axId val="43094016"/>
-        <c:scaling>
-          <c:orientation val="minMax"/>
-        </c:scaling>
-        <c:delete val="1"/>
-        <c:axPos val="l"/>
-        <c:majorTickMark val="out"/>
-        <c:minorTickMark val="none"/>
-        <c:tickLblPos val="nextTo"/>
-        <c:crossAx val="81097216"/>
-        <c:crosses val="autoZero"/>
-        <c:auto val="1"/>
-        <c:lblAlgn val="ctr"/>
-        <c:lblOffset val="100"/>
-        <c:noMultiLvlLbl val="0"/>
-      </c:catAx>
-      <c:valAx>
-        <c:axId val="81097216"/>
-        <c:scaling>
-          <c:orientation val="minMax"/>
-        </c:scaling>
-        <c:delete val="1"/>
-        <c:axPos val="b"/>
-        <c:majorGridlines>
-          <c:spPr>
-            <a:ln>
-              <a:noFill/>
-            </a:ln>
-          </c:spPr>
-        </c:majorGridlines>
-        <c:numFmt formatCode="General" sourceLinked="1"/>
-        <c:majorTickMark val="out"/>
-        <c:minorTickMark val="none"/>
-        <c:tickLblPos val="nextTo"/>
-        <c:crossAx val="43094016"/>
-        <c:crosses val="autoZero"/>
-        <c:crossBetween val="between"/>
-      </c:valAx>
+        <c:firstSliceAng val="0"/>
+        <c:holeSize val="50"/>
+      </c:doughnutChart>
     </c:plotArea>
     <c:plotVisOnly val="1"/>
     <c:dispBlanksAs val="gap"/>
@@ -4302,11 +4283,11 @@
         </c:dLbls>
         <c:gapWidth val="150"/>
         <c:overlap val="100"/>
-        <c:axId val="31622144"/>
-        <c:axId val="81075520"/>
+        <c:axId val="38373888"/>
+        <c:axId val="88106688"/>
       </c:barChart>
       <c:catAx>
-        <c:axId val="31622144"/>
+        <c:axId val="38373888"/>
         <c:scaling>
           <c:orientation val="minMax"/>
         </c:scaling>
@@ -4315,7 +4296,7 @@
         <c:majorTickMark val="out"/>
         <c:minorTickMark val="none"/>
         <c:tickLblPos val="nextTo"/>
-        <c:crossAx val="81075520"/>
+        <c:crossAx val="88106688"/>
         <c:crosses val="autoZero"/>
         <c:auto val="1"/>
         <c:lblAlgn val="ctr"/>
@@ -4323,7 +4304,7 @@
         <c:noMultiLvlLbl val="0"/>
       </c:catAx>
       <c:valAx>
-        <c:axId val="81075520"/>
+        <c:axId val="88106688"/>
         <c:scaling>
           <c:orientation val="minMax"/>
           <c:max val="100"/>
@@ -4341,7 +4322,7 @@
         <c:majorTickMark val="out"/>
         <c:minorTickMark val="none"/>
         <c:tickLblPos val="nextTo"/>
-        <c:crossAx val="31622144"/>
+        <c:crossAx val="38373888"/>
         <c:crosses val="autoZero"/>
         <c:crossBetween val="between"/>
       </c:valAx>
@@ -4397,10 +4378,10 @@
   <c:roundedCorners val="0"/>
   <mc:AlternateContent xmlns:mc="http://schemas.openxmlformats.org/markup-compatibility/2006">
     <mc:Choice xmlns:c14="http://schemas.microsoft.com/office/drawing/2007/8/2/chart" Requires="c14">
-      <c14:style val="133"/>
+      <c14:style val="134"/>
     </mc:Choice>
     <mc:Fallback>
-      <c:style val="33"/>
+      <c:style val="34"/>
     </mc:Fallback>
   </mc:AlternateContent>
   <c:chart>
@@ -4409,7 +4390,7 @@
       <c:layout/>
       <c:barChart>
         <c:barDir val="bar"/>
-        <c:grouping val="stacked"/>
+        <c:grouping val="clustered"/>
         <c:varyColors val="0"/>
         <c:ser>
           <c:idx val="0"/>
@@ -4420,7 +4401,7 @@
               <c:strCache>
                 <c:ptCount val="1"/>
                 <c:pt idx="0">
-                  <c:v>5</c:v>
+                  <c:v>열1</c:v>
                 </c:pt>
               </c:strCache>
             </c:strRef>
@@ -4459,7 +4440,7 @@
               <c:strCache>
                 <c:ptCount val="1"/>
                 <c:pt idx="0">
-                  <c:v>10</c:v>
+                  <c:v>열2</c:v>
                 </c:pt>
               </c:strCache>
             </c:strRef>
@@ -4498,7 +4479,7 @@
               <c:strCache>
                 <c:ptCount val="1"/>
                 <c:pt idx="0">
-                  <c:v>15</c:v>
+                  <c:v>열3</c:v>
                 </c:pt>
               </c:strCache>
             </c:strRef>
@@ -4537,7 +4518,7 @@
               <c:strCache>
                 <c:ptCount val="1"/>
                 <c:pt idx="0">
-                  <c:v>20</c:v>
+                  <c:v>열4</c:v>
                 </c:pt>
               </c:strCache>
             </c:strRef>
@@ -4576,7 +4557,7 @@
               <c:strCache>
                 <c:ptCount val="1"/>
                 <c:pt idx="0">
-                  <c:v>25</c:v>
+                  <c:v>열5</c:v>
                 </c:pt>
               </c:strCache>
             </c:strRef>
@@ -4615,7 +4596,7 @@
               <c:strCache>
                 <c:ptCount val="1"/>
                 <c:pt idx="0">
-                  <c:v>30</c:v>
+                  <c:v>열6</c:v>
                 </c:pt>
               </c:strCache>
             </c:strRef>
@@ -4654,7 +4635,7 @@
               <c:strCache>
                 <c:ptCount val="1"/>
                 <c:pt idx="0">
-                  <c:v>35</c:v>
+                  <c:v>열7</c:v>
                 </c:pt>
               </c:strCache>
             </c:strRef>
@@ -4693,16 +4674,11 @@
               <c:strCache>
                 <c:ptCount val="1"/>
                 <c:pt idx="0">
-                  <c:v>40</c:v>
-                </c:pt>
-              </c:strCache>
-            </c:strRef>
-          </c:tx>
-          <c:spPr>
-            <a:solidFill>
-              <a:schemeClr val="accent2"/>
-            </a:solidFill>
-          </c:spPr>
+                  <c:v>열8</c:v>
+                </c:pt>
+              </c:strCache>
+            </c:strRef>
+          </c:tx>
           <c:invertIfNegative val="0"/>
           <c:cat>
             <c:strRef>
@@ -4737,7 +4713,7 @@
               <c:strCache>
                 <c:ptCount val="1"/>
                 <c:pt idx="0">
-                  <c:v>45</c:v>
+                  <c:v>열9</c:v>
                 </c:pt>
               </c:strCache>
             </c:strRef>
@@ -4776,7 +4752,7 @@
               <c:strCache>
                 <c:ptCount val="1"/>
                 <c:pt idx="0">
-                  <c:v>50</c:v>
+                  <c:v>열10</c:v>
                 </c:pt>
               </c:strCache>
             </c:strRef>
@@ -4815,7 +4791,7 @@
               <c:strCache>
                 <c:ptCount val="1"/>
                 <c:pt idx="0">
-                  <c:v>55</c:v>
+                  <c:v>열11</c:v>
                 </c:pt>
               </c:strCache>
             </c:strRef>
@@ -4854,7 +4830,7 @@
               <c:strCache>
                 <c:ptCount val="1"/>
                 <c:pt idx="0">
-                  <c:v>60</c:v>
+                  <c:v>열12</c:v>
                 </c:pt>
               </c:strCache>
             </c:strRef>
@@ -4893,12 +4869,11 @@
           <c:showBubbleSize val="0"/>
         </c:dLbls>
         <c:gapWidth val="150"/>
-        <c:overlap val="100"/>
-        <c:axId val="42144768"/>
-        <c:axId val="81100096"/>
+        <c:axId val="39803904"/>
+        <c:axId val="39944192"/>
       </c:barChart>
       <c:catAx>
-        <c:axId val="42144768"/>
+        <c:axId val="39803904"/>
         <c:scaling>
           <c:orientation val="minMax"/>
         </c:scaling>
@@ -4907,7 +4882,7 @@
         <c:majorTickMark val="out"/>
         <c:minorTickMark val="none"/>
         <c:tickLblPos val="nextTo"/>
-        <c:crossAx val="81100096"/>
+        <c:crossAx val="39944192"/>
         <c:crosses val="autoZero"/>
         <c:auto val="1"/>
         <c:lblAlgn val="ctr"/>
@@ -4915,10 +4890,9 @@
         <c:noMultiLvlLbl val="0"/>
       </c:catAx>
       <c:valAx>
-        <c:axId val="81100096"/>
+        <c:axId val="39944192"/>
         <c:scaling>
           <c:orientation val="minMax"/>
-          <c:max val="100"/>
         </c:scaling>
         <c:delete val="1"/>
         <c:axPos val="b"/>
@@ -4933,7 +4907,7 @@
         <c:majorTickMark val="out"/>
         <c:minorTickMark val="none"/>
         <c:tickLblPos val="nextTo"/>
-        <c:crossAx val="42144768"/>
+        <c:crossAx val="39803904"/>
         <c:crosses val="autoZero"/>
         <c:crossBetween val="between"/>
       </c:valAx>
@@ -4965,18 +4939,20 @@
   <c:roundedCorners val="0"/>
   <mc:AlternateContent xmlns:mc="http://schemas.openxmlformats.org/markup-compatibility/2006">
     <mc:Choice xmlns:c14="http://schemas.microsoft.com/office/drawing/2007/8/2/chart" Requires="c14">
-      <c14:style val="133"/>
+      <c14:style val="134"/>
     </mc:Choice>
     <mc:Fallback>
-      <c:style val="33"/>
+      <c:style val="34"/>
     </mc:Fallback>
   </mc:AlternateContent>
   <c:chart>
-    <c:autoTitleDeleted val="1"/>
+    <c:autoTitleDeleted val="0"/>
     <c:plotArea>
       <c:layout/>
-      <c:doughnutChart>
-        <c:varyColors val="1"/>
+      <c:barChart>
+        <c:barDir val="bar"/>
+        <c:grouping val="stacked"/>
+        <c:varyColors val="0"/>
         <c:ser>
           <c:idx val="0"/>
           <c:order val="0"/>
@@ -4986,69 +4962,459 @@
               <c:strCache>
                 <c:ptCount val="1"/>
                 <c:pt idx="0">
-                  <c:v>판매</c:v>
-                </c:pt>
-              </c:strCache>
-            </c:strRef>
-          </c:tx>
-          <c:dPt>
-            <c:idx val="7"/>
-            <c:bubble3D val="0"/>
-            <c:spPr>
-              <a:solidFill>
-                <a:schemeClr val="accent2"/>
-              </a:solidFill>
-            </c:spPr>
-          </c:dPt>
-          <c:cat>
-            <c:numRef>
-              <c:f>Sheet1!$A$2:$A$13</c:f>
-              <c:numCache>
-                <c:formatCode>General</c:formatCode>
-                <c:ptCount val="12"/>
-              </c:numCache>
-            </c:numRef>
-          </c:cat>
-          <c:val>
-            <c:numRef>
-              <c:f>Sheet1!$B$2:$B$13</c:f>
-              <c:numCache>
-                <c:formatCode>General</c:formatCode>
-                <c:ptCount val="12"/>
+                  <c:v>5</c:v>
+                </c:pt>
+              </c:strCache>
+            </c:strRef>
+          </c:tx>
+          <c:invertIfNegative val="0"/>
+          <c:cat>
+            <c:strRef>
+              <c:f>Sheet1!$A$2</c:f>
+              <c:strCache>
+                <c:ptCount val="1"/>
+                <c:pt idx="0">
+                  <c:v>항목 1</c:v>
+                </c:pt>
+              </c:strCache>
+            </c:strRef>
+          </c:cat>
+          <c:val>
+            <c:numRef>
+              <c:f>Sheet1!$B$2</c:f>
+              <c:numCache>
+                <c:formatCode>General</c:formatCode>
+                <c:ptCount val="1"/>
                 <c:pt idx="0">
                   <c:v>1</c:v>
                 </c:pt>
-                <c:pt idx="1">
+              </c:numCache>
+            </c:numRef>
+          </c:val>
+        </c:ser>
+        <c:ser>
+          <c:idx val="1"/>
+          <c:order val="1"/>
+          <c:tx>
+            <c:strRef>
+              <c:f>Sheet1!$C$1</c:f>
+              <c:strCache>
+                <c:ptCount val="1"/>
+                <c:pt idx="0">
+                  <c:v>10</c:v>
+                </c:pt>
+              </c:strCache>
+            </c:strRef>
+          </c:tx>
+          <c:invertIfNegative val="0"/>
+          <c:cat>
+            <c:strRef>
+              <c:f>Sheet1!$A$2</c:f>
+              <c:strCache>
+                <c:ptCount val="1"/>
+                <c:pt idx="0">
+                  <c:v>항목 1</c:v>
+                </c:pt>
+              </c:strCache>
+            </c:strRef>
+          </c:cat>
+          <c:val>
+            <c:numRef>
+              <c:f>Sheet1!$C$2</c:f>
+              <c:numCache>
+                <c:formatCode>General</c:formatCode>
+                <c:ptCount val="1"/>
+                <c:pt idx="0">
                   <c:v>2</c:v>
                 </c:pt>
-                <c:pt idx="2">
+              </c:numCache>
+            </c:numRef>
+          </c:val>
+        </c:ser>
+        <c:ser>
+          <c:idx val="2"/>
+          <c:order val="2"/>
+          <c:tx>
+            <c:strRef>
+              <c:f>Sheet1!$D$1</c:f>
+              <c:strCache>
+                <c:ptCount val="1"/>
+                <c:pt idx="0">
+                  <c:v>15</c:v>
+                </c:pt>
+              </c:strCache>
+            </c:strRef>
+          </c:tx>
+          <c:invertIfNegative val="0"/>
+          <c:cat>
+            <c:strRef>
+              <c:f>Sheet1!$A$2</c:f>
+              <c:strCache>
+                <c:ptCount val="1"/>
+                <c:pt idx="0">
+                  <c:v>항목 1</c:v>
+                </c:pt>
+              </c:strCache>
+            </c:strRef>
+          </c:cat>
+          <c:val>
+            <c:numRef>
+              <c:f>Sheet1!$D$2</c:f>
+              <c:numCache>
+                <c:formatCode>General</c:formatCode>
+                <c:ptCount val="1"/>
+                <c:pt idx="0">
                   <c:v>3</c:v>
                 </c:pt>
-                <c:pt idx="3">
+              </c:numCache>
+            </c:numRef>
+          </c:val>
+        </c:ser>
+        <c:ser>
+          <c:idx val="3"/>
+          <c:order val="3"/>
+          <c:tx>
+            <c:strRef>
+              <c:f>Sheet1!$E$1</c:f>
+              <c:strCache>
+                <c:ptCount val="1"/>
+                <c:pt idx="0">
+                  <c:v>20</c:v>
+                </c:pt>
+              </c:strCache>
+            </c:strRef>
+          </c:tx>
+          <c:invertIfNegative val="0"/>
+          <c:cat>
+            <c:strRef>
+              <c:f>Sheet1!$A$2</c:f>
+              <c:strCache>
+                <c:ptCount val="1"/>
+                <c:pt idx="0">
+                  <c:v>항목 1</c:v>
+                </c:pt>
+              </c:strCache>
+            </c:strRef>
+          </c:cat>
+          <c:val>
+            <c:numRef>
+              <c:f>Sheet1!$E$2</c:f>
+              <c:numCache>
+                <c:formatCode>General</c:formatCode>
+                <c:ptCount val="1"/>
+                <c:pt idx="0">
                   <c:v>5</c:v>
                 </c:pt>
-                <c:pt idx="4">
+              </c:numCache>
+            </c:numRef>
+          </c:val>
+        </c:ser>
+        <c:ser>
+          <c:idx val="4"/>
+          <c:order val="4"/>
+          <c:tx>
+            <c:strRef>
+              <c:f>Sheet1!$F$1</c:f>
+              <c:strCache>
+                <c:ptCount val="1"/>
+                <c:pt idx="0">
+                  <c:v>25</c:v>
+                </c:pt>
+              </c:strCache>
+            </c:strRef>
+          </c:tx>
+          <c:invertIfNegative val="0"/>
+          <c:cat>
+            <c:strRef>
+              <c:f>Sheet1!$A$2</c:f>
+              <c:strCache>
+                <c:ptCount val="1"/>
+                <c:pt idx="0">
+                  <c:v>항목 1</c:v>
+                </c:pt>
+              </c:strCache>
+            </c:strRef>
+          </c:cat>
+          <c:val>
+            <c:numRef>
+              <c:f>Sheet1!$F$2</c:f>
+              <c:numCache>
+                <c:formatCode>General</c:formatCode>
+                <c:ptCount val="1"/>
+                <c:pt idx="0">
                   <c:v>6</c:v>
                 </c:pt>
-                <c:pt idx="5">
+              </c:numCache>
+            </c:numRef>
+          </c:val>
+        </c:ser>
+        <c:ser>
+          <c:idx val="5"/>
+          <c:order val="5"/>
+          <c:tx>
+            <c:strRef>
+              <c:f>Sheet1!$G$1</c:f>
+              <c:strCache>
+                <c:ptCount val="1"/>
+                <c:pt idx="0">
+                  <c:v>30</c:v>
+                </c:pt>
+              </c:strCache>
+            </c:strRef>
+          </c:tx>
+          <c:invertIfNegative val="0"/>
+          <c:cat>
+            <c:strRef>
+              <c:f>Sheet1!$A$2</c:f>
+              <c:strCache>
+                <c:ptCount val="1"/>
+                <c:pt idx="0">
+                  <c:v>항목 1</c:v>
+                </c:pt>
+              </c:strCache>
+            </c:strRef>
+          </c:cat>
+          <c:val>
+            <c:numRef>
+              <c:f>Sheet1!$G$2</c:f>
+              <c:numCache>
+                <c:formatCode>General</c:formatCode>
+                <c:ptCount val="1"/>
+                <c:pt idx="0">
                   <c:v>8</c:v>
                 </c:pt>
-                <c:pt idx="6">
+              </c:numCache>
+            </c:numRef>
+          </c:val>
+        </c:ser>
+        <c:ser>
+          <c:idx val="6"/>
+          <c:order val="6"/>
+          <c:tx>
+            <c:strRef>
+              <c:f>Sheet1!$H$1</c:f>
+              <c:strCache>
+                <c:ptCount val="1"/>
+                <c:pt idx="0">
+                  <c:v>35</c:v>
+                </c:pt>
+              </c:strCache>
+            </c:strRef>
+          </c:tx>
+          <c:invertIfNegative val="0"/>
+          <c:cat>
+            <c:strRef>
+              <c:f>Sheet1!$A$2</c:f>
+              <c:strCache>
+                <c:ptCount val="1"/>
+                <c:pt idx="0">
+                  <c:v>항목 1</c:v>
+                </c:pt>
+              </c:strCache>
+            </c:strRef>
+          </c:cat>
+          <c:val>
+            <c:numRef>
+              <c:f>Sheet1!$H$2</c:f>
+              <c:numCache>
+                <c:formatCode>General</c:formatCode>
+                <c:ptCount val="1"/>
+                <c:pt idx="0">
                   <c:v>10</c:v>
                 </c:pt>
-                <c:pt idx="7">
+              </c:numCache>
+            </c:numRef>
+          </c:val>
+        </c:ser>
+        <c:ser>
+          <c:idx val="7"/>
+          <c:order val="7"/>
+          <c:tx>
+            <c:strRef>
+              <c:f>Sheet1!$I$1</c:f>
+              <c:strCache>
+                <c:ptCount val="1"/>
+                <c:pt idx="0">
+                  <c:v>40</c:v>
+                </c:pt>
+              </c:strCache>
+            </c:strRef>
+          </c:tx>
+          <c:invertIfNegative val="0"/>
+          <c:cat>
+            <c:strRef>
+              <c:f>Sheet1!$A$2</c:f>
+              <c:strCache>
+                <c:ptCount val="1"/>
+                <c:pt idx="0">
+                  <c:v>항목 1</c:v>
+                </c:pt>
+              </c:strCache>
+            </c:strRef>
+          </c:cat>
+          <c:val>
+            <c:numRef>
+              <c:f>Sheet1!$I$2</c:f>
+              <c:numCache>
+                <c:formatCode>General</c:formatCode>
+                <c:ptCount val="1"/>
+                <c:pt idx="0">
                   <c:v>13</c:v>
                 </c:pt>
-                <c:pt idx="8">
+              </c:numCache>
+            </c:numRef>
+          </c:val>
+        </c:ser>
+        <c:ser>
+          <c:idx val="8"/>
+          <c:order val="8"/>
+          <c:tx>
+            <c:strRef>
+              <c:f>Sheet1!$J$1</c:f>
+              <c:strCache>
+                <c:ptCount val="1"/>
+                <c:pt idx="0">
+                  <c:v>45</c:v>
+                </c:pt>
+              </c:strCache>
+            </c:strRef>
+          </c:tx>
+          <c:invertIfNegative val="0"/>
+          <c:cat>
+            <c:strRef>
+              <c:f>Sheet1!$A$2</c:f>
+              <c:strCache>
+                <c:ptCount val="1"/>
+                <c:pt idx="0">
+                  <c:v>항목 1</c:v>
+                </c:pt>
+              </c:strCache>
+            </c:strRef>
+          </c:cat>
+          <c:val>
+            <c:numRef>
+              <c:f>Sheet1!$J$2</c:f>
+              <c:numCache>
+                <c:formatCode>General</c:formatCode>
+                <c:ptCount val="1"/>
+                <c:pt idx="0">
                   <c:v>15</c:v>
                 </c:pt>
-                <c:pt idx="9">
+              </c:numCache>
+            </c:numRef>
+          </c:val>
+        </c:ser>
+        <c:ser>
+          <c:idx val="9"/>
+          <c:order val="9"/>
+          <c:tx>
+            <c:strRef>
+              <c:f>Sheet1!$K$1</c:f>
+              <c:strCache>
+                <c:ptCount val="1"/>
+                <c:pt idx="0">
+                  <c:v>50</c:v>
+                </c:pt>
+              </c:strCache>
+            </c:strRef>
+          </c:tx>
+          <c:invertIfNegative val="0"/>
+          <c:cat>
+            <c:strRef>
+              <c:f>Sheet1!$A$2</c:f>
+              <c:strCache>
+                <c:ptCount val="1"/>
+                <c:pt idx="0">
+                  <c:v>항목 1</c:v>
+                </c:pt>
+              </c:strCache>
+            </c:strRef>
+          </c:cat>
+          <c:val>
+            <c:numRef>
+              <c:f>Sheet1!$K$2</c:f>
+              <c:numCache>
+                <c:formatCode>General</c:formatCode>
+                <c:ptCount val="1"/>
+                <c:pt idx="0">
                   <c:v>13</c:v>
                 </c:pt>
-                <c:pt idx="10">
+              </c:numCache>
+            </c:numRef>
+          </c:val>
+        </c:ser>
+        <c:ser>
+          <c:idx val="10"/>
+          <c:order val="10"/>
+          <c:tx>
+            <c:strRef>
+              <c:f>Sheet1!$L$1</c:f>
+              <c:strCache>
+                <c:ptCount val="1"/>
+                <c:pt idx="0">
+                  <c:v>55</c:v>
+                </c:pt>
+              </c:strCache>
+            </c:strRef>
+          </c:tx>
+          <c:invertIfNegative val="0"/>
+          <c:cat>
+            <c:strRef>
+              <c:f>Sheet1!$A$2</c:f>
+              <c:strCache>
+                <c:ptCount val="1"/>
+                <c:pt idx="0">
+                  <c:v>항목 1</c:v>
+                </c:pt>
+              </c:strCache>
+            </c:strRef>
+          </c:cat>
+          <c:val>
+            <c:numRef>
+              <c:f>Sheet1!$L$2</c:f>
+              <c:numCache>
+                <c:formatCode>General</c:formatCode>
+                <c:ptCount val="1"/>
+                <c:pt idx="0">
                   <c:v>13</c:v>
                 </c:pt>
-                <c:pt idx="11">
+              </c:numCache>
+            </c:numRef>
+          </c:val>
+        </c:ser>
+        <c:ser>
+          <c:idx val="11"/>
+          <c:order val="11"/>
+          <c:tx>
+            <c:strRef>
+              <c:f>Sheet1!$M$1</c:f>
+              <c:strCache>
+                <c:ptCount val="1"/>
+                <c:pt idx="0">
+                  <c:v>60</c:v>
+                </c:pt>
+              </c:strCache>
+            </c:strRef>
+          </c:tx>
+          <c:invertIfNegative val="0"/>
+          <c:cat>
+            <c:strRef>
+              <c:f>Sheet1!$A$2</c:f>
+              <c:strCache>
+                <c:ptCount val="1"/>
+                <c:pt idx="0">
+                  <c:v>항목 1</c:v>
+                </c:pt>
+              </c:strCache>
+            </c:strRef>
+          </c:cat>
+          <c:val>
+            <c:numRef>
+              <c:f>Sheet1!$M$2</c:f>
+              <c:numCache>
+                <c:formatCode>General</c:formatCode>
+                <c:ptCount val="1"/>
+                <c:pt idx="0">
                   <c:v>11</c:v>
                 </c:pt>
               </c:numCache>
@@ -5062,11 +5428,52 @@
           <c:showSerName val="0"/>
           <c:showPercent val="0"/>
           <c:showBubbleSize val="0"/>
-          <c:showLeaderLines val="1"/>
         </c:dLbls>
-        <c:firstSliceAng val="0"/>
-        <c:holeSize val="50"/>
-      </c:doughnutChart>
+        <c:gapWidth val="150"/>
+        <c:overlap val="100"/>
+        <c:axId val="40393728"/>
+        <c:axId val="39947072"/>
+      </c:barChart>
+      <c:catAx>
+        <c:axId val="40393728"/>
+        <c:scaling>
+          <c:orientation val="minMax"/>
+        </c:scaling>
+        <c:delete val="1"/>
+        <c:axPos val="l"/>
+        <c:majorTickMark val="out"/>
+        <c:minorTickMark val="none"/>
+        <c:tickLblPos val="nextTo"/>
+        <c:crossAx val="39947072"/>
+        <c:crosses val="autoZero"/>
+        <c:auto val="1"/>
+        <c:lblAlgn val="ctr"/>
+        <c:lblOffset val="100"/>
+        <c:noMultiLvlLbl val="0"/>
+      </c:catAx>
+      <c:valAx>
+        <c:axId val="39947072"/>
+        <c:scaling>
+          <c:orientation val="minMax"/>
+          <c:max val="100"/>
+        </c:scaling>
+        <c:delete val="1"/>
+        <c:axPos val="b"/>
+        <c:majorGridlines>
+          <c:spPr>
+            <a:ln>
+              <a:noFill/>
+            </a:ln>
+          </c:spPr>
+        </c:majorGridlines>
+        <c:numFmt formatCode="General" sourceLinked="1"/>
+        <c:majorTickMark val="out"/>
+        <c:minorTickMark val="none"/>
+        <c:tickLblPos val="nextTo"/>
+        <c:crossAx val="40393728"/>
+        <c:crosses val="autoZero"/>
+        <c:crossBetween val="between"/>
+      </c:valAx>
     </c:plotArea>
     <c:plotVisOnly val="1"/>
     <c:dispBlanksAs val="gap"/>
@@ -5095,20 +5502,18 @@
   <c:roundedCorners val="0"/>
   <mc:AlternateContent xmlns:mc="http://schemas.openxmlformats.org/markup-compatibility/2006">
     <mc:Choice xmlns:c14="http://schemas.microsoft.com/office/drawing/2007/8/2/chart" Requires="c14">
-      <c14:style val="133"/>
+      <c14:style val="134"/>
     </mc:Choice>
     <mc:Fallback>
-      <c:style val="33"/>
+      <c:style val="34"/>
     </mc:Fallback>
   </mc:AlternateContent>
   <c:chart>
-    <c:autoTitleDeleted val="0"/>
+    <c:autoTitleDeleted val="1"/>
     <c:plotArea>
       <c:layout/>
-      <c:barChart>
-        <c:barDir val="bar"/>
-        <c:grouping val="clustered"/>
-        <c:varyColors val="0"/>
+      <c:doughnutChart>
+        <c:varyColors val="1"/>
         <c:ser>
           <c:idx val="0"/>
           <c:order val="0"/>
@@ -5118,470 +5523,61 @@
               <c:strCache>
                 <c:ptCount val="1"/>
                 <c:pt idx="0">
-                  <c:v>열1</c:v>
-                </c:pt>
-              </c:strCache>
-            </c:strRef>
-          </c:tx>
-          <c:invertIfNegative val="0"/>
-          <c:cat>
-            <c:strRef>
-              <c:f>Sheet1!$A$2</c:f>
-              <c:strCache>
-                <c:ptCount val="1"/>
-                <c:pt idx="0">
-                  <c:v>항목 1</c:v>
-                </c:pt>
-              </c:strCache>
-            </c:strRef>
-          </c:cat>
-          <c:val>
-            <c:numRef>
-              <c:f>Sheet1!$B$2</c:f>
-              <c:numCache>
-                <c:formatCode>General</c:formatCode>
-                <c:ptCount val="1"/>
-                <c:pt idx="0">
+                  <c:v>판매</c:v>
+                </c:pt>
+              </c:strCache>
+            </c:strRef>
+          </c:tx>
+          <c:cat>
+            <c:numRef>
+              <c:f>Sheet1!$A$2:$A$13</c:f>
+              <c:numCache>
+                <c:formatCode>General</c:formatCode>
+                <c:ptCount val="12"/>
+              </c:numCache>
+            </c:numRef>
+          </c:cat>
+          <c:val>
+            <c:numRef>
+              <c:f>Sheet1!$B$2:$B$13</c:f>
+              <c:numCache>
+                <c:formatCode>General</c:formatCode>
+                <c:ptCount val="12"/>
+                <c:pt idx="0">
+                  <c:v>1</c:v>
+                </c:pt>
+                <c:pt idx="1">
+                  <c:v>2</c:v>
+                </c:pt>
+                <c:pt idx="2">
+                  <c:v>3</c:v>
+                </c:pt>
+                <c:pt idx="3">
                   <c:v>5</c:v>
                 </c:pt>
-              </c:numCache>
-            </c:numRef>
-          </c:val>
-        </c:ser>
-        <c:ser>
-          <c:idx val="1"/>
-          <c:order val="1"/>
-          <c:tx>
-            <c:strRef>
-              <c:f>Sheet1!$C$1</c:f>
-              <c:strCache>
-                <c:ptCount val="1"/>
-                <c:pt idx="0">
-                  <c:v>열2</c:v>
-                </c:pt>
-              </c:strCache>
-            </c:strRef>
-          </c:tx>
-          <c:invertIfNegative val="0"/>
-          <c:cat>
-            <c:strRef>
-              <c:f>Sheet1!$A$2</c:f>
-              <c:strCache>
-                <c:ptCount val="1"/>
-                <c:pt idx="0">
-                  <c:v>항목 1</c:v>
-                </c:pt>
-              </c:strCache>
-            </c:strRef>
-          </c:cat>
-          <c:val>
-            <c:numRef>
-              <c:f>Sheet1!$C$2</c:f>
-              <c:numCache>
-                <c:formatCode>General</c:formatCode>
-                <c:ptCount val="1"/>
-                <c:pt idx="0">
-                  <c:v>7</c:v>
-                </c:pt>
-              </c:numCache>
-            </c:numRef>
-          </c:val>
-        </c:ser>
-        <c:ser>
-          <c:idx val="2"/>
-          <c:order val="2"/>
-          <c:tx>
-            <c:strRef>
-              <c:f>Sheet1!$D$1</c:f>
-              <c:strCache>
-                <c:ptCount val="1"/>
-                <c:pt idx="0">
-                  <c:v>열3</c:v>
-                </c:pt>
-              </c:strCache>
-            </c:strRef>
-          </c:tx>
-          <c:invertIfNegative val="0"/>
-          <c:cat>
-            <c:strRef>
-              <c:f>Sheet1!$A$2</c:f>
-              <c:strCache>
-                <c:ptCount val="1"/>
-                <c:pt idx="0">
-                  <c:v>항목 1</c:v>
-                </c:pt>
-              </c:strCache>
-            </c:strRef>
-          </c:cat>
-          <c:val>
-            <c:numRef>
-              <c:f>Sheet1!$D$2</c:f>
-              <c:numCache>
-                <c:formatCode>General</c:formatCode>
-                <c:ptCount val="1"/>
-                <c:pt idx="0">
-                  <c:v>7</c:v>
-                </c:pt>
-              </c:numCache>
-            </c:numRef>
-          </c:val>
-        </c:ser>
-        <c:ser>
-          <c:idx val="3"/>
-          <c:order val="3"/>
-          <c:tx>
-            <c:strRef>
-              <c:f>Sheet1!$E$1</c:f>
-              <c:strCache>
-                <c:ptCount val="1"/>
-                <c:pt idx="0">
-                  <c:v>열4</c:v>
-                </c:pt>
-              </c:strCache>
-            </c:strRef>
-          </c:tx>
-          <c:invertIfNegative val="0"/>
-          <c:cat>
-            <c:strRef>
-              <c:f>Sheet1!$A$2</c:f>
-              <c:strCache>
-                <c:ptCount val="1"/>
-                <c:pt idx="0">
-                  <c:v>항목 1</c:v>
-                </c:pt>
-              </c:strCache>
-            </c:strRef>
-          </c:cat>
-          <c:val>
-            <c:numRef>
-              <c:f>Sheet1!$E$2</c:f>
-              <c:numCache>
-                <c:formatCode>General</c:formatCode>
-                <c:ptCount val="1"/>
-                <c:pt idx="0">
+                <c:pt idx="4">
+                  <c:v>6</c:v>
+                </c:pt>
+                <c:pt idx="5">
                   <c:v>8</c:v>
                 </c:pt>
-              </c:numCache>
-            </c:numRef>
-          </c:val>
-        </c:ser>
-        <c:ser>
-          <c:idx val="4"/>
-          <c:order val="4"/>
-          <c:tx>
-            <c:strRef>
-              <c:f>Sheet1!$F$1</c:f>
-              <c:strCache>
-                <c:ptCount val="1"/>
-                <c:pt idx="0">
-                  <c:v>열5</c:v>
-                </c:pt>
-              </c:strCache>
-            </c:strRef>
-          </c:tx>
-          <c:invertIfNegative val="0"/>
-          <c:cat>
-            <c:strRef>
-              <c:f>Sheet1!$A$2</c:f>
-              <c:strCache>
-                <c:ptCount val="1"/>
-                <c:pt idx="0">
-                  <c:v>항목 1</c:v>
-                </c:pt>
-              </c:strCache>
-            </c:strRef>
-          </c:cat>
-          <c:val>
-            <c:numRef>
-              <c:f>Sheet1!$F$2</c:f>
-              <c:numCache>
-                <c:formatCode>General</c:formatCode>
-                <c:ptCount val="1"/>
-                <c:pt idx="0">
-                  <c:v>8</c:v>
-                </c:pt>
-              </c:numCache>
-            </c:numRef>
-          </c:val>
-        </c:ser>
-        <c:ser>
-          <c:idx val="5"/>
-          <c:order val="5"/>
-          <c:tx>
-            <c:strRef>
-              <c:f>Sheet1!$G$1</c:f>
-              <c:strCache>
-                <c:ptCount val="1"/>
-                <c:pt idx="0">
-                  <c:v>열6</c:v>
-                </c:pt>
-              </c:strCache>
-            </c:strRef>
-          </c:tx>
-          <c:invertIfNegative val="0"/>
-          <c:cat>
-            <c:strRef>
-              <c:f>Sheet1!$A$2</c:f>
-              <c:strCache>
-                <c:ptCount val="1"/>
-                <c:pt idx="0">
-                  <c:v>항목 1</c:v>
-                </c:pt>
-              </c:strCache>
-            </c:strRef>
-          </c:cat>
-          <c:val>
-            <c:numRef>
-              <c:f>Sheet1!$G$2</c:f>
-              <c:numCache>
-                <c:formatCode>General</c:formatCode>
-                <c:ptCount val="1"/>
-                <c:pt idx="0">
+                <c:pt idx="6">
                   <c:v>10</c:v>
                 </c:pt>
-              </c:numCache>
-            </c:numRef>
-          </c:val>
-        </c:ser>
-        <c:ser>
-          <c:idx val="6"/>
-          <c:order val="6"/>
-          <c:tx>
-            <c:strRef>
-              <c:f>Sheet1!$H$1</c:f>
-              <c:strCache>
-                <c:ptCount val="1"/>
-                <c:pt idx="0">
-                  <c:v>열7</c:v>
-                </c:pt>
-              </c:strCache>
-            </c:strRef>
-          </c:tx>
-          <c:invertIfNegative val="0"/>
-          <c:cat>
-            <c:strRef>
-              <c:f>Sheet1!$A$2</c:f>
-              <c:strCache>
-                <c:ptCount val="1"/>
-                <c:pt idx="0">
-                  <c:v>항목 1</c:v>
-                </c:pt>
-              </c:strCache>
-            </c:strRef>
-          </c:cat>
-          <c:val>
-            <c:numRef>
-              <c:f>Sheet1!$H$2</c:f>
-              <c:numCache>
-                <c:formatCode>General</c:formatCode>
-                <c:ptCount val="1"/>
-                <c:pt idx="0">
+                <c:pt idx="7">
                   <c:v>13</c:v>
                 </c:pt>
-              </c:numCache>
-            </c:numRef>
-          </c:val>
-        </c:ser>
-        <c:ser>
-          <c:idx val="7"/>
-          <c:order val="7"/>
-          <c:tx>
-            <c:strRef>
-              <c:f>Sheet1!$I$1</c:f>
-              <c:strCache>
-                <c:ptCount val="1"/>
-                <c:pt idx="0">
-                  <c:v>열8</c:v>
-                </c:pt>
-              </c:strCache>
-            </c:strRef>
-          </c:tx>
-          <c:invertIfNegative val="0"/>
-          <c:dPt>
-            <c:idx val="0"/>
-            <c:invertIfNegative val="0"/>
-            <c:bubble3D val="0"/>
-            <c:spPr>
-              <a:solidFill>
-                <a:schemeClr val="accent2"/>
-              </a:solidFill>
-            </c:spPr>
-          </c:dPt>
-          <c:cat>
-            <c:strRef>
-              <c:f>Sheet1!$A$2</c:f>
-              <c:strCache>
-                <c:ptCount val="1"/>
-                <c:pt idx="0">
-                  <c:v>항목 1</c:v>
-                </c:pt>
-              </c:strCache>
-            </c:strRef>
-          </c:cat>
-          <c:val>
-            <c:numRef>
-              <c:f>Sheet1!$I$2</c:f>
-              <c:numCache>
-                <c:formatCode>General</c:formatCode>
-                <c:ptCount val="1"/>
-                <c:pt idx="0">
+                <c:pt idx="8">
+                  <c:v>15</c:v>
+                </c:pt>
+                <c:pt idx="9">
+                  <c:v>13</c:v>
+                </c:pt>
+                <c:pt idx="10">
+                  <c:v>13</c:v>
+                </c:pt>
+                <c:pt idx="11">
                   <c:v>11</c:v>
-                </c:pt>
-              </c:numCache>
-            </c:numRef>
-          </c:val>
-        </c:ser>
-        <c:ser>
-          <c:idx val="8"/>
-          <c:order val="8"/>
-          <c:tx>
-            <c:strRef>
-              <c:f>Sheet1!$J$1</c:f>
-              <c:strCache>
-                <c:ptCount val="1"/>
-                <c:pt idx="0">
-                  <c:v>열9</c:v>
-                </c:pt>
-              </c:strCache>
-            </c:strRef>
-          </c:tx>
-          <c:invertIfNegative val="0"/>
-          <c:cat>
-            <c:strRef>
-              <c:f>Sheet1!$A$2</c:f>
-              <c:strCache>
-                <c:ptCount val="1"/>
-                <c:pt idx="0">
-                  <c:v>항목 1</c:v>
-                </c:pt>
-              </c:strCache>
-            </c:strRef>
-          </c:cat>
-          <c:val>
-            <c:numRef>
-              <c:f>Sheet1!$J$2</c:f>
-              <c:numCache>
-                <c:formatCode>General</c:formatCode>
-                <c:ptCount val="1"/>
-                <c:pt idx="0">
-                  <c:v>10</c:v>
-                </c:pt>
-              </c:numCache>
-            </c:numRef>
-          </c:val>
-        </c:ser>
-        <c:ser>
-          <c:idx val="9"/>
-          <c:order val="9"/>
-          <c:tx>
-            <c:strRef>
-              <c:f>Sheet1!$K$1</c:f>
-              <c:strCache>
-                <c:ptCount val="1"/>
-                <c:pt idx="0">
-                  <c:v>열10</c:v>
-                </c:pt>
-              </c:strCache>
-            </c:strRef>
-          </c:tx>
-          <c:invertIfNegative val="0"/>
-          <c:cat>
-            <c:strRef>
-              <c:f>Sheet1!$A$2</c:f>
-              <c:strCache>
-                <c:ptCount val="1"/>
-                <c:pt idx="0">
-                  <c:v>항목 1</c:v>
-                </c:pt>
-              </c:strCache>
-            </c:strRef>
-          </c:cat>
-          <c:val>
-            <c:numRef>
-              <c:f>Sheet1!$K$2</c:f>
-              <c:numCache>
-                <c:formatCode>General</c:formatCode>
-                <c:ptCount val="1"/>
-                <c:pt idx="0">
-                  <c:v>8</c:v>
-                </c:pt>
-              </c:numCache>
-            </c:numRef>
-          </c:val>
-        </c:ser>
-        <c:ser>
-          <c:idx val="10"/>
-          <c:order val="10"/>
-          <c:tx>
-            <c:strRef>
-              <c:f>Sheet1!$L$1</c:f>
-              <c:strCache>
-                <c:ptCount val="1"/>
-                <c:pt idx="0">
-                  <c:v>열11</c:v>
-                </c:pt>
-              </c:strCache>
-            </c:strRef>
-          </c:tx>
-          <c:invertIfNegative val="0"/>
-          <c:cat>
-            <c:strRef>
-              <c:f>Sheet1!$A$2</c:f>
-              <c:strCache>
-                <c:ptCount val="1"/>
-                <c:pt idx="0">
-                  <c:v>항목 1</c:v>
-                </c:pt>
-              </c:strCache>
-            </c:strRef>
-          </c:cat>
-          <c:val>
-            <c:numRef>
-              <c:f>Sheet1!$L$2</c:f>
-              <c:numCache>
-                <c:formatCode>General</c:formatCode>
-                <c:ptCount val="1"/>
-                <c:pt idx="0">
-                  <c:v>7</c:v>
-                </c:pt>
-              </c:numCache>
-            </c:numRef>
-          </c:val>
-        </c:ser>
-        <c:ser>
-          <c:idx val="11"/>
-          <c:order val="11"/>
-          <c:tx>
-            <c:strRef>
-              <c:f>Sheet1!$M$1</c:f>
-              <c:strCache>
-                <c:ptCount val="1"/>
-                <c:pt idx="0">
-                  <c:v>열12</c:v>
-                </c:pt>
-              </c:strCache>
-            </c:strRef>
-          </c:tx>
-          <c:invertIfNegative val="0"/>
-          <c:cat>
-            <c:strRef>
-              <c:f>Sheet1!$A$2</c:f>
-              <c:strCache>
-                <c:ptCount val="1"/>
-                <c:pt idx="0">
-                  <c:v>항목 1</c:v>
-                </c:pt>
-              </c:strCache>
-            </c:strRef>
-          </c:cat>
-          <c:val>
-            <c:numRef>
-              <c:f>Sheet1!$M$2</c:f>
-              <c:numCache>
-                <c:formatCode>General</c:formatCode>
-                <c:ptCount val="1"/>
-                <c:pt idx="0">
-                  <c:v>6</c:v>
                 </c:pt>
               </c:numCache>
             </c:numRef>
@@ -5594,50 +5590,11 @@
           <c:showSerName val="0"/>
           <c:showPercent val="0"/>
           <c:showBubbleSize val="0"/>
+          <c:showLeaderLines val="1"/>
         </c:dLbls>
-        <c:gapWidth val="150"/>
-        <c:axId val="43094528"/>
-        <c:axId val="43182912"/>
-      </c:barChart>
-      <c:catAx>
-        <c:axId val="43094528"/>
-        <c:scaling>
-          <c:orientation val="minMax"/>
-        </c:scaling>
-        <c:delete val="1"/>
-        <c:axPos val="l"/>
-        <c:majorTickMark val="out"/>
-        <c:minorTickMark val="none"/>
-        <c:tickLblPos val="nextTo"/>
-        <c:crossAx val="43182912"/>
-        <c:crosses val="autoZero"/>
-        <c:auto val="1"/>
-        <c:lblAlgn val="ctr"/>
-        <c:lblOffset val="100"/>
-        <c:noMultiLvlLbl val="0"/>
-      </c:catAx>
-      <c:valAx>
-        <c:axId val="43182912"/>
-        <c:scaling>
-          <c:orientation val="minMax"/>
-        </c:scaling>
-        <c:delete val="1"/>
-        <c:axPos val="b"/>
-        <c:majorGridlines>
-          <c:spPr>
-            <a:ln>
-              <a:noFill/>
-            </a:ln>
-          </c:spPr>
-        </c:majorGridlines>
-        <c:numFmt formatCode="General" sourceLinked="1"/>
-        <c:majorTickMark val="out"/>
-        <c:minorTickMark val="none"/>
-        <c:tickLblPos val="nextTo"/>
-        <c:crossAx val="43094528"/>
-        <c:crosses val="autoZero"/>
-        <c:crossBetween val="between"/>
-      </c:valAx>
+        <c:firstSliceAng val="0"/>
+        <c:holeSize val="50"/>
+      </c:doughnutChart>
     </c:plotArea>
     <c:plotVisOnly val="1"/>
     <c:dispBlanksAs val="gap"/>
@@ -5845,11 +5802,11 @@
           <c:showBubbleSize val="0"/>
         </c:dLbls>
         <c:gapWidth val="150"/>
-        <c:axId val="39532544"/>
-        <c:axId val="81097792"/>
+        <c:axId val="38449664"/>
+        <c:axId val="88110144"/>
       </c:barChart>
       <c:catAx>
-        <c:axId val="39532544"/>
+        <c:axId val="38449664"/>
         <c:scaling>
           <c:orientation val="minMax"/>
         </c:scaling>
@@ -5858,7 +5815,7 @@
         <c:majorTickMark val="out"/>
         <c:minorTickMark val="none"/>
         <c:tickLblPos val="nextTo"/>
-        <c:crossAx val="81097792"/>
+        <c:crossAx val="88110144"/>
         <c:crosses val="autoZero"/>
         <c:auto val="1"/>
         <c:lblAlgn val="ctr"/>
@@ -5866,7 +5823,7 @@
         <c:noMultiLvlLbl val="0"/>
       </c:catAx>
       <c:valAx>
-        <c:axId val="81097792"/>
+        <c:axId val="88110144"/>
         <c:scaling>
           <c:orientation val="minMax"/>
         </c:scaling>
@@ -5883,7 +5840,7 @@
         <c:majorTickMark val="out"/>
         <c:minorTickMark val="none"/>
         <c:tickLblPos val="nextTo"/>
-        <c:crossAx val="39532544"/>
+        <c:crossAx val="38449664"/>
         <c:crosses val="autoZero"/>
         <c:crossBetween val="between"/>
       </c:valAx>
@@ -5930,10 +5887,10 @@
   <c:roundedCorners val="0"/>
   <mc:AlternateContent xmlns:mc="http://schemas.openxmlformats.org/markup-compatibility/2006">
     <mc:Choice xmlns:c14="http://schemas.microsoft.com/office/drawing/2007/8/2/chart" Requires="c14">
-      <c14:style val="134"/>
+      <c14:style val="133"/>
     </mc:Choice>
     <mc:Fallback>
-      <c:style val="34"/>
+      <c:style val="33"/>
     </mc:Fallback>
   </mc:AlternateContent>
   <c:chart>
@@ -6231,6 +6188,11 @@
               </c:strCache>
             </c:strRef>
           </c:tx>
+          <c:spPr>
+            <a:solidFill>
+              <a:schemeClr val="accent2"/>
+            </a:solidFill>
+          </c:spPr>
           <c:invertIfNegative val="0"/>
           <c:cat>
             <c:strRef>
@@ -6422,11 +6384,11 @@
         </c:dLbls>
         <c:gapWidth val="150"/>
         <c:overlap val="100"/>
-        <c:axId val="39533056"/>
-        <c:axId val="40544512"/>
+        <c:axId val="40392192"/>
+        <c:axId val="88086144"/>
       </c:barChart>
       <c:catAx>
-        <c:axId val="39533056"/>
+        <c:axId val="40392192"/>
         <c:scaling>
           <c:orientation val="minMax"/>
         </c:scaling>
@@ -6435,7 +6397,7 @@
         <c:majorTickMark val="out"/>
         <c:minorTickMark val="none"/>
         <c:tickLblPos val="nextTo"/>
-        <c:crossAx val="40544512"/>
+        <c:crossAx val="88086144"/>
         <c:crosses val="autoZero"/>
         <c:auto val="1"/>
         <c:lblAlgn val="ctr"/>
@@ -6443,7 +6405,7 @@
         <c:noMultiLvlLbl val="0"/>
       </c:catAx>
       <c:valAx>
-        <c:axId val="40544512"/>
+        <c:axId val="88086144"/>
         <c:scaling>
           <c:orientation val="minMax"/>
           <c:max val="100"/>
@@ -6461,7 +6423,7 @@
         <c:majorTickMark val="out"/>
         <c:minorTickMark val="none"/>
         <c:tickLblPos val="nextTo"/>
-        <c:crossAx val="39533056"/>
+        <c:crossAx val="40392192"/>
         <c:crosses val="autoZero"/>
         <c:crossBetween val="between"/>
       </c:valAx>
@@ -6493,10 +6455,10 @@
   <c:roundedCorners val="0"/>
   <mc:AlternateContent xmlns:mc="http://schemas.openxmlformats.org/markup-compatibility/2006">
     <mc:Choice xmlns:c14="http://schemas.microsoft.com/office/drawing/2007/8/2/chart" Requires="c14">
-      <c14:style val="134"/>
+      <c14:style val="133"/>
     </mc:Choice>
     <mc:Fallback>
-      <c:style val="34"/>
+      <c:style val="33"/>
     </mc:Fallback>
   </mc:AlternateContent>
   <c:chart>
@@ -6519,6 +6481,15 @@
               </c:strCache>
             </c:strRef>
           </c:tx>
+          <c:dPt>
+            <c:idx val="7"/>
+            <c:bubble3D val="0"/>
+            <c:spPr>
+              <a:solidFill>
+                <a:schemeClr val="accent2"/>
+              </a:solidFill>
+            </c:spPr>
+          </c:dPt>
           <c:cat>
             <c:numRef>
               <c:f>Sheet1!$A$2:$A$13</c:f>
@@ -6614,10 +6585,10 @@
   <c:roundedCorners val="0"/>
   <mc:AlternateContent xmlns:mc="http://schemas.openxmlformats.org/markup-compatibility/2006">
     <mc:Choice xmlns:c14="http://schemas.microsoft.com/office/drawing/2007/8/2/chart" Requires="c14">
-      <c14:style val="134"/>
+      <c14:style val="133"/>
     </mc:Choice>
     <mc:Fallback>
-      <c:style val="34"/>
+      <c:style val="33"/>
     </mc:Fallback>
   </mc:AlternateContent>
   <c:chart>
@@ -6661,7 +6632,7 @@
                 <c:formatCode>General</c:formatCode>
                 <c:ptCount val="1"/>
                 <c:pt idx="0">
-                  <c:v>5</c:v>
+                  <c:v>1</c:v>
                 </c:pt>
               </c:numCache>
             </c:numRef>
@@ -6700,7 +6671,7 @@
                 <c:formatCode>General</c:formatCode>
                 <c:ptCount val="1"/>
                 <c:pt idx="0">
-                  <c:v>7</c:v>
+                  <c:v>2</c:v>
                 </c:pt>
               </c:numCache>
             </c:numRef>
@@ -6739,7 +6710,7 @@
                 <c:formatCode>General</c:formatCode>
                 <c:ptCount val="1"/>
                 <c:pt idx="0">
-                  <c:v>7</c:v>
+                  <c:v>3</c:v>
                 </c:pt>
               </c:numCache>
             </c:numRef>
@@ -6778,7 +6749,7 @@
                 <c:formatCode>General</c:formatCode>
                 <c:ptCount val="1"/>
                 <c:pt idx="0">
-                  <c:v>8</c:v>
+                  <c:v>5</c:v>
                 </c:pt>
               </c:numCache>
             </c:numRef>
@@ -6817,7 +6788,7 @@
                 <c:formatCode>General</c:formatCode>
                 <c:ptCount val="1"/>
                 <c:pt idx="0">
-                  <c:v>8</c:v>
+                  <c:v>6</c:v>
                 </c:pt>
               </c:numCache>
             </c:numRef>
@@ -6856,7 +6827,7 @@
                 <c:formatCode>General</c:formatCode>
                 <c:ptCount val="1"/>
                 <c:pt idx="0">
-                  <c:v>10</c:v>
+                  <c:v>8</c:v>
                 </c:pt>
               </c:numCache>
             </c:numRef>
@@ -6895,7 +6866,7 @@
                 <c:formatCode>General</c:formatCode>
                 <c:ptCount val="1"/>
                 <c:pt idx="0">
-                  <c:v>13</c:v>
+                  <c:v>10</c:v>
                 </c:pt>
               </c:numCache>
             </c:numRef>
@@ -6915,6 +6886,11 @@
               </c:strCache>
             </c:strRef>
           </c:tx>
+          <c:spPr>
+            <a:solidFill>
+              <a:schemeClr val="accent2"/>
+            </a:solidFill>
+          </c:spPr>
           <c:invertIfNegative val="0"/>
           <c:cat>
             <c:strRef>
@@ -6934,7 +6910,7 @@
                 <c:formatCode>General</c:formatCode>
                 <c:ptCount val="1"/>
                 <c:pt idx="0">
-                  <c:v>11</c:v>
+                  <c:v>13</c:v>
                 </c:pt>
               </c:numCache>
             </c:numRef>
@@ -6973,7 +6949,7 @@
                 <c:formatCode>General</c:formatCode>
                 <c:ptCount val="1"/>
                 <c:pt idx="0">
-                  <c:v>10</c:v>
+                  <c:v>15</c:v>
                 </c:pt>
               </c:numCache>
             </c:numRef>
@@ -7012,7 +6988,7 @@
                 <c:formatCode>General</c:formatCode>
                 <c:ptCount val="1"/>
                 <c:pt idx="0">
-                  <c:v>8</c:v>
+                  <c:v>13</c:v>
                 </c:pt>
               </c:numCache>
             </c:numRef>
@@ -7051,7 +7027,7 @@
                 <c:formatCode>General</c:formatCode>
                 <c:ptCount val="1"/>
                 <c:pt idx="0">
-                  <c:v>7</c:v>
+                  <c:v>13</c:v>
                 </c:pt>
               </c:numCache>
             </c:numRef>
@@ -7090,7 +7066,7 @@
                 <c:formatCode>General</c:formatCode>
                 <c:ptCount val="1"/>
                 <c:pt idx="0">
-                  <c:v>6</c:v>
+                  <c:v>11</c:v>
                 </c:pt>
               </c:numCache>
             </c:numRef>
@@ -7105,11 +7081,11 @@
           <c:showBubbleSize val="0"/>
         </c:dLbls>
         <c:gapWidth val="150"/>
-        <c:axId val="39819264"/>
-        <c:axId val="70756608"/>
+        <c:axId val="45761024"/>
+        <c:axId val="39694848"/>
       </c:barChart>
       <c:catAx>
-        <c:axId val="39819264"/>
+        <c:axId val="45761024"/>
         <c:scaling>
           <c:orientation val="minMax"/>
         </c:scaling>
@@ -7118,7 +7094,7 @@
         <c:majorTickMark val="out"/>
         <c:minorTickMark val="none"/>
         <c:tickLblPos val="nextTo"/>
-        <c:crossAx val="70756608"/>
+        <c:crossAx val="39694848"/>
         <c:crosses val="autoZero"/>
         <c:auto val="1"/>
         <c:lblAlgn val="ctr"/>
@@ -7126,7 +7102,7 @@
         <c:noMultiLvlLbl val="0"/>
       </c:catAx>
       <c:valAx>
-        <c:axId val="70756608"/>
+        <c:axId val="39694848"/>
         <c:scaling>
           <c:orientation val="minMax"/>
         </c:scaling>
@@ -7143,7 +7119,7 @@
         <c:majorTickMark val="out"/>
         <c:minorTickMark val="none"/>
         <c:tickLblPos val="nextTo"/>
-        <c:crossAx val="39819264"/>
+        <c:crossAx val="45761024"/>
         <c:crosses val="autoZero"/>
         <c:crossBetween val="between"/>
       </c:valAx>
@@ -7175,10 +7151,10 @@
   <c:roundedCorners val="0"/>
   <mc:AlternateContent xmlns:mc="http://schemas.openxmlformats.org/markup-compatibility/2006">
     <mc:Choice xmlns:c14="http://schemas.microsoft.com/office/drawing/2007/8/2/chart" Requires="c14">
-      <c14:style val="134"/>
+      <c14:style val="133"/>
     </mc:Choice>
     <mc:Fallback>
-      <c:style val="34"/>
+      <c:style val="33"/>
     </mc:Fallback>
   </mc:AlternateContent>
   <c:chart>
@@ -7222,7 +7198,7 @@
                 <c:formatCode>General</c:formatCode>
                 <c:ptCount val="1"/>
                 <c:pt idx="0">
-                  <c:v>5</c:v>
+                  <c:v>1</c:v>
                 </c:pt>
               </c:numCache>
             </c:numRef>
@@ -7261,7 +7237,7 @@
                 <c:formatCode>General</c:formatCode>
                 <c:ptCount val="1"/>
                 <c:pt idx="0">
-                  <c:v>7</c:v>
+                  <c:v>2</c:v>
                 </c:pt>
               </c:numCache>
             </c:numRef>
@@ -7300,7 +7276,7 @@
                 <c:formatCode>General</c:formatCode>
                 <c:ptCount val="1"/>
                 <c:pt idx="0">
-                  <c:v>7</c:v>
+                  <c:v>3</c:v>
                 </c:pt>
               </c:numCache>
             </c:numRef>
@@ -7339,7 +7315,7 @@
                 <c:formatCode>General</c:formatCode>
                 <c:ptCount val="1"/>
                 <c:pt idx="0">
-                  <c:v>8</c:v>
+                  <c:v>5</c:v>
                 </c:pt>
               </c:numCache>
             </c:numRef>
@@ -7378,7 +7354,7 @@
                 <c:formatCode>General</c:formatCode>
                 <c:ptCount val="1"/>
                 <c:pt idx="0">
-                  <c:v>8</c:v>
+                  <c:v>6</c:v>
                 </c:pt>
               </c:numCache>
             </c:numRef>
@@ -7417,7 +7393,7 @@
                 <c:formatCode>General</c:formatCode>
                 <c:ptCount val="1"/>
                 <c:pt idx="0">
-                  <c:v>10</c:v>
+                  <c:v>8</c:v>
                 </c:pt>
               </c:numCache>
             </c:numRef>
@@ -7456,7 +7432,7 @@
                 <c:formatCode>General</c:formatCode>
                 <c:ptCount val="1"/>
                 <c:pt idx="0">
-                  <c:v>13</c:v>
+                  <c:v>10</c:v>
                 </c:pt>
               </c:numCache>
             </c:numRef>
@@ -7476,6 +7452,11 @@
               </c:strCache>
             </c:strRef>
           </c:tx>
+          <c:spPr>
+            <a:solidFill>
+              <a:schemeClr val="accent2"/>
+            </a:solidFill>
+          </c:spPr>
           <c:invertIfNegative val="0"/>
           <c:cat>
             <c:strRef>
@@ -7495,7 +7476,7 @@
                 <c:formatCode>General</c:formatCode>
                 <c:ptCount val="1"/>
                 <c:pt idx="0">
-                  <c:v>11</c:v>
+                  <c:v>13</c:v>
                 </c:pt>
               </c:numCache>
             </c:numRef>
@@ -7534,7 +7515,7 @@
                 <c:formatCode>General</c:formatCode>
                 <c:ptCount val="1"/>
                 <c:pt idx="0">
-                  <c:v>10</c:v>
+                  <c:v>15</c:v>
                 </c:pt>
               </c:numCache>
             </c:numRef>
@@ -7573,7 +7554,7 @@
                 <c:formatCode>General</c:formatCode>
                 <c:ptCount val="1"/>
                 <c:pt idx="0">
-                  <c:v>8</c:v>
+                  <c:v>13</c:v>
                 </c:pt>
               </c:numCache>
             </c:numRef>
@@ -7612,7 +7593,7 @@
                 <c:formatCode>General</c:formatCode>
                 <c:ptCount val="1"/>
                 <c:pt idx="0">
-                  <c:v>7</c:v>
+                  <c:v>13</c:v>
                 </c:pt>
               </c:numCache>
             </c:numRef>
@@ -7651,7 +7632,7 @@
                 <c:formatCode>General</c:formatCode>
                 <c:ptCount val="1"/>
                 <c:pt idx="0">
-                  <c:v>6</c:v>
+                  <c:v>11</c:v>
                 </c:pt>
               </c:numCache>
             </c:numRef>
@@ -7667,11 +7648,11 @@
         </c:dLbls>
         <c:gapWidth val="150"/>
         <c:overlap val="100"/>
-        <c:axId val="39668224"/>
-        <c:axId val="40543936"/>
+        <c:axId val="45298176"/>
+        <c:axId val="88110720"/>
       </c:barChart>
       <c:catAx>
-        <c:axId val="39668224"/>
+        <c:axId val="45298176"/>
         <c:scaling>
           <c:orientation val="minMax"/>
         </c:scaling>
@@ -7680,7 +7661,7 @@
         <c:majorTickMark val="out"/>
         <c:minorTickMark val="none"/>
         <c:tickLblPos val="nextTo"/>
-        <c:crossAx val="40543936"/>
+        <c:crossAx val="88110720"/>
         <c:crosses val="autoZero"/>
         <c:auto val="1"/>
         <c:lblAlgn val="ctr"/>
@@ -7688,7 +7669,7 @@
         <c:noMultiLvlLbl val="0"/>
       </c:catAx>
       <c:valAx>
-        <c:axId val="40543936"/>
+        <c:axId val="88110720"/>
         <c:scaling>
           <c:orientation val="minMax"/>
           <c:max val="100"/>
@@ -7706,7 +7687,7 @@
         <c:majorTickMark val="out"/>
         <c:minorTickMark val="none"/>
         <c:tickLblPos val="nextTo"/>
-        <c:crossAx val="39668224"/>
+        <c:crossAx val="45298176"/>
         <c:crosses val="autoZero"/>
         <c:crossBetween val="between"/>
       </c:valAx>
@@ -7738,10 +7719,10 @@
   <c:roundedCorners val="0"/>
   <mc:AlternateContent xmlns:mc="http://schemas.openxmlformats.org/markup-compatibility/2006">
     <mc:Choice xmlns:c14="http://schemas.microsoft.com/office/drawing/2007/8/2/chart" Requires="c14">
-      <c14:style val="134"/>
+      <c14:style val="133"/>
     </mc:Choice>
     <mc:Fallback>
-      <c:style val="34"/>
+      <c:style val="33"/>
     </mc:Fallback>
   </mc:AlternateContent>
   <c:chart>
@@ -7764,6 +7745,15 @@
               </c:strCache>
             </c:strRef>
           </c:tx>
+          <c:dPt>
+            <c:idx val="7"/>
+            <c:bubble3D val="0"/>
+            <c:spPr>
+              <a:solidFill>
+                <a:schemeClr val="accent2"/>
+              </a:solidFill>
+            </c:spPr>
+          </c:dPt>
           <c:cat>
             <c:numRef>
               <c:f>Sheet1!$A$2:$A$13</c:f>
@@ -7780,40 +7770,40 @@
                 <c:formatCode>General</c:formatCode>
                 <c:ptCount val="12"/>
                 <c:pt idx="0">
+                  <c:v>1</c:v>
+                </c:pt>
+                <c:pt idx="1">
+                  <c:v>2</c:v>
+                </c:pt>
+                <c:pt idx="2">
+                  <c:v>3</c:v>
+                </c:pt>
+                <c:pt idx="3">
                   <c:v>5</c:v>
                 </c:pt>
-                <c:pt idx="1">
-                  <c:v>7</c:v>
-                </c:pt>
-                <c:pt idx="2">
-                  <c:v>7</c:v>
-                </c:pt>
-                <c:pt idx="3">
+                <c:pt idx="4">
+                  <c:v>6</c:v>
+                </c:pt>
+                <c:pt idx="5">
                   <c:v>8</c:v>
                 </c:pt>
-                <c:pt idx="4">
-                  <c:v>8</c:v>
-                </c:pt>
-                <c:pt idx="5">
+                <c:pt idx="6">
                   <c:v>10</c:v>
                 </c:pt>
-                <c:pt idx="6">
+                <c:pt idx="7">
                   <c:v>13</c:v>
                 </c:pt>
-                <c:pt idx="7">
+                <c:pt idx="8">
+                  <c:v>15</c:v>
+                </c:pt>
+                <c:pt idx="9">
+                  <c:v>13</c:v>
+                </c:pt>
+                <c:pt idx="10">
+                  <c:v>13</c:v>
+                </c:pt>
+                <c:pt idx="11">
                   <c:v>11</c:v>
-                </c:pt>
-                <c:pt idx="8">
-                  <c:v>10</c:v>
-                </c:pt>
-                <c:pt idx="9">
-                  <c:v>8</c:v>
-                </c:pt>
-                <c:pt idx="10">
-                  <c:v>7</c:v>
-                </c:pt>
-                <c:pt idx="11">
-                  <c:v>6</c:v>
                 </c:pt>
               </c:numCache>
             </c:numRef>
@@ -7859,10 +7849,10 @@
   <c:roundedCorners val="0"/>
   <mc:AlternateContent xmlns:mc="http://schemas.openxmlformats.org/markup-compatibility/2006">
     <mc:Choice xmlns:c14="http://schemas.microsoft.com/office/drawing/2007/8/2/chart" Requires="c14">
-      <c14:style val="134"/>
+      <c14:style val="133"/>
     </mc:Choice>
     <mc:Fallback>
-      <c:style val="34"/>
+      <c:style val="33"/>
     </mc:Fallback>
   </mc:AlternateContent>
   <c:chart>
@@ -7906,7 +7896,7 @@
                 <c:formatCode>General</c:formatCode>
                 <c:ptCount val="1"/>
                 <c:pt idx="0">
-                  <c:v>3</c:v>
+                  <c:v>5</c:v>
                 </c:pt>
               </c:numCache>
             </c:numRef>
@@ -7945,7 +7935,7 @@
                 <c:formatCode>General</c:formatCode>
                 <c:ptCount val="1"/>
                 <c:pt idx="0">
-                  <c:v>4.5</c:v>
+                  <c:v>7</c:v>
                 </c:pt>
               </c:numCache>
             </c:numRef>
@@ -7984,7 +7974,7 @@
                 <c:formatCode>General</c:formatCode>
                 <c:ptCount val="1"/>
                 <c:pt idx="0">
-                  <c:v>5</c:v>
+                  <c:v>7</c:v>
                 </c:pt>
               </c:numCache>
             </c:numRef>
@@ -8023,7 +8013,7 @@
                 <c:formatCode>General</c:formatCode>
                 <c:ptCount val="1"/>
                 <c:pt idx="0">
-                  <c:v>6.5</c:v>
+                  <c:v>8</c:v>
                 </c:pt>
               </c:numCache>
             </c:numRef>
@@ -8062,7 +8052,7 @@
                 <c:formatCode>General</c:formatCode>
                 <c:ptCount val="1"/>
                 <c:pt idx="0">
-                  <c:v>7</c:v>
+                  <c:v>8</c:v>
                 </c:pt>
               </c:numCache>
             </c:numRef>
@@ -8101,7 +8091,7 @@
                 <c:formatCode>General</c:formatCode>
                 <c:ptCount val="1"/>
                 <c:pt idx="0">
-                  <c:v>9</c:v>
+                  <c:v>10</c:v>
                 </c:pt>
               </c:numCache>
             </c:numRef>
@@ -8140,7 +8130,7 @@
                 <c:formatCode>General</c:formatCode>
                 <c:ptCount val="1"/>
                 <c:pt idx="0">
-                  <c:v>11.5</c:v>
+                  <c:v>13</c:v>
                 </c:pt>
               </c:numCache>
             </c:numRef>
@@ -8161,6 +8151,16 @@
             </c:strRef>
           </c:tx>
           <c:invertIfNegative val="0"/>
+          <c:dPt>
+            <c:idx val="0"/>
+            <c:invertIfNegative val="0"/>
+            <c:bubble3D val="0"/>
+            <c:spPr>
+              <a:solidFill>
+                <a:schemeClr val="accent2"/>
+              </a:solidFill>
+            </c:spPr>
+          </c:dPt>
           <c:cat>
             <c:strRef>
               <c:f>Sheet1!$A$2</c:f>
@@ -8179,7 +8179,7 @@
                 <c:formatCode>General</c:formatCode>
                 <c:ptCount val="1"/>
                 <c:pt idx="0">
-                  <c:v>12</c:v>
+                  <c:v>11</c:v>
                 </c:pt>
               </c:numCache>
             </c:numRef>
@@ -8218,7 +8218,7 @@
                 <c:formatCode>General</c:formatCode>
                 <c:ptCount val="1"/>
                 <c:pt idx="0">
-                  <c:v>12.5</c:v>
+                  <c:v>10</c:v>
                 </c:pt>
               </c:numCache>
             </c:numRef>
@@ -8257,7 +8257,7 @@
                 <c:formatCode>General</c:formatCode>
                 <c:ptCount val="1"/>
                 <c:pt idx="0">
-                  <c:v>10.5</c:v>
+                  <c:v>8</c:v>
                 </c:pt>
               </c:numCache>
             </c:numRef>
@@ -8296,7 +8296,7 @@
                 <c:formatCode>General</c:formatCode>
                 <c:ptCount val="1"/>
                 <c:pt idx="0">
-                  <c:v>10</c:v>
+                  <c:v>7</c:v>
                 </c:pt>
               </c:numCache>
             </c:numRef>
@@ -8335,7 +8335,7 @@
                 <c:formatCode>General</c:formatCode>
                 <c:ptCount val="1"/>
                 <c:pt idx="0">
-                  <c:v>8.5</c:v>
+                  <c:v>6</c:v>
                 </c:pt>
               </c:numCache>
             </c:numRef>
@@ -8350,11 +8350,11 @@
           <c:showBubbleSize val="0"/>
         </c:dLbls>
         <c:gapWidth val="150"/>
-        <c:axId val="33271296"/>
-        <c:axId val="40549696"/>
+        <c:axId val="45297664"/>
+        <c:axId val="82118912"/>
       </c:barChart>
       <c:catAx>
-        <c:axId val="33271296"/>
+        <c:axId val="45297664"/>
         <c:scaling>
           <c:orientation val="minMax"/>
         </c:scaling>
@@ -8363,7 +8363,7 @@
         <c:majorTickMark val="out"/>
         <c:minorTickMark val="none"/>
         <c:tickLblPos val="nextTo"/>
-        <c:crossAx val="40549696"/>
+        <c:crossAx val="82118912"/>
         <c:crosses val="autoZero"/>
         <c:auto val="1"/>
         <c:lblAlgn val="ctr"/>
@@ -8371,7 +8371,7 @@
         <c:noMultiLvlLbl val="0"/>
       </c:catAx>
       <c:valAx>
-        <c:axId val="40549696"/>
+        <c:axId val="82118912"/>
         <c:scaling>
           <c:orientation val="minMax"/>
         </c:scaling>
@@ -8388,7 +8388,7 @@
         <c:majorTickMark val="out"/>
         <c:minorTickMark val="none"/>
         <c:tickLblPos val="nextTo"/>
-        <c:crossAx val="33271296"/>
+        <c:crossAx val="45297664"/>
         <c:crosses val="autoZero"/>
         <c:crossBetween val="between"/>
       </c:valAx>
@@ -11490,11 +11490,7 @@
             <a:pPr lvl="2"/>
             <a:r>
               <a:rPr lang="ko-KR" altLang="en-US" sz="1600" dirty="0" smtClean="0"/>
-              <a:t>기존에 </a:t>
-            </a:r>
-            <a:r>
-              <a:rPr lang="ko-KR" altLang="en-US" sz="1600" dirty="0" smtClean="0"/>
-              <a:t>인구 문제에 크게 관심이 없던 </a:t>
+              <a:t>기존에 인구 문제에 크게 관심이 없던 </a:t>
             </a:r>
             <a:r>
               <a:rPr lang="en-US" altLang="ko-KR" sz="1600" dirty="0" smtClean="0"/>
@@ -11502,11 +11498,7 @@
             </a:r>
             <a:r>
               <a:rPr lang="ko-KR" altLang="en-US" sz="1600" dirty="0" smtClean="0"/>
-              <a:t>대 이공계 </a:t>
-            </a:r>
-            <a:r>
-              <a:rPr lang="ko-KR" altLang="en-US" sz="1600" dirty="0" smtClean="0"/>
-              <a:t>사람들</a:t>
+              <a:t>대 이공계 사람들</a:t>
             </a:r>
             <a:endParaRPr lang="en-US" altLang="ko-KR" sz="2000" dirty="0" smtClean="0"/>
           </a:p>
@@ -11530,11 +11522,7 @@
             </a:r>
             <a:r>
               <a:rPr lang="ko-KR" altLang="en-US" sz="1600" dirty="0" smtClean="0"/>
-              <a:t> </a:t>
-            </a:r>
-            <a:r>
-              <a:rPr lang="ko-KR" altLang="en-US" sz="1600" dirty="0" smtClean="0"/>
-              <a:t>함</a:t>
+              <a:t> 함</a:t>
             </a:r>
             <a:endParaRPr lang="en-US" altLang="ko-KR" sz="1600" dirty="0" smtClean="0"/>
           </a:p>
@@ -11544,7 +11532,6 @@
               <a:rPr lang="en-US" altLang="ko-KR" sz="2000" dirty="0" smtClean="0"/>
               <a:t>secondary persona</a:t>
             </a:r>
-            <a:endParaRPr lang="en-US" altLang="ko-KR" sz="2000" dirty="0" smtClean="0"/>
           </a:p>
           <a:p>
             <a:pPr lvl="2"/>
@@ -12297,815 +12284,6 @@
 </file>
 
 <file path=ppt/slides/slide5.xml><?xml version="1.0" encoding="utf-8"?>
-<p:sld xmlns:a="http://schemas.openxmlformats.org/drawingml/2006/main" xmlns:r="http://schemas.openxmlformats.org/officeDocument/2006/relationships" xmlns:p="http://schemas.openxmlformats.org/presentationml/2006/main">
-  <p:cSld>
-    <p:spTree>
-      <p:nvGrpSpPr>
-        <p:cNvPr id="1" name=""/>
-        <p:cNvGrpSpPr/>
-        <p:nvPr/>
-      </p:nvGrpSpPr>
-      <p:grpSpPr>
-        <a:xfrm>
-          <a:off x="0" y="0"/>
-          <a:ext cx="0" cy="0"/>
-          <a:chOff x="0" y="0"/>
-          <a:chExt cx="0" cy="0"/>
-        </a:xfrm>
-      </p:grpSpPr>
-      <p:sp>
-        <p:nvSpPr>
-          <p:cNvPr id="4" name="제목 3"/>
-          <p:cNvSpPr>
-            <a:spLocks noGrp="1"/>
-          </p:cNvSpPr>
-          <p:nvPr>
-            <p:ph type="title"/>
-          </p:nvPr>
-        </p:nvSpPr>
-        <p:spPr>
-          <a:xfrm>
-            <a:off x="457200" y="116632"/>
-            <a:ext cx="8229600" cy="1143000"/>
-          </a:xfrm>
-        </p:spPr>
-        <p:txBody>
-          <a:bodyPr/>
-          <a:lstStyle/>
-          <a:p>
-            <a:r>
-              <a:rPr lang="ko-KR" altLang="en-US" dirty="0" smtClean="0"/>
-              <a:t>왜 </a:t>
-            </a:r>
-            <a:r>
-              <a:rPr lang="en-US" altLang="ko-KR" dirty="0" smtClean="0"/>
-              <a:t>ring chart?</a:t>
-            </a:r>
-            <a:endParaRPr lang="ko-KR" altLang="en-US" dirty="0"/>
-          </a:p>
-        </p:txBody>
-      </p:sp>
-      <p:graphicFrame>
-        <p:nvGraphicFramePr>
-          <p:cNvPr id="6" name="차트 5"/>
-          <p:cNvGraphicFramePr/>
-          <p:nvPr>
-            <p:extLst>
-              <p:ext uri="{D42A27DB-BD31-4B8C-83A1-F6EECF244321}">
-                <p14:modId xmlns:p14="http://schemas.microsoft.com/office/powerpoint/2010/main" val="3655212349"/>
-              </p:ext>
-            </p:extLst>
-          </p:nvPr>
-        </p:nvGraphicFramePr>
-        <p:xfrm>
-          <a:off x="611560" y="3501008"/>
-          <a:ext cx="3960440" cy="1296144"/>
-        </p:xfrm>
-        <a:graphic>
-          <a:graphicData uri="http://schemas.openxmlformats.org/drawingml/2006/chart">
-            <c:chart xmlns:c="http://schemas.openxmlformats.org/drawingml/2006/chart" xmlns:r="http://schemas.openxmlformats.org/officeDocument/2006/relationships" r:id="rId2"/>
-          </a:graphicData>
-        </a:graphic>
-      </p:graphicFrame>
-      <p:graphicFrame>
-        <p:nvGraphicFramePr>
-          <p:cNvPr id="12" name="내용 개체 틀 2"/>
-          <p:cNvGraphicFramePr>
-            <a:graphicFrameLocks noGrp="1"/>
-          </p:cNvGraphicFramePr>
-          <p:nvPr>
-            <p:ph idx="1"/>
-            <p:extLst>
-              <p:ext uri="{D42A27DB-BD31-4B8C-83A1-F6EECF244321}">
-                <p14:modId xmlns:p14="http://schemas.microsoft.com/office/powerpoint/2010/main" val="1514271901"/>
-              </p:ext>
-            </p:extLst>
-          </p:nvPr>
-        </p:nvGraphicFramePr>
-        <p:xfrm>
-          <a:off x="4788024" y="1844824"/>
-          <a:ext cx="3672408" cy="2448272"/>
-        </p:xfrm>
-        <a:graphic>
-          <a:graphicData uri="http://schemas.openxmlformats.org/drawingml/2006/chart">
-            <c:chart xmlns:c="http://schemas.openxmlformats.org/drawingml/2006/chart" xmlns:r="http://schemas.openxmlformats.org/officeDocument/2006/relationships" r:id="rId3"/>
-          </a:graphicData>
-        </a:graphic>
-      </p:graphicFrame>
-      <p:sp>
-        <p:nvSpPr>
-          <p:cNvPr id="5" name="직사각형 4"/>
-          <p:cNvSpPr/>
-          <p:nvPr/>
-        </p:nvSpPr>
-        <p:spPr>
-          <a:xfrm>
-            <a:off x="611560" y="5013176"/>
-            <a:ext cx="7632848" cy="1477328"/>
-          </a:xfrm>
-          <a:prstGeom prst="rect">
-            <a:avLst/>
-          </a:prstGeom>
-        </p:spPr>
-        <p:txBody>
-          <a:bodyPr wrap="square">
-            <a:spAutoFit/>
-          </a:bodyPr>
-          <a:lstStyle/>
-          <a:p>
-            <a:pPr marL="285750" indent="-285750">
-              <a:buFont typeface="Arial" panose="020B0604020202020204" pitchFamily="34" charset="0"/>
-              <a:buChar char="•"/>
-            </a:pPr>
-            <a:r>
-              <a:rPr lang="ko-KR" altLang="en-US" dirty="0" smtClean="0"/>
-              <a:t>하위 계층</a:t>
-            </a:r>
-            <a:r>
-              <a:rPr lang="en-US" altLang="ko-KR" dirty="0" smtClean="0"/>
-              <a:t>: </a:t>
-            </a:r>
-            <a:r>
-              <a:rPr lang="ko-KR" altLang="en-US" dirty="0" smtClean="0"/>
-              <a:t>더 세분화된 연령대별 분포</a:t>
-            </a:r>
-            <a:endParaRPr lang="en-US" altLang="ko-KR" dirty="0" smtClean="0"/>
-          </a:p>
-          <a:p>
-            <a:pPr marL="742950" lvl="1" indent="-285750">
-              <a:buFont typeface="Arial" panose="020B0604020202020204" pitchFamily="34" charset="0"/>
-              <a:buChar char="•"/>
-            </a:pPr>
-            <a:r>
-              <a:rPr lang="ko-KR" altLang="en-US" dirty="0" smtClean="0"/>
-              <a:t>위치에 따라서 분포 알려주기</a:t>
-            </a:r>
-            <a:endParaRPr lang="en-US" altLang="ko-KR" dirty="0" smtClean="0"/>
-          </a:p>
-          <a:p>
-            <a:pPr marL="285750" indent="-285750">
-              <a:buFont typeface="Arial" panose="020B0604020202020204" pitchFamily="34" charset="0"/>
-              <a:buChar char="•"/>
-            </a:pPr>
-            <a:r>
-              <a:rPr lang="ko-KR" altLang="en-US" dirty="0" smtClean="0"/>
-              <a:t>시간을 </a:t>
-            </a:r>
-            <a:r>
-              <a:rPr lang="ko-KR" altLang="en-US" dirty="0"/>
-              <a:t>변화시킬 </a:t>
-            </a:r>
-            <a:r>
-              <a:rPr lang="ko-KR" altLang="en-US" dirty="0" smtClean="0"/>
-              <a:t>때</a:t>
-            </a:r>
-            <a:endParaRPr lang="en-US" altLang="ko-KR" dirty="0" smtClean="0"/>
-          </a:p>
-          <a:p>
-            <a:pPr marL="742950" lvl="1" indent="-285750">
-              <a:buFont typeface="Arial" panose="020B0604020202020204" pitchFamily="34" charset="0"/>
-              <a:buChar char="•"/>
-            </a:pPr>
-            <a:r>
-              <a:rPr lang="ko-KR" altLang="en-US" dirty="0" smtClean="0"/>
-              <a:t>바퀴가 </a:t>
-            </a:r>
-            <a:r>
-              <a:rPr lang="ko-KR" altLang="en-US" dirty="0"/>
-              <a:t>돌아가는 듯한 느낌으로 변화하는 과정을 잘 </a:t>
-            </a:r>
-            <a:r>
-              <a:rPr lang="ko-KR" altLang="en-US" dirty="0" smtClean="0"/>
-              <a:t>보여줌</a:t>
-            </a:r>
-            <a:endParaRPr lang="en-US" altLang="ko-KR" dirty="0" smtClean="0"/>
-          </a:p>
-          <a:p>
-            <a:pPr marL="742950" lvl="1" indent="-285750">
-              <a:buFont typeface="Arial" panose="020B0604020202020204" pitchFamily="34" charset="0"/>
-              <a:buChar char="•"/>
-            </a:pPr>
-            <a:r>
-              <a:rPr lang="ko-KR" altLang="en-US" dirty="0" smtClean="0"/>
-              <a:t>분포 변화에 따른 특정 연령의 위치 변화 등이 더 잘 보임</a:t>
-            </a:r>
-            <a:endParaRPr lang="ko-KR" altLang="en-US" dirty="0"/>
-          </a:p>
-        </p:txBody>
-      </p:sp>
-      <p:graphicFrame>
-        <p:nvGraphicFramePr>
-          <p:cNvPr id="8" name="차트 7"/>
-          <p:cNvGraphicFramePr/>
-          <p:nvPr>
-            <p:extLst>
-              <p:ext uri="{D42A27DB-BD31-4B8C-83A1-F6EECF244321}">
-                <p14:modId xmlns:p14="http://schemas.microsoft.com/office/powerpoint/2010/main" val="786511677"/>
-              </p:ext>
-            </p:extLst>
-          </p:nvPr>
-        </p:nvGraphicFramePr>
-        <p:xfrm>
-          <a:off x="611560" y="1412776"/>
-          <a:ext cx="3960440" cy="2016224"/>
-        </p:xfrm>
-        <a:graphic>
-          <a:graphicData uri="http://schemas.openxmlformats.org/drawingml/2006/chart">
-            <c:chart xmlns:c="http://schemas.openxmlformats.org/drawingml/2006/chart" xmlns:r="http://schemas.openxmlformats.org/officeDocument/2006/relationships" r:id="rId4"/>
-          </a:graphicData>
-        </a:graphic>
-      </p:graphicFrame>
-    </p:spTree>
-    <p:extLst>
-      <p:ext uri="{BB962C8B-B14F-4D97-AF65-F5344CB8AC3E}">
-        <p14:creationId xmlns:p14="http://schemas.microsoft.com/office/powerpoint/2010/main" val="857784927"/>
-      </p:ext>
-    </p:extLst>
-  </p:cSld>
-  <p:clrMapOvr>
-    <a:masterClrMapping/>
-  </p:clrMapOvr>
-  <p:timing>
-    <p:tnLst>
-      <p:par>
-        <p:cTn id="1" dur="indefinite" restart="never" nodeType="tmRoot"/>
-      </p:par>
-    </p:tnLst>
-  </p:timing>
-</p:sld>
-</file>
-
-<file path=ppt/slides/slide6.xml><?xml version="1.0" encoding="utf-8"?>
-<p:sld xmlns:a="http://schemas.openxmlformats.org/drawingml/2006/main" xmlns:r="http://schemas.openxmlformats.org/officeDocument/2006/relationships" xmlns:p="http://schemas.openxmlformats.org/presentationml/2006/main">
-  <p:cSld>
-    <p:spTree>
-      <p:nvGrpSpPr>
-        <p:cNvPr id="1" name=""/>
-        <p:cNvGrpSpPr/>
-        <p:nvPr/>
-      </p:nvGrpSpPr>
-      <p:grpSpPr>
-        <a:xfrm>
-          <a:off x="0" y="0"/>
-          <a:ext cx="0" cy="0"/>
-          <a:chOff x="0" y="0"/>
-          <a:chExt cx="0" cy="0"/>
-        </a:xfrm>
-      </p:grpSpPr>
-      <p:sp>
-        <p:nvSpPr>
-          <p:cNvPr id="4" name="제목 3"/>
-          <p:cNvSpPr>
-            <a:spLocks noGrp="1"/>
-          </p:cNvSpPr>
-          <p:nvPr>
-            <p:ph type="title"/>
-          </p:nvPr>
-        </p:nvSpPr>
-        <p:spPr>
-          <a:xfrm>
-            <a:off x="457200" y="116632"/>
-            <a:ext cx="8229600" cy="1143000"/>
-          </a:xfrm>
-        </p:spPr>
-        <p:txBody>
-          <a:bodyPr/>
-          <a:lstStyle/>
-          <a:p>
-            <a:r>
-              <a:rPr lang="ko-KR" altLang="en-US" dirty="0" smtClean="0"/>
-              <a:t>왜 </a:t>
-            </a:r>
-            <a:r>
-              <a:rPr lang="en-US" altLang="ko-KR" dirty="0" smtClean="0"/>
-              <a:t>ring chart?</a:t>
-            </a:r>
-            <a:endParaRPr lang="ko-KR" altLang="en-US" dirty="0"/>
-          </a:p>
-        </p:txBody>
-      </p:sp>
-      <p:graphicFrame>
-        <p:nvGraphicFramePr>
-          <p:cNvPr id="6" name="차트 5"/>
-          <p:cNvGraphicFramePr/>
-          <p:nvPr>
-            <p:extLst>
-              <p:ext uri="{D42A27DB-BD31-4B8C-83A1-F6EECF244321}">
-                <p14:modId xmlns:p14="http://schemas.microsoft.com/office/powerpoint/2010/main" val="9528156"/>
-              </p:ext>
-            </p:extLst>
-          </p:nvPr>
-        </p:nvGraphicFramePr>
-        <p:xfrm>
-          <a:off x="611560" y="3501008"/>
-          <a:ext cx="3960440" cy="1296144"/>
-        </p:xfrm>
-        <a:graphic>
-          <a:graphicData uri="http://schemas.openxmlformats.org/drawingml/2006/chart">
-            <c:chart xmlns:c="http://schemas.openxmlformats.org/drawingml/2006/chart" xmlns:r="http://schemas.openxmlformats.org/officeDocument/2006/relationships" r:id="rId2"/>
-          </a:graphicData>
-        </a:graphic>
-      </p:graphicFrame>
-      <p:graphicFrame>
-        <p:nvGraphicFramePr>
-          <p:cNvPr id="12" name="내용 개체 틀 2"/>
-          <p:cNvGraphicFramePr>
-            <a:graphicFrameLocks noGrp="1"/>
-          </p:cNvGraphicFramePr>
-          <p:nvPr>
-            <p:ph idx="1"/>
-            <p:extLst>
-              <p:ext uri="{D42A27DB-BD31-4B8C-83A1-F6EECF244321}">
-                <p14:modId xmlns:p14="http://schemas.microsoft.com/office/powerpoint/2010/main" val="812648289"/>
-              </p:ext>
-            </p:extLst>
-          </p:nvPr>
-        </p:nvGraphicFramePr>
-        <p:xfrm>
-          <a:off x="4788024" y="1844824"/>
-          <a:ext cx="3672408" cy="2448272"/>
-        </p:xfrm>
-        <a:graphic>
-          <a:graphicData uri="http://schemas.openxmlformats.org/drawingml/2006/chart">
-            <c:chart xmlns:c="http://schemas.openxmlformats.org/drawingml/2006/chart" xmlns:r="http://schemas.openxmlformats.org/officeDocument/2006/relationships" r:id="rId3"/>
-          </a:graphicData>
-        </a:graphic>
-      </p:graphicFrame>
-      <p:sp>
-        <p:nvSpPr>
-          <p:cNvPr id="5" name="직사각형 4"/>
-          <p:cNvSpPr/>
-          <p:nvPr/>
-        </p:nvSpPr>
-        <p:spPr>
-          <a:xfrm>
-            <a:off x="611560" y="5013176"/>
-            <a:ext cx="7632848" cy="1477328"/>
-          </a:xfrm>
-          <a:prstGeom prst="rect">
-            <a:avLst/>
-          </a:prstGeom>
-        </p:spPr>
-        <p:txBody>
-          <a:bodyPr wrap="square">
-            <a:spAutoFit/>
-          </a:bodyPr>
-          <a:lstStyle/>
-          <a:p>
-            <a:pPr marL="285750" indent="-285750">
-              <a:buFont typeface="Arial" panose="020B0604020202020204" pitchFamily="34" charset="0"/>
-              <a:buChar char="•"/>
-            </a:pPr>
-            <a:r>
-              <a:rPr lang="ko-KR" altLang="en-US" dirty="0" smtClean="0"/>
-              <a:t>하위 계층</a:t>
-            </a:r>
-            <a:r>
-              <a:rPr lang="en-US" altLang="ko-KR" dirty="0" smtClean="0"/>
-              <a:t>: </a:t>
-            </a:r>
-            <a:r>
-              <a:rPr lang="ko-KR" altLang="en-US" dirty="0" smtClean="0"/>
-              <a:t>더 세분화된 연령대별 분포</a:t>
-            </a:r>
-            <a:endParaRPr lang="en-US" altLang="ko-KR" dirty="0" smtClean="0"/>
-          </a:p>
-          <a:p>
-            <a:pPr marL="742950" lvl="1" indent="-285750">
-              <a:buFont typeface="Arial" panose="020B0604020202020204" pitchFamily="34" charset="0"/>
-              <a:buChar char="•"/>
-            </a:pPr>
-            <a:r>
-              <a:rPr lang="ko-KR" altLang="en-US" dirty="0" smtClean="0"/>
-              <a:t>위치에 따라서 분포 알려주기</a:t>
-            </a:r>
-            <a:endParaRPr lang="en-US" altLang="ko-KR" dirty="0" smtClean="0"/>
-          </a:p>
-          <a:p>
-            <a:pPr marL="285750" indent="-285750">
-              <a:buFont typeface="Arial" panose="020B0604020202020204" pitchFamily="34" charset="0"/>
-              <a:buChar char="•"/>
-            </a:pPr>
-            <a:r>
-              <a:rPr lang="ko-KR" altLang="en-US" dirty="0" smtClean="0"/>
-              <a:t>시간을 </a:t>
-            </a:r>
-            <a:r>
-              <a:rPr lang="ko-KR" altLang="en-US" dirty="0"/>
-              <a:t>변화시킬 </a:t>
-            </a:r>
-            <a:r>
-              <a:rPr lang="ko-KR" altLang="en-US" dirty="0" smtClean="0"/>
-              <a:t>때</a:t>
-            </a:r>
-            <a:endParaRPr lang="en-US" altLang="ko-KR" dirty="0" smtClean="0"/>
-          </a:p>
-          <a:p>
-            <a:pPr marL="742950" lvl="1" indent="-285750">
-              <a:buFont typeface="Arial" panose="020B0604020202020204" pitchFamily="34" charset="0"/>
-              <a:buChar char="•"/>
-            </a:pPr>
-            <a:r>
-              <a:rPr lang="ko-KR" altLang="en-US" dirty="0" smtClean="0"/>
-              <a:t>바퀴가 </a:t>
-            </a:r>
-            <a:r>
-              <a:rPr lang="ko-KR" altLang="en-US" dirty="0"/>
-              <a:t>돌아가는 듯한 느낌으로 변화하는 과정을 잘 </a:t>
-            </a:r>
-            <a:r>
-              <a:rPr lang="ko-KR" altLang="en-US" dirty="0" smtClean="0"/>
-              <a:t>보여줌</a:t>
-            </a:r>
-            <a:endParaRPr lang="en-US" altLang="ko-KR" dirty="0" smtClean="0"/>
-          </a:p>
-          <a:p>
-            <a:pPr marL="742950" lvl="1" indent="-285750">
-              <a:buFont typeface="Arial" panose="020B0604020202020204" pitchFamily="34" charset="0"/>
-              <a:buChar char="•"/>
-            </a:pPr>
-            <a:r>
-              <a:rPr lang="ko-KR" altLang="en-US" dirty="0" smtClean="0"/>
-              <a:t>분포 변화에 따른 특정 연령의 위치 변화 등이 더 잘 보임</a:t>
-            </a:r>
-            <a:endParaRPr lang="ko-KR" altLang="en-US" dirty="0"/>
-          </a:p>
-        </p:txBody>
-      </p:sp>
-      <p:graphicFrame>
-        <p:nvGraphicFramePr>
-          <p:cNvPr id="8" name="차트 7"/>
-          <p:cNvGraphicFramePr/>
-          <p:nvPr>
-            <p:extLst>
-              <p:ext uri="{D42A27DB-BD31-4B8C-83A1-F6EECF244321}">
-                <p14:modId xmlns:p14="http://schemas.microsoft.com/office/powerpoint/2010/main" val="4008062139"/>
-              </p:ext>
-            </p:extLst>
-          </p:nvPr>
-        </p:nvGraphicFramePr>
-        <p:xfrm>
-          <a:off x="611560" y="1412776"/>
-          <a:ext cx="3960440" cy="2016224"/>
-        </p:xfrm>
-        <a:graphic>
-          <a:graphicData uri="http://schemas.openxmlformats.org/drawingml/2006/chart">
-            <c:chart xmlns:c="http://schemas.openxmlformats.org/drawingml/2006/chart" xmlns:r="http://schemas.openxmlformats.org/officeDocument/2006/relationships" r:id="rId4"/>
-          </a:graphicData>
-        </a:graphic>
-      </p:graphicFrame>
-      <p:graphicFrame>
-        <p:nvGraphicFramePr>
-          <p:cNvPr id="7" name="내용 개체 틀 2"/>
-          <p:cNvGraphicFramePr>
-            <a:graphicFrameLocks/>
-          </p:cNvGraphicFramePr>
-          <p:nvPr>
-            <p:extLst>
-              <p:ext uri="{D42A27DB-BD31-4B8C-83A1-F6EECF244321}">
-                <p14:modId xmlns:p14="http://schemas.microsoft.com/office/powerpoint/2010/main" val="3224524035"/>
-              </p:ext>
-            </p:extLst>
-          </p:nvPr>
-        </p:nvGraphicFramePr>
-        <p:xfrm>
-          <a:off x="4788024" y="1844824"/>
-          <a:ext cx="3672408" cy="2448272"/>
-        </p:xfrm>
-        <a:graphic>
-          <a:graphicData uri="http://schemas.openxmlformats.org/drawingml/2006/chart">
-            <c:chart xmlns:c="http://schemas.openxmlformats.org/drawingml/2006/chart" xmlns:r="http://schemas.openxmlformats.org/officeDocument/2006/relationships" r:id="rId5"/>
-          </a:graphicData>
-        </a:graphic>
-      </p:graphicFrame>
-      <p:graphicFrame>
-        <p:nvGraphicFramePr>
-          <p:cNvPr id="9" name="차트 8"/>
-          <p:cNvGraphicFramePr/>
-          <p:nvPr>
-            <p:extLst>
-              <p:ext uri="{D42A27DB-BD31-4B8C-83A1-F6EECF244321}">
-                <p14:modId xmlns:p14="http://schemas.microsoft.com/office/powerpoint/2010/main" val="1185948358"/>
-              </p:ext>
-            </p:extLst>
-          </p:nvPr>
-        </p:nvGraphicFramePr>
-        <p:xfrm>
-          <a:off x="614082" y="3501008"/>
-          <a:ext cx="3957917" cy="1296144"/>
-        </p:xfrm>
-        <a:graphic>
-          <a:graphicData uri="http://schemas.openxmlformats.org/drawingml/2006/chart">
-            <c:chart xmlns:c="http://schemas.openxmlformats.org/drawingml/2006/chart" xmlns:r="http://schemas.openxmlformats.org/officeDocument/2006/relationships" r:id="rId6"/>
-          </a:graphicData>
-        </a:graphic>
-      </p:graphicFrame>
-    </p:spTree>
-    <p:extLst>
-      <p:ext uri="{BB962C8B-B14F-4D97-AF65-F5344CB8AC3E}">
-        <p14:creationId xmlns:p14="http://schemas.microsoft.com/office/powerpoint/2010/main" val="1379923413"/>
-      </p:ext>
-    </p:extLst>
-  </p:cSld>
-  <p:clrMapOvr>
-    <a:masterClrMapping/>
-  </p:clrMapOvr>
-  <p:timing>
-    <p:tnLst>
-      <p:par>
-        <p:cTn id="1" dur="indefinite" restart="never" nodeType="tmRoot"/>
-      </p:par>
-    </p:tnLst>
-  </p:timing>
-</p:sld>
-</file>
-
-<file path=ppt/slides/slide7.xml><?xml version="1.0" encoding="utf-8"?>
-<p:sld xmlns:a="http://schemas.openxmlformats.org/drawingml/2006/main" xmlns:r="http://schemas.openxmlformats.org/officeDocument/2006/relationships" xmlns:p="http://schemas.openxmlformats.org/presentationml/2006/main">
-  <p:cSld>
-    <p:spTree>
-      <p:nvGrpSpPr>
-        <p:cNvPr id="1" name=""/>
-        <p:cNvGrpSpPr/>
-        <p:nvPr/>
-      </p:nvGrpSpPr>
-      <p:grpSpPr>
-        <a:xfrm>
-          <a:off x="0" y="0"/>
-          <a:ext cx="0" cy="0"/>
-          <a:chOff x="0" y="0"/>
-          <a:chExt cx="0" cy="0"/>
-        </a:xfrm>
-      </p:grpSpPr>
-      <p:sp>
-        <p:nvSpPr>
-          <p:cNvPr id="4" name="제목 3"/>
-          <p:cNvSpPr>
-            <a:spLocks noGrp="1"/>
-          </p:cNvSpPr>
-          <p:nvPr>
-            <p:ph type="title"/>
-          </p:nvPr>
-        </p:nvSpPr>
-        <p:spPr>
-          <a:xfrm>
-            <a:off x="457200" y="116632"/>
-            <a:ext cx="8229600" cy="1143000"/>
-          </a:xfrm>
-        </p:spPr>
-        <p:txBody>
-          <a:bodyPr/>
-          <a:lstStyle/>
-          <a:p>
-            <a:r>
-              <a:rPr lang="ko-KR" altLang="en-US" dirty="0" smtClean="0"/>
-              <a:t>왜 </a:t>
-            </a:r>
-            <a:r>
-              <a:rPr lang="en-US" altLang="ko-KR" dirty="0" smtClean="0"/>
-              <a:t>ring chart?</a:t>
-            </a:r>
-            <a:endParaRPr lang="ko-KR" altLang="en-US" dirty="0"/>
-          </a:p>
-        </p:txBody>
-      </p:sp>
-      <p:graphicFrame>
-        <p:nvGraphicFramePr>
-          <p:cNvPr id="6" name="차트 5"/>
-          <p:cNvGraphicFramePr/>
-          <p:nvPr>
-            <p:extLst>
-              <p:ext uri="{D42A27DB-BD31-4B8C-83A1-F6EECF244321}">
-                <p14:modId xmlns:p14="http://schemas.microsoft.com/office/powerpoint/2010/main" val="3756854725"/>
-              </p:ext>
-            </p:extLst>
-          </p:nvPr>
-        </p:nvGraphicFramePr>
-        <p:xfrm>
-          <a:off x="611560" y="3501008"/>
-          <a:ext cx="3960440" cy="1296144"/>
-        </p:xfrm>
-        <a:graphic>
-          <a:graphicData uri="http://schemas.openxmlformats.org/drawingml/2006/chart">
-            <c:chart xmlns:c="http://schemas.openxmlformats.org/drawingml/2006/chart" xmlns:r="http://schemas.openxmlformats.org/officeDocument/2006/relationships" r:id="rId2"/>
-          </a:graphicData>
-        </a:graphic>
-      </p:graphicFrame>
-      <p:graphicFrame>
-        <p:nvGraphicFramePr>
-          <p:cNvPr id="12" name="내용 개체 틀 2"/>
-          <p:cNvGraphicFramePr>
-            <a:graphicFrameLocks noGrp="1"/>
-          </p:cNvGraphicFramePr>
-          <p:nvPr>
-            <p:ph idx="1"/>
-            <p:extLst>
-              <p:ext uri="{D42A27DB-BD31-4B8C-83A1-F6EECF244321}">
-                <p14:modId xmlns:p14="http://schemas.microsoft.com/office/powerpoint/2010/main" val="1992871223"/>
-              </p:ext>
-            </p:extLst>
-          </p:nvPr>
-        </p:nvGraphicFramePr>
-        <p:xfrm>
-          <a:off x="4788024" y="1844824"/>
-          <a:ext cx="3672408" cy="2448272"/>
-        </p:xfrm>
-        <a:graphic>
-          <a:graphicData uri="http://schemas.openxmlformats.org/drawingml/2006/chart">
-            <c:chart xmlns:c="http://schemas.openxmlformats.org/drawingml/2006/chart" xmlns:r="http://schemas.openxmlformats.org/officeDocument/2006/relationships" r:id="rId3"/>
-          </a:graphicData>
-        </a:graphic>
-      </p:graphicFrame>
-      <p:sp>
-        <p:nvSpPr>
-          <p:cNvPr id="5" name="직사각형 4"/>
-          <p:cNvSpPr/>
-          <p:nvPr/>
-        </p:nvSpPr>
-        <p:spPr>
-          <a:xfrm>
-            <a:off x="611560" y="5013176"/>
-            <a:ext cx="7632848" cy="1477328"/>
-          </a:xfrm>
-          <a:prstGeom prst="rect">
-            <a:avLst/>
-          </a:prstGeom>
-        </p:spPr>
-        <p:txBody>
-          <a:bodyPr wrap="square">
-            <a:spAutoFit/>
-          </a:bodyPr>
-          <a:lstStyle/>
-          <a:p>
-            <a:pPr marL="285750" indent="-285750">
-              <a:buFont typeface="Arial" panose="020B0604020202020204" pitchFamily="34" charset="0"/>
-              <a:buChar char="•"/>
-            </a:pPr>
-            <a:r>
-              <a:rPr lang="ko-KR" altLang="en-US" dirty="0" smtClean="0"/>
-              <a:t>하위 계층</a:t>
-            </a:r>
-            <a:r>
-              <a:rPr lang="en-US" altLang="ko-KR" dirty="0" smtClean="0"/>
-              <a:t>: </a:t>
-            </a:r>
-            <a:r>
-              <a:rPr lang="ko-KR" altLang="en-US" dirty="0" smtClean="0"/>
-              <a:t>더 세분화된 연령대별 분포</a:t>
-            </a:r>
-            <a:endParaRPr lang="en-US" altLang="ko-KR" dirty="0" smtClean="0"/>
-          </a:p>
-          <a:p>
-            <a:pPr marL="742950" lvl="1" indent="-285750">
-              <a:buFont typeface="Arial" panose="020B0604020202020204" pitchFamily="34" charset="0"/>
-              <a:buChar char="•"/>
-            </a:pPr>
-            <a:r>
-              <a:rPr lang="ko-KR" altLang="en-US" dirty="0" smtClean="0"/>
-              <a:t>위치에 따라서 분포 알려주기</a:t>
-            </a:r>
-            <a:endParaRPr lang="en-US" altLang="ko-KR" dirty="0" smtClean="0"/>
-          </a:p>
-          <a:p>
-            <a:pPr marL="285750" indent="-285750">
-              <a:buFont typeface="Arial" panose="020B0604020202020204" pitchFamily="34" charset="0"/>
-              <a:buChar char="•"/>
-            </a:pPr>
-            <a:r>
-              <a:rPr lang="ko-KR" altLang="en-US" dirty="0" smtClean="0"/>
-              <a:t>시간을 </a:t>
-            </a:r>
-            <a:r>
-              <a:rPr lang="ko-KR" altLang="en-US" dirty="0"/>
-              <a:t>변화시킬 </a:t>
-            </a:r>
-            <a:r>
-              <a:rPr lang="ko-KR" altLang="en-US" dirty="0" smtClean="0"/>
-              <a:t>때</a:t>
-            </a:r>
-            <a:endParaRPr lang="en-US" altLang="ko-KR" dirty="0" smtClean="0"/>
-          </a:p>
-          <a:p>
-            <a:pPr marL="742950" lvl="1" indent="-285750">
-              <a:buFont typeface="Arial" panose="020B0604020202020204" pitchFamily="34" charset="0"/>
-              <a:buChar char="•"/>
-            </a:pPr>
-            <a:r>
-              <a:rPr lang="ko-KR" altLang="en-US" dirty="0" smtClean="0"/>
-              <a:t>바퀴가 </a:t>
-            </a:r>
-            <a:r>
-              <a:rPr lang="ko-KR" altLang="en-US" dirty="0"/>
-              <a:t>돌아가는 듯한 느낌으로 변화하는 과정을 잘 </a:t>
-            </a:r>
-            <a:r>
-              <a:rPr lang="ko-KR" altLang="en-US" dirty="0" smtClean="0"/>
-              <a:t>보여줌</a:t>
-            </a:r>
-            <a:endParaRPr lang="en-US" altLang="ko-KR" dirty="0" smtClean="0"/>
-          </a:p>
-          <a:p>
-            <a:pPr marL="742950" lvl="1" indent="-285750">
-              <a:buFont typeface="Arial" panose="020B0604020202020204" pitchFamily="34" charset="0"/>
-              <a:buChar char="•"/>
-            </a:pPr>
-            <a:r>
-              <a:rPr lang="ko-KR" altLang="en-US" dirty="0" smtClean="0"/>
-              <a:t>분포 변화에 따른 특정 연령의 위치 변화 등이 더 잘 보임</a:t>
-            </a:r>
-            <a:endParaRPr lang="ko-KR" altLang="en-US" dirty="0"/>
-          </a:p>
-        </p:txBody>
-      </p:sp>
-      <p:graphicFrame>
-        <p:nvGraphicFramePr>
-          <p:cNvPr id="8" name="차트 7"/>
-          <p:cNvGraphicFramePr/>
-          <p:nvPr>
-            <p:extLst>
-              <p:ext uri="{D42A27DB-BD31-4B8C-83A1-F6EECF244321}">
-                <p14:modId xmlns:p14="http://schemas.microsoft.com/office/powerpoint/2010/main" val="497272233"/>
-              </p:ext>
-            </p:extLst>
-          </p:nvPr>
-        </p:nvGraphicFramePr>
-        <p:xfrm>
-          <a:off x="611560" y="1412776"/>
-          <a:ext cx="3960440" cy="2016224"/>
-        </p:xfrm>
-        <a:graphic>
-          <a:graphicData uri="http://schemas.openxmlformats.org/drawingml/2006/chart">
-            <c:chart xmlns:c="http://schemas.openxmlformats.org/drawingml/2006/chart" xmlns:r="http://schemas.openxmlformats.org/officeDocument/2006/relationships" r:id="rId4"/>
-          </a:graphicData>
-        </a:graphic>
-      </p:graphicFrame>
-      <p:graphicFrame>
-        <p:nvGraphicFramePr>
-          <p:cNvPr id="7" name="차트 6"/>
-          <p:cNvGraphicFramePr/>
-          <p:nvPr>
-            <p:extLst>
-              <p:ext uri="{D42A27DB-BD31-4B8C-83A1-F6EECF244321}">
-                <p14:modId xmlns:p14="http://schemas.microsoft.com/office/powerpoint/2010/main" val="114872182"/>
-              </p:ext>
-            </p:extLst>
-          </p:nvPr>
-        </p:nvGraphicFramePr>
-        <p:xfrm>
-          <a:off x="611560" y="3501008"/>
-          <a:ext cx="3960440" cy="1296144"/>
-        </p:xfrm>
-        <a:graphic>
-          <a:graphicData uri="http://schemas.openxmlformats.org/drawingml/2006/chart">
-            <c:chart xmlns:c="http://schemas.openxmlformats.org/drawingml/2006/chart" xmlns:r="http://schemas.openxmlformats.org/officeDocument/2006/relationships" r:id="rId5"/>
-          </a:graphicData>
-        </a:graphic>
-      </p:graphicFrame>
-      <p:graphicFrame>
-        <p:nvGraphicFramePr>
-          <p:cNvPr id="9" name="내용 개체 틀 2"/>
-          <p:cNvGraphicFramePr>
-            <a:graphicFrameLocks/>
-          </p:cNvGraphicFramePr>
-          <p:nvPr>
-            <p:extLst>
-              <p:ext uri="{D42A27DB-BD31-4B8C-83A1-F6EECF244321}">
-                <p14:modId xmlns:p14="http://schemas.microsoft.com/office/powerpoint/2010/main" val="3447895762"/>
-              </p:ext>
-            </p:extLst>
-          </p:nvPr>
-        </p:nvGraphicFramePr>
-        <p:xfrm>
-          <a:off x="4788024" y="1844824"/>
-          <a:ext cx="3672408" cy="2448272"/>
-        </p:xfrm>
-        <a:graphic>
-          <a:graphicData uri="http://schemas.openxmlformats.org/drawingml/2006/chart">
-            <c:chart xmlns:c="http://schemas.openxmlformats.org/drawingml/2006/chart" xmlns:r="http://schemas.openxmlformats.org/officeDocument/2006/relationships" r:id="rId6"/>
-          </a:graphicData>
-        </a:graphic>
-      </p:graphicFrame>
-    </p:spTree>
-    <p:extLst>
-      <p:ext uri="{BB962C8B-B14F-4D97-AF65-F5344CB8AC3E}">
-        <p14:creationId xmlns:p14="http://schemas.microsoft.com/office/powerpoint/2010/main" val="534717570"/>
-      </p:ext>
-    </p:extLst>
-  </p:cSld>
-  <p:clrMapOvr>
-    <a:masterClrMapping/>
-  </p:clrMapOvr>
-  <p:timing>
-    <p:tnLst>
-      <p:par>
-        <p:cTn id="1" dur="indefinite" restart="never" nodeType="tmRoot"/>
-      </p:par>
-    </p:tnLst>
-  </p:timing>
-</p:sld>
-</file>
-
-<file path=ppt/slides/slide8.xml><?xml version="1.0" encoding="utf-8"?>
 <p:sld xmlns:a="http://schemas.openxmlformats.org/drawingml/2006/main" xmlns:r="http://schemas.openxmlformats.org/officeDocument/2006/relationships" xmlns:p="http://schemas.openxmlformats.org/presentationml/2006/main">
   <p:cSld>
     <p:spTree>
@@ -13480,6 +12658,815 @@
     <p:extLst>
       <p:ext uri="{BB962C8B-B14F-4D97-AF65-F5344CB8AC3E}">
         <p14:creationId xmlns:p14="http://schemas.microsoft.com/office/powerpoint/2010/main" val="1811445682"/>
+      </p:ext>
+    </p:extLst>
+  </p:cSld>
+  <p:clrMapOvr>
+    <a:masterClrMapping/>
+  </p:clrMapOvr>
+  <p:timing>
+    <p:tnLst>
+      <p:par>
+        <p:cTn id="1" dur="indefinite" restart="never" nodeType="tmRoot"/>
+      </p:par>
+    </p:tnLst>
+  </p:timing>
+</p:sld>
+</file>
+
+<file path=ppt/slides/slide6.xml><?xml version="1.0" encoding="utf-8"?>
+<p:sld xmlns:a="http://schemas.openxmlformats.org/drawingml/2006/main" xmlns:r="http://schemas.openxmlformats.org/officeDocument/2006/relationships" xmlns:p="http://schemas.openxmlformats.org/presentationml/2006/main">
+  <p:cSld>
+    <p:spTree>
+      <p:nvGrpSpPr>
+        <p:cNvPr id="1" name=""/>
+        <p:cNvGrpSpPr/>
+        <p:nvPr/>
+      </p:nvGrpSpPr>
+      <p:grpSpPr>
+        <a:xfrm>
+          <a:off x="0" y="0"/>
+          <a:ext cx="0" cy="0"/>
+          <a:chOff x="0" y="0"/>
+          <a:chExt cx="0" cy="0"/>
+        </a:xfrm>
+      </p:grpSpPr>
+      <p:sp>
+        <p:nvSpPr>
+          <p:cNvPr id="4" name="제목 3"/>
+          <p:cNvSpPr>
+            <a:spLocks noGrp="1"/>
+          </p:cNvSpPr>
+          <p:nvPr>
+            <p:ph type="title"/>
+          </p:nvPr>
+        </p:nvSpPr>
+        <p:spPr>
+          <a:xfrm>
+            <a:off x="457200" y="116632"/>
+            <a:ext cx="8229600" cy="1143000"/>
+          </a:xfrm>
+        </p:spPr>
+        <p:txBody>
+          <a:bodyPr/>
+          <a:lstStyle/>
+          <a:p>
+            <a:r>
+              <a:rPr lang="ko-KR" altLang="en-US" dirty="0" smtClean="0"/>
+              <a:t>왜 </a:t>
+            </a:r>
+            <a:r>
+              <a:rPr lang="en-US" altLang="ko-KR" dirty="0" smtClean="0"/>
+              <a:t>ring chart?</a:t>
+            </a:r>
+            <a:endParaRPr lang="ko-KR" altLang="en-US" dirty="0"/>
+          </a:p>
+        </p:txBody>
+      </p:sp>
+      <p:graphicFrame>
+        <p:nvGraphicFramePr>
+          <p:cNvPr id="6" name="차트 5"/>
+          <p:cNvGraphicFramePr/>
+          <p:nvPr>
+            <p:extLst>
+              <p:ext uri="{D42A27DB-BD31-4B8C-83A1-F6EECF244321}">
+                <p14:modId xmlns:p14="http://schemas.microsoft.com/office/powerpoint/2010/main" val="3655212349"/>
+              </p:ext>
+            </p:extLst>
+          </p:nvPr>
+        </p:nvGraphicFramePr>
+        <p:xfrm>
+          <a:off x="611560" y="3501008"/>
+          <a:ext cx="3960440" cy="1296144"/>
+        </p:xfrm>
+        <a:graphic>
+          <a:graphicData uri="http://schemas.openxmlformats.org/drawingml/2006/chart">
+            <c:chart xmlns:c="http://schemas.openxmlformats.org/drawingml/2006/chart" xmlns:r="http://schemas.openxmlformats.org/officeDocument/2006/relationships" r:id="rId2"/>
+          </a:graphicData>
+        </a:graphic>
+      </p:graphicFrame>
+      <p:graphicFrame>
+        <p:nvGraphicFramePr>
+          <p:cNvPr id="12" name="내용 개체 틀 2"/>
+          <p:cNvGraphicFramePr>
+            <a:graphicFrameLocks noGrp="1"/>
+          </p:cNvGraphicFramePr>
+          <p:nvPr>
+            <p:ph idx="1"/>
+            <p:extLst>
+              <p:ext uri="{D42A27DB-BD31-4B8C-83A1-F6EECF244321}">
+                <p14:modId xmlns:p14="http://schemas.microsoft.com/office/powerpoint/2010/main" val="1514271901"/>
+              </p:ext>
+            </p:extLst>
+          </p:nvPr>
+        </p:nvGraphicFramePr>
+        <p:xfrm>
+          <a:off x="4788024" y="1844824"/>
+          <a:ext cx="3672408" cy="2448272"/>
+        </p:xfrm>
+        <a:graphic>
+          <a:graphicData uri="http://schemas.openxmlformats.org/drawingml/2006/chart">
+            <c:chart xmlns:c="http://schemas.openxmlformats.org/drawingml/2006/chart" xmlns:r="http://schemas.openxmlformats.org/officeDocument/2006/relationships" r:id="rId3"/>
+          </a:graphicData>
+        </a:graphic>
+      </p:graphicFrame>
+      <p:sp>
+        <p:nvSpPr>
+          <p:cNvPr id="5" name="직사각형 4"/>
+          <p:cNvSpPr/>
+          <p:nvPr/>
+        </p:nvSpPr>
+        <p:spPr>
+          <a:xfrm>
+            <a:off x="611560" y="5013176"/>
+            <a:ext cx="7632848" cy="1477328"/>
+          </a:xfrm>
+          <a:prstGeom prst="rect">
+            <a:avLst/>
+          </a:prstGeom>
+        </p:spPr>
+        <p:txBody>
+          <a:bodyPr wrap="square">
+            <a:spAutoFit/>
+          </a:bodyPr>
+          <a:lstStyle/>
+          <a:p>
+            <a:pPr marL="285750" indent="-285750">
+              <a:buFont typeface="Arial" panose="020B0604020202020204" pitchFamily="34" charset="0"/>
+              <a:buChar char="•"/>
+            </a:pPr>
+            <a:r>
+              <a:rPr lang="ko-KR" altLang="en-US" dirty="0" smtClean="0"/>
+              <a:t>하위 계층</a:t>
+            </a:r>
+            <a:r>
+              <a:rPr lang="en-US" altLang="ko-KR" dirty="0" smtClean="0"/>
+              <a:t>: </a:t>
+            </a:r>
+            <a:r>
+              <a:rPr lang="ko-KR" altLang="en-US" dirty="0" smtClean="0"/>
+              <a:t>더 세분화된 연령대별 분포</a:t>
+            </a:r>
+            <a:endParaRPr lang="en-US" altLang="ko-KR" dirty="0" smtClean="0"/>
+          </a:p>
+          <a:p>
+            <a:pPr marL="742950" lvl="1" indent="-285750">
+              <a:buFont typeface="Arial" panose="020B0604020202020204" pitchFamily="34" charset="0"/>
+              <a:buChar char="•"/>
+            </a:pPr>
+            <a:r>
+              <a:rPr lang="ko-KR" altLang="en-US" dirty="0" smtClean="0"/>
+              <a:t>위치에 따라서 분포 알려주기</a:t>
+            </a:r>
+            <a:endParaRPr lang="en-US" altLang="ko-KR" dirty="0" smtClean="0"/>
+          </a:p>
+          <a:p>
+            <a:pPr marL="285750" indent="-285750">
+              <a:buFont typeface="Arial" panose="020B0604020202020204" pitchFamily="34" charset="0"/>
+              <a:buChar char="•"/>
+            </a:pPr>
+            <a:r>
+              <a:rPr lang="ko-KR" altLang="en-US" dirty="0" smtClean="0"/>
+              <a:t>시간을 </a:t>
+            </a:r>
+            <a:r>
+              <a:rPr lang="ko-KR" altLang="en-US" dirty="0"/>
+              <a:t>변화시킬 </a:t>
+            </a:r>
+            <a:r>
+              <a:rPr lang="ko-KR" altLang="en-US" dirty="0" smtClean="0"/>
+              <a:t>때</a:t>
+            </a:r>
+            <a:endParaRPr lang="en-US" altLang="ko-KR" dirty="0" smtClean="0"/>
+          </a:p>
+          <a:p>
+            <a:pPr marL="742950" lvl="1" indent="-285750">
+              <a:buFont typeface="Arial" panose="020B0604020202020204" pitchFamily="34" charset="0"/>
+              <a:buChar char="•"/>
+            </a:pPr>
+            <a:r>
+              <a:rPr lang="ko-KR" altLang="en-US" dirty="0" smtClean="0"/>
+              <a:t>바퀴가 </a:t>
+            </a:r>
+            <a:r>
+              <a:rPr lang="ko-KR" altLang="en-US" dirty="0"/>
+              <a:t>돌아가는 듯한 느낌으로 변화하는 과정을 잘 </a:t>
+            </a:r>
+            <a:r>
+              <a:rPr lang="ko-KR" altLang="en-US" dirty="0" smtClean="0"/>
+              <a:t>보여줌</a:t>
+            </a:r>
+            <a:endParaRPr lang="en-US" altLang="ko-KR" dirty="0" smtClean="0"/>
+          </a:p>
+          <a:p>
+            <a:pPr marL="742950" lvl="1" indent="-285750">
+              <a:buFont typeface="Arial" panose="020B0604020202020204" pitchFamily="34" charset="0"/>
+              <a:buChar char="•"/>
+            </a:pPr>
+            <a:r>
+              <a:rPr lang="ko-KR" altLang="en-US" dirty="0" smtClean="0"/>
+              <a:t>분포 변화에 따른 특정 연령의 위치 변화 등이 더 잘 보임</a:t>
+            </a:r>
+            <a:endParaRPr lang="ko-KR" altLang="en-US" dirty="0"/>
+          </a:p>
+        </p:txBody>
+      </p:sp>
+      <p:graphicFrame>
+        <p:nvGraphicFramePr>
+          <p:cNvPr id="8" name="차트 7"/>
+          <p:cNvGraphicFramePr/>
+          <p:nvPr>
+            <p:extLst>
+              <p:ext uri="{D42A27DB-BD31-4B8C-83A1-F6EECF244321}">
+                <p14:modId xmlns:p14="http://schemas.microsoft.com/office/powerpoint/2010/main" val="786511677"/>
+              </p:ext>
+            </p:extLst>
+          </p:nvPr>
+        </p:nvGraphicFramePr>
+        <p:xfrm>
+          <a:off x="611560" y="1412776"/>
+          <a:ext cx="3960440" cy="2016224"/>
+        </p:xfrm>
+        <a:graphic>
+          <a:graphicData uri="http://schemas.openxmlformats.org/drawingml/2006/chart">
+            <c:chart xmlns:c="http://schemas.openxmlformats.org/drawingml/2006/chart" xmlns:r="http://schemas.openxmlformats.org/officeDocument/2006/relationships" r:id="rId4"/>
+          </a:graphicData>
+        </a:graphic>
+      </p:graphicFrame>
+    </p:spTree>
+    <p:extLst>
+      <p:ext uri="{BB962C8B-B14F-4D97-AF65-F5344CB8AC3E}">
+        <p14:creationId xmlns:p14="http://schemas.microsoft.com/office/powerpoint/2010/main" val="857784927"/>
+      </p:ext>
+    </p:extLst>
+  </p:cSld>
+  <p:clrMapOvr>
+    <a:masterClrMapping/>
+  </p:clrMapOvr>
+  <p:timing>
+    <p:tnLst>
+      <p:par>
+        <p:cTn id="1" dur="indefinite" restart="never" nodeType="tmRoot"/>
+      </p:par>
+    </p:tnLst>
+  </p:timing>
+</p:sld>
+</file>
+
+<file path=ppt/slides/slide7.xml><?xml version="1.0" encoding="utf-8"?>
+<p:sld xmlns:a="http://schemas.openxmlformats.org/drawingml/2006/main" xmlns:r="http://schemas.openxmlformats.org/officeDocument/2006/relationships" xmlns:p="http://schemas.openxmlformats.org/presentationml/2006/main">
+  <p:cSld>
+    <p:spTree>
+      <p:nvGrpSpPr>
+        <p:cNvPr id="1" name=""/>
+        <p:cNvGrpSpPr/>
+        <p:nvPr/>
+      </p:nvGrpSpPr>
+      <p:grpSpPr>
+        <a:xfrm>
+          <a:off x="0" y="0"/>
+          <a:ext cx="0" cy="0"/>
+          <a:chOff x="0" y="0"/>
+          <a:chExt cx="0" cy="0"/>
+        </a:xfrm>
+      </p:grpSpPr>
+      <p:sp>
+        <p:nvSpPr>
+          <p:cNvPr id="4" name="제목 3"/>
+          <p:cNvSpPr>
+            <a:spLocks noGrp="1"/>
+          </p:cNvSpPr>
+          <p:nvPr>
+            <p:ph type="title"/>
+          </p:nvPr>
+        </p:nvSpPr>
+        <p:spPr>
+          <a:xfrm>
+            <a:off x="457200" y="116632"/>
+            <a:ext cx="8229600" cy="1143000"/>
+          </a:xfrm>
+        </p:spPr>
+        <p:txBody>
+          <a:bodyPr/>
+          <a:lstStyle/>
+          <a:p>
+            <a:r>
+              <a:rPr lang="ko-KR" altLang="en-US" dirty="0" smtClean="0"/>
+              <a:t>왜 </a:t>
+            </a:r>
+            <a:r>
+              <a:rPr lang="en-US" altLang="ko-KR" dirty="0" smtClean="0"/>
+              <a:t>ring chart?</a:t>
+            </a:r>
+            <a:endParaRPr lang="ko-KR" altLang="en-US" dirty="0"/>
+          </a:p>
+        </p:txBody>
+      </p:sp>
+      <p:graphicFrame>
+        <p:nvGraphicFramePr>
+          <p:cNvPr id="6" name="차트 5"/>
+          <p:cNvGraphicFramePr/>
+          <p:nvPr>
+            <p:extLst>
+              <p:ext uri="{D42A27DB-BD31-4B8C-83A1-F6EECF244321}">
+                <p14:modId xmlns:p14="http://schemas.microsoft.com/office/powerpoint/2010/main" val="9528156"/>
+              </p:ext>
+            </p:extLst>
+          </p:nvPr>
+        </p:nvGraphicFramePr>
+        <p:xfrm>
+          <a:off x="611560" y="3501008"/>
+          <a:ext cx="3960440" cy="1296144"/>
+        </p:xfrm>
+        <a:graphic>
+          <a:graphicData uri="http://schemas.openxmlformats.org/drawingml/2006/chart">
+            <c:chart xmlns:c="http://schemas.openxmlformats.org/drawingml/2006/chart" xmlns:r="http://schemas.openxmlformats.org/officeDocument/2006/relationships" r:id="rId2"/>
+          </a:graphicData>
+        </a:graphic>
+      </p:graphicFrame>
+      <p:graphicFrame>
+        <p:nvGraphicFramePr>
+          <p:cNvPr id="12" name="내용 개체 틀 2"/>
+          <p:cNvGraphicFramePr>
+            <a:graphicFrameLocks noGrp="1"/>
+          </p:cNvGraphicFramePr>
+          <p:nvPr>
+            <p:ph idx="1"/>
+            <p:extLst>
+              <p:ext uri="{D42A27DB-BD31-4B8C-83A1-F6EECF244321}">
+                <p14:modId xmlns:p14="http://schemas.microsoft.com/office/powerpoint/2010/main" val="812648289"/>
+              </p:ext>
+            </p:extLst>
+          </p:nvPr>
+        </p:nvGraphicFramePr>
+        <p:xfrm>
+          <a:off x="4788024" y="1844824"/>
+          <a:ext cx="3672408" cy="2448272"/>
+        </p:xfrm>
+        <a:graphic>
+          <a:graphicData uri="http://schemas.openxmlformats.org/drawingml/2006/chart">
+            <c:chart xmlns:c="http://schemas.openxmlformats.org/drawingml/2006/chart" xmlns:r="http://schemas.openxmlformats.org/officeDocument/2006/relationships" r:id="rId3"/>
+          </a:graphicData>
+        </a:graphic>
+      </p:graphicFrame>
+      <p:sp>
+        <p:nvSpPr>
+          <p:cNvPr id="5" name="직사각형 4"/>
+          <p:cNvSpPr/>
+          <p:nvPr/>
+        </p:nvSpPr>
+        <p:spPr>
+          <a:xfrm>
+            <a:off x="611560" y="5013176"/>
+            <a:ext cx="7632848" cy="1477328"/>
+          </a:xfrm>
+          <a:prstGeom prst="rect">
+            <a:avLst/>
+          </a:prstGeom>
+        </p:spPr>
+        <p:txBody>
+          <a:bodyPr wrap="square">
+            <a:spAutoFit/>
+          </a:bodyPr>
+          <a:lstStyle/>
+          <a:p>
+            <a:pPr marL="285750" indent="-285750">
+              <a:buFont typeface="Arial" panose="020B0604020202020204" pitchFamily="34" charset="0"/>
+              <a:buChar char="•"/>
+            </a:pPr>
+            <a:r>
+              <a:rPr lang="ko-KR" altLang="en-US" dirty="0" smtClean="0"/>
+              <a:t>하위 계층</a:t>
+            </a:r>
+            <a:r>
+              <a:rPr lang="en-US" altLang="ko-KR" dirty="0" smtClean="0"/>
+              <a:t>: </a:t>
+            </a:r>
+            <a:r>
+              <a:rPr lang="ko-KR" altLang="en-US" dirty="0" smtClean="0"/>
+              <a:t>더 세분화된 연령대별 분포</a:t>
+            </a:r>
+            <a:endParaRPr lang="en-US" altLang="ko-KR" dirty="0" smtClean="0"/>
+          </a:p>
+          <a:p>
+            <a:pPr marL="742950" lvl="1" indent="-285750">
+              <a:buFont typeface="Arial" panose="020B0604020202020204" pitchFamily="34" charset="0"/>
+              <a:buChar char="•"/>
+            </a:pPr>
+            <a:r>
+              <a:rPr lang="ko-KR" altLang="en-US" dirty="0" smtClean="0"/>
+              <a:t>위치에 따라서 분포 알려주기</a:t>
+            </a:r>
+            <a:endParaRPr lang="en-US" altLang="ko-KR" dirty="0" smtClean="0"/>
+          </a:p>
+          <a:p>
+            <a:pPr marL="285750" indent="-285750">
+              <a:buFont typeface="Arial" panose="020B0604020202020204" pitchFamily="34" charset="0"/>
+              <a:buChar char="•"/>
+            </a:pPr>
+            <a:r>
+              <a:rPr lang="ko-KR" altLang="en-US" dirty="0" smtClean="0"/>
+              <a:t>시간을 </a:t>
+            </a:r>
+            <a:r>
+              <a:rPr lang="ko-KR" altLang="en-US" dirty="0"/>
+              <a:t>변화시킬 </a:t>
+            </a:r>
+            <a:r>
+              <a:rPr lang="ko-KR" altLang="en-US" dirty="0" smtClean="0"/>
+              <a:t>때</a:t>
+            </a:r>
+            <a:endParaRPr lang="en-US" altLang="ko-KR" dirty="0" smtClean="0"/>
+          </a:p>
+          <a:p>
+            <a:pPr marL="742950" lvl="1" indent="-285750">
+              <a:buFont typeface="Arial" panose="020B0604020202020204" pitchFamily="34" charset="0"/>
+              <a:buChar char="•"/>
+            </a:pPr>
+            <a:r>
+              <a:rPr lang="ko-KR" altLang="en-US" dirty="0" smtClean="0"/>
+              <a:t>바퀴가 </a:t>
+            </a:r>
+            <a:r>
+              <a:rPr lang="ko-KR" altLang="en-US" dirty="0"/>
+              <a:t>돌아가는 듯한 느낌으로 변화하는 과정을 잘 </a:t>
+            </a:r>
+            <a:r>
+              <a:rPr lang="ko-KR" altLang="en-US" dirty="0" smtClean="0"/>
+              <a:t>보여줌</a:t>
+            </a:r>
+            <a:endParaRPr lang="en-US" altLang="ko-KR" dirty="0" smtClean="0"/>
+          </a:p>
+          <a:p>
+            <a:pPr marL="742950" lvl="1" indent="-285750">
+              <a:buFont typeface="Arial" panose="020B0604020202020204" pitchFamily="34" charset="0"/>
+              <a:buChar char="•"/>
+            </a:pPr>
+            <a:r>
+              <a:rPr lang="ko-KR" altLang="en-US" dirty="0" smtClean="0"/>
+              <a:t>분포 변화에 따른 특정 연령의 위치 변화 등이 더 잘 보임</a:t>
+            </a:r>
+            <a:endParaRPr lang="ko-KR" altLang="en-US" dirty="0"/>
+          </a:p>
+        </p:txBody>
+      </p:sp>
+      <p:graphicFrame>
+        <p:nvGraphicFramePr>
+          <p:cNvPr id="8" name="차트 7"/>
+          <p:cNvGraphicFramePr/>
+          <p:nvPr>
+            <p:extLst>
+              <p:ext uri="{D42A27DB-BD31-4B8C-83A1-F6EECF244321}">
+                <p14:modId xmlns:p14="http://schemas.microsoft.com/office/powerpoint/2010/main" val="4008062139"/>
+              </p:ext>
+            </p:extLst>
+          </p:nvPr>
+        </p:nvGraphicFramePr>
+        <p:xfrm>
+          <a:off x="611560" y="1412776"/>
+          <a:ext cx="3960440" cy="2016224"/>
+        </p:xfrm>
+        <a:graphic>
+          <a:graphicData uri="http://schemas.openxmlformats.org/drawingml/2006/chart">
+            <c:chart xmlns:c="http://schemas.openxmlformats.org/drawingml/2006/chart" xmlns:r="http://schemas.openxmlformats.org/officeDocument/2006/relationships" r:id="rId4"/>
+          </a:graphicData>
+        </a:graphic>
+      </p:graphicFrame>
+      <p:graphicFrame>
+        <p:nvGraphicFramePr>
+          <p:cNvPr id="7" name="내용 개체 틀 2"/>
+          <p:cNvGraphicFramePr>
+            <a:graphicFrameLocks/>
+          </p:cNvGraphicFramePr>
+          <p:nvPr>
+            <p:extLst>
+              <p:ext uri="{D42A27DB-BD31-4B8C-83A1-F6EECF244321}">
+                <p14:modId xmlns:p14="http://schemas.microsoft.com/office/powerpoint/2010/main" val="3224524035"/>
+              </p:ext>
+            </p:extLst>
+          </p:nvPr>
+        </p:nvGraphicFramePr>
+        <p:xfrm>
+          <a:off x="4788024" y="1844824"/>
+          <a:ext cx="3672408" cy="2448272"/>
+        </p:xfrm>
+        <a:graphic>
+          <a:graphicData uri="http://schemas.openxmlformats.org/drawingml/2006/chart">
+            <c:chart xmlns:c="http://schemas.openxmlformats.org/drawingml/2006/chart" xmlns:r="http://schemas.openxmlformats.org/officeDocument/2006/relationships" r:id="rId5"/>
+          </a:graphicData>
+        </a:graphic>
+      </p:graphicFrame>
+      <p:graphicFrame>
+        <p:nvGraphicFramePr>
+          <p:cNvPr id="9" name="차트 8"/>
+          <p:cNvGraphicFramePr/>
+          <p:nvPr>
+            <p:extLst>
+              <p:ext uri="{D42A27DB-BD31-4B8C-83A1-F6EECF244321}">
+                <p14:modId xmlns:p14="http://schemas.microsoft.com/office/powerpoint/2010/main" val="1185948358"/>
+              </p:ext>
+            </p:extLst>
+          </p:nvPr>
+        </p:nvGraphicFramePr>
+        <p:xfrm>
+          <a:off x="614082" y="3501008"/>
+          <a:ext cx="3957917" cy="1296144"/>
+        </p:xfrm>
+        <a:graphic>
+          <a:graphicData uri="http://schemas.openxmlformats.org/drawingml/2006/chart">
+            <c:chart xmlns:c="http://schemas.openxmlformats.org/drawingml/2006/chart" xmlns:r="http://schemas.openxmlformats.org/officeDocument/2006/relationships" r:id="rId6"/>
+          </a:graphicData>
+        </a:graphic>
+      </p:graphicFrame>
+    </p:spTree>
+    <p:extLst>
+      <p:ext uri="{BB962C8B-B14F-4D97-AF65-F5344CB8AC3E}">
+        <p14:creationId xmlns:p14="http://schemas.microsoft.com/office/powerpoint/2010/main" val="1379923413"/>
+      </p:ext>
+    </p:extLst>
+  </p:cSld>
+  <p:clrMapOvr>
+    <a:masterClrMapping/>
+  </p:clrMapOvr>
+  <p:timing>
+    <p:tnLst>
+      <p:par>
+        <p:cTn id="1" dur="indefinite" restart="never" nodeType="tmRoot"/>
+      </p:par>
+    </p:tnLst>
+  </p:timing>
+</p:sld>
+</file>
+
+<file path=ppt/slides/slide8.xml><?xml version="1.0" encoding="utf-8"?>
+<p:sld xmlns:a="http://schemas.openxmlformats.org/drawingml/2006/main" xmlns:r="http://schemas.openxmlformats.org/officeDocument/2006/relationships" xmlns:p="http://schemas.openxmlformats.org/presentationml/2006/main">
+  <p:cSld>
+    <p:spTree>
+      <p:nvGrpSpPr>
+        <p:cNvPr id="1" name=""/>
+        <p:cNvGrpSpPr/>
+        <p:nvPr/>
+      </p:nvGrpSpPr>
+      <p:grpSpPr>
+        <a:xfrm>
+          <a:off x="0" y="0"/>
+          <a:ext cx="0" cy="0"/>
+          <a:chOff x="0" y="0"/>
+          <a:chExt cx="0" cy="0"/>
+        </a:xfrm>
+      </p:grpSpPr>
+      <p:sp>
+        <p:nvSpPr>
+          <p:cNvPr id="4" name="제목 3"/>
+          <p:cNvSpPr>
+            <a:spLocks noGrp="1"/>
+          </p:cNvSpPr>
+          <p:nvPr>
+            <p:ph type="title"/>
+          </p:nvPr>
+        </p:nvSpPr>
+        <p:spPr>
+          <a:xfrm>
+            <a:off x="457200" y="116632"/>
+            <a:ext cx="8229600" cy="1143000"/>
+          </a:xfrm>
+        </p:spPr>
+        <p:txBody>
+          <a:bodyPr/>
+          <a:lstStyle/>
+          <a:p>
+            <a:r>
+              <a:rPr lang="ko-KR" altLang="en-US" dirty="0" smtClean="0"/>
+              <a:t>왜 </a:t>
+            </a:r>
+            <a:r>
+              <a:rPr lang="en-US" altLang="ko-KR" dirty="0" smtClean="0"/>
+              <a:t>ring chart?</a:t>
+            </a:r>
+            <a:endParaRPr lang="ko-KR" altLang="en-US" dirty="0"/>
+          </a:p>
+        </p:txBody>
+      </p:sp>
+      <p:graphicFrame>
+        <p:nvGraphicFramePr>
+          <p:cNvPr id="6" name="차트 5"/>
+          <p:cNvGraphicFramePr/>
+          <p:nvPr>
+            <p:extLst>
+              <p:ext uri="{D42A27DB-BD31-4B8C-83A1-F6EECF244321}">
+                <p14:modId xmlns:p14="http://schemas.microsoft.com/office/powerpoint/2010/main" val="3756854725"/>
+              </p:ext>
+            </p:extLst>
+          </p:nvPr>
+        </p:nvGraphicFramePr>
+        <p:xfrm>
+          <a:off x="611560" y="3501008"/>
+          <a:ext cx="3960440" cy="1296144"/>
+        </p:xfrm>
+        <a:graphic>
+          <a:graphicData uri="http://schemas.openxmlformats.org/drawingml/2006/chart">
+            <c:chart xmlns:c="http://schemas.openxmlformats.org/drawingml/2006/chart" xmlns:r="http://schemas.openxmlformats.org/officeDocument/2006/relationships" r:id="rId2"/>
+          </a:graphicData>
+        </a:graphic>
+      </p:graphicFrame>
+      <p:graphicFrame>
+        <p:nvGraphicFramePr>
+          <p:cNvPr id="12" name="내용 개체 틀 2"/>
+          <p:cNvGraphicFramePr>
+            <a:graphicFrameLocks noGrp="1"/>
+          </p:cNvGraphicFramePr>
+          <p:nvPr>
+            <p:ph idx="1"/>
+            <p:extLst>
+              <p:ext uri="{D42A27DB-BD31-4B8C-83A1-F6EECF244321}">
+                <p14:modId xmlns:p14="http://schemas.microsoft.com/office/powerpoint/2010/main" val="1992871223"/>
+              </p:ext>
+            </p:extLst>
+          </p:nvPr>
+        </p:nvGraphicFramePr>
+        <p:xfrm>
+          <a:off x="4788024" y="1844824"/>
+          <a:ext cx="3672408" cy="2448272"/>
+        </p:xfrm>
+        <a:graphic>
+          <a:graphicData uri="http://schemas.openxmlformats.org/drawingml/2006/chart">
+            <c:chart xmlns:c="http://schemas.openxmlformats.org/drawingml/2006/chart" xmlns:r="http://schemas.openxmlformats.org/officeDocument/2006/relationships" r:id="rId3"/>
+          </a:graphicData>
+        </a:graphic>
+      </p:graphicFrame>
+      <p:sp>
+        <p:nvSpPr>
+          <p:cNvPr id="5" name="직사각형 4"/>
+          <p:cNvSpPr/>
+          <p:nvPr/>
+        </p:nvSpPr>
+        <p:spPr>
+          <a:xfrm>
+            <a:off x="611560" y="5013176"/>
+            <a:ext cx="7632848" cy="1477328"/>
+          </a:xfrm>
+          <a:prstGeom prst="rect">
+            <a:avLst/>
+          </a:prstGeom>
+        </p:spPr>
+        <p:txBody>
+          <a:bodyPr wrap="square">
+            <a:spAutoFit/>
+          </a:bodyPr>
+          <a:lstStyle/>
+          <a:p>
+            <a:pPr marL="285750" indent="-285750">
+              <a:buFont typeface="Arial" panose="020B0604020202020204" pitchFamily="34" charset="0"/>
+              <a:buChar char="•"/>
+            </a:pPr>
+            <a:r>
+              <a:rPr lang="ko-KR" altLang="en-US" dirty="0" smtClean="0"/>
+              <a:t>하위 계층</a:t>
+            </a:r>
+            <a:r>
+              <a:rPr lang="en-US" altLang="ko-KR" dirty="0" smtClean="0"/>
+              <a:t>: </a:t>
+            </a:r>
+            <a:r>
+              <a:rPr lang="ko-KR" altLang="en-US" dirty="0" smtClean="0"/>
+              <a:t>더 세분화된 연령대별 분포</a:t>
+            </a:r>
+            <a:endParaRPr lang="en-US" altLang="ko-KR" dirty="0" smtClean="0"/>
+          </a:p>
+          <a:p>
+            <a:pPr marL="742950" lvl="1" indent="-285750">
+              <a:buFont typeface="Arial" panose="020B0604020202020204" pitchFamily="34" charset="0"/>
+              <a:buChar char="•"/>
+            </a:pPr>
+            <a:r>
+              <a:rPr lang="ko-KR" altLang="en-US" dirty="0" smtClean="0"/>
+              <a:t>위치에 따라서 분포 알려주기</a:t>
+            </a:r>
+            <a:endParaRPr lang="en-US" altLang="ko-KR" dirty="0" smtClean="0"/>
+          </a:p>
+          <a:p>
+            <a:pPr marL="285750" indent="-285750">
+              <a:buFont typeface="Arial" panose="020B0604020202020204" pitchFamily="34" charset="0"/>
+              <a:buChar char="•"/>
+            </a:pPr>
+            <a:r>
+              <a:rPr lang="ko-KR" altLang="en-US" dirty="0" smtClean="0"/>
+              <a:t>시간을 </a:t>
+            </a:r>
+            <a:r>
+              <a:rPr lang="ko-KR" altLang="en-US" dirty="0"/>
+              <a:t>변화시킬 </a:t>
+            </a:r>
+            <a:r>
+              <a:rPr lang="ko-KR" altLang="en-US" dirty="0" smtClean="0"/>
+              <a:t>때</a:t>
+            </a:r>
+            <a:endParaRPr lang="en-US" altLang="ko-KR" dirty="0" smtClean="0"/>
+          </a:p>
+          <a:p>
+            <a:pPr marL="742950" lvl="1" indent="-285750">
+              <a:buFont typeface="Arial" panose="020B0604020202020204" pitchFamily="34" charset="0"/>
+              <a:buChar char="•"/>
+            </a:pPr>
+            <a:r>
+              <a:rPr lang="ko-KR" altLang="en-US" dirty="0" smtClean="0"/>
+              <a:t>바퀴가 </a:t>
+            </a:r>
+            <a:r>
+              <a:rPr lang="ko-KR" altLang="en-US" dirty="0"/>
+              <a:t>돌아가는 듯한 느낌으로 변화하는 과정을 잘 </a:t>
+            </a:r>
+            <a:r>
+              <a:rPr lang="ko-KR" altLang="en-US" dirty="0" smtClean="0"/>
+              <a:t>보여줌</a:t>
+            </a:r>
+            <a:endParaRPr lang="en-US" altLang="ko-KR" dirty="0" smtClean="0"/>
+          </a:p>
+          <a:p>
+            <a:pPr marL="742950" lvl="1" indent="-285750">
+              <a:buFont typeface="Arial" panose="020B0604020202020204" pitchFamily="34" charset="0"/>
+              <a:buChar char="•"/>
+            </a:pPr>
+            <a:r>
+              <a:rPr lang="ko-KR" altLang="en-US" dirty="0" smtClean="0"/>
+              <a:t>분포 변화에 따른 특정 연령의 위치 변화 등이 더 잘 보임</a:t>
+            </a:r>
+            <a:endParaRPr lang="ko-KR" altLang="en-US" dirty="0"/>
+          </a:p>
+        </p:txBody>
+      </p:sp>
+      <p:graphicFrame>
+        <p:nvGraphicFramePr>
+          <p:cNvPr id="8" name="차트 7"/>
+          <p:cNvGraphicFramePr/>
+          <p:nvPr>
+            <p:extLst>
+              <p:ext uri="{D42A27DB-BD31-4B8C-83A1-F6EECF244321}">
+                <p14:modId xmlns:p14="http://schemas.microsoft.com/office/powerpoint/2010/main" val="497272233"/>
+              </p:ext>
+            </p:extLst>
+          </p:nvPr>
+        </p:nvGraphicFramePr>
+        <p:xfrm>
+          <a:off x="611560" y="1412776"/>
+          <a:ext cx="3960440" cy="2016224"/>
+        </p:xfrm>
+        <a:graphic>
+          <a:graphicData uri="http://schemas.openxmlformats.org/drawingml/2006/chart">
+            <c:chart xmlns:c="http://schemas.openxmlformats.org/drawingml/2006/chart" xmlns:r="http://schemas.openxmlformats.org/officeDocument/2006/relationships" r:id="rId4"/>
+          </a:graphicData>
+        </a:graphic>
+      </p:graphicFrame>
+      <p:graphicFrame>
+        <p:nvGraphicFramePr>
+          <p:cNvPr id="7" name="차트 6"/>
+          <p:cNvGraphicFramePr/>
+          <p:nvPr>
+            <p:extLst>
+              <p:ext uri="{D42A27DB-BD31-4B8C-83A1-F6EECF244321}">
+                <p14:modId xmlns:p14="http://schemas.microsoft.com/office/powerpoint/2010/main" val="114872182"/>
+              </p:ext>
+            </p:extLst>
+          </p:nvPr>
+        </p:nvGraphicFramePr>
+        <p:xfrm>
+          <a:off x="611560" y="3501008"/>
+          <a:ext cx="3960440" cy="1296144"/>
+        </p:xfrm>
+        <a:graphic>
+          <a:graphicData uri="http://schemas.openxmlformats.org/drawingml/2006/chart">
+            <c:chart xmlns:c="http://schemas.openxmlformats.org/drawingml/2006/chart" xmlns:r="http://schemas.openxmlformats.org/officeDocument/2006/relationships" r:id="rId5"/>
+          </a:graphicData>
+        </a:graphic>
+      </p:graphicFrame>
+      <p:graphicFrame>
+        <p:nvGraphicFramePr>
+          <p:cNvPr id="9" name="내용 개체 틀 2"/>
+          <p:cNvGraphicFramePr>
+            <a:graphicFrameLocks/>
+          </p:cNvGraphicFramePr>
+          <p:nvPr>
+            <p:extLst>
+              <p:ext uri="{D42A27DB-BD31-4B8C-83A1-F6EECF244321}">
+                <p14:modId xmlns:p14="http://schemas.microsoft.com/office/powerpoint/2010/main" val="3447895762"/>
+              </p:ext>
+            </p:extLst>
+          </p:nvPr>
+        </p:nvGraphicFramePr>
+        <p:xfrm>
+          <a:off x="4788024" y="1844824"/>
+          <a:ext cx="3672408" cy="2448272"/>
+        </p:xfrm>
+        <a:graphic>
+          <a:graphicData uri="http://schemas.openxmlformats.org/drawingml/2006/chart">
+            <c:chart xmlns:c="http://schemas.openxmlformats.org/drawingml/2006/chart" xmlns:r="http://schemas.openxmlformats.org/officeDocument/2006/relationships" r:id="rId6"/>
+          </a:graphicData>
+        </a:graphic>
+      </p:graphicFrame>
+    </p:spTree>
+    <p:extLst>
+      <p:ext uri="{BB962C8B-B14F-4D97-AF65-F5344CB8AC3E}">
+        <p14:creationId xmlns:p14="http://schemas.microsoft.com/office/powerpoint/2010/main" val="534717570"/>
       </p:ext>
     </p:extLst>
   </p:cSld>
